--- a/게임 프로그래밍.pptx
+++ b/게임 프로그래밍.pptx
@@ -2915,7 +2915,7 @@
         <p:spPr/>
         <p:txBody>
           <a:bodyPr>
-            <a:normAutofit lnSpcReduction="10000"/>
+            <a:normAutofit fontScale="92500" lnSpcReduction="10000"/>
           </a:bodyPr>
           <a:lstStyle/>
           <a:p>
@@ -2953,7 +2953,25 @@
             </a:r>
             <a:r>
               <a:rPr lang="ko-KR" altLang="en-US" sz="2000" dirty="0" smtClean="0"/>
-              <a:t>게임 구성</a:t>
+              <a:t>게임 </a:t>
+            </a:r>
+            <a:r>
+              <a:rPr lang="ko-KR" altLang="en-US" sz="2000" dirty="0" smtClean="0"/>
+              <a:t>구성</a:t>
+            </a:r>
+            <a:endParaRPr lang="en-US" altLang="ko-KR" sz="2000" dirty="0" smtClean="0"/>
+          </a:p>
+          <a:p>
+            <a:pPr marL="0" indent="0">
+              <a:buNone/>
+            </a:pPr>
+            <a:r>
+              <a:rPr lang="en-US" altLang="ko-KR" sz="2000" smtClean="0"/>
+              <a:t> - </a:t>
+            </a:r>
+            <a:r>
+              <a:rPr lang="ko-KR" altLang="en-US" sz="2000" smtClean="0"/>
+              <a:t>ㅁㄴㅇㄹ</a:t>
             </a:r>
             <a:endParaRPr lang="en-US" altLang="ko-KR" sz="2000" dirty="0" smtClean="0"/>
           </a:p>
@@ -2983,12 +3001,8 @@
               <a:t>- </a:t>
             </a:r>
             <a:r>
-              <a:rPr lang="ko-KR" altLang="en-US" sz="2000" smtClean="0"/>
-              <a:t>개발 </a:t>
-            </a:r>
-            <a:r>
-              <a:rPr lang="ko-KR" altLang="en-US" sz="2000" smtClean="0"/>
-              <a:t>현황 </a:t>
+              <a:rPr lang="ko-KR" altLang="en-US" sz="2000" dirty="0" smtClean="0"/>
+              <a:t>개발 현황 </a:t>
             </a:r>
             <a:endParaRPr lang="en-US" altLang="ko-KR" sz="2000" dirty="0" smtClean="0"/>
           </a:p>
@@ -3106,11 +3120,7 @@
           <a:p>
             <a:r>
               <a:rPr lang="ko-KR" altLang="en-US" dirty="0" smtClean="0"/>
-              <a:t>주제 및 </a:t>
-            </a:r>
-            <a:r>
-              <a:rPr lang="ko-KR" altLang="en-US" dirty="0" smtClean="0"/>
-              <a:t>장르</a:t>
+              <a:t>주제 및 장르</a:t>
             </a:r>
             <a:endParaRPr lang="en-US" altLang="ko-KR" dirty="0" smtClean="0"/>
           </a:p>

--- a/게임 프로그래밍.pptx
+++ b/게임 프로그래밍.pptx
@@ -8,6 +8,11 @@
     <p:sldId id="256" r:id="rId2"/>
     <p:sldId id="257" r:id="rId3"/>
     <p:sldId id="258" r:id="rId4"/>
+    <p:sldId id="259" r:id="rId5"/>
+    <p:sldId id="260" r:id="rId6"/>
+    <p:sldId id="261" r:id="rId7"/>
+    <p:sldId id="263" r:id="rId8"/>
+    <p:sldId id="262" r:id="rId9"/>
   </p:sldIdLst>
   <p:sldSz cx="12192000" cy="6858000"/>
   <p:notesSz cx="6858000" cy="9144000"/>
@@ -2859,6 +2864,13 @@
   <p:clrMapOvr>
     <a:masterClrMapping/>
   </p:clrMapOvr>
+  <p:timing>
+    <p:tnLst>
+      <p:par>
+        <p:cTn id="1" dur="indefinite" restart="never" nodeType="tmRoot"/>
+      </p:par>
+    </p:tnLst>
+  </p:timing>
 </p:sld>
 </file>
 
@@ -2915,7 +2927,7 @@
         <p:spPr/>
         <p:txBody>
           <a:bodyPr>
-            <a:normAutofit fontScale="92500" lnSpcReduction="10000"/>
+            <a:normAutofit lnSpcReduction="10000"/>
           </a:bodyPr>
           <a:lstStyle/>
           <a:p>
@@ -2953,25 +2965,7 @@
             </a:r>
             <a:r>
               <a:rPr lang="ko-KR" altLang="en-US" sz="2000" dirty="0" smtClean="0"/>
-              <a:t>게임 </a:t>
-            </a:r>
-            <a:r>
-              <a:rPr lang="ko-KR" altLang="en-US" sz="2000" dirty="0" smtClean="0"/>
-              <a:t>구성</a:t>
-            </a:r>
-            <a:endParaRPr lang="en-US" altLang="ko-KR" sz="2000" dirty="0" smtClean="0"/>
-          </a:p>
-          <a:p>
-            <a:pPr marL="0" indent="0">
-              <a:buNone/>
-            </a:pPr>
-            <a:r>
-              <a:rPr lang="en-US" altLang="ko-KR" sz="2000" smtClean="0"/>
-              <a:t> - </a:t>
-            </a:r>
-            <a:r>
-              <a:rPr lang="ko-KR" altLang="en-US" sz="2000" smtClean="0"/>
-              <a:t>ㅁㄴㅇㄹ</a:t>
+              <a:t>게임 구성</a:t>
             </a:r>
             <a:endParaRPr lang="en-US" altLang="ko-KR" sz="2000" dirty="0" smtClean="0"/>
           </a:p>
@@ -3059,6 +3053,13 @@
   <p:clrMapOvr>
     <a:masterClrMapping/>
   </p:clrMapOvr>
+  <p:timing>
+    <p:tnLst>
+      <p:par>
+        <p:cTn id="1" dur="indefinite" restart="never" nodeType="tmRoot"/>
+      </p:par>
+    </p:tnLst>
+  </p:timing>
 </p:sld>
 </file>
 
@@ -3137,14 +3138,6 @@
               <a:t>액션 </a:t>
             </a:r>
             <a:r>
-              <a:rPr lang="ko-KR" altLang="en-US" dirty="0" err="1" smtClean="0"/>
-              <a:t>복셀</a:t>
-            </a:r>
-            <a:r>
-              <a:rPr lang="ko-KR" altLang="en-US" dirty="0" smtClean="0"/>
-              <a:t> </a:t>
-            </a:r>
-            <a:r>
               <a:rPr lang="en-US" altLang="ko-KR" dirty="0" smtClean="0"/>
               <a:t>+ </a:t>
             </a:r>
@@ -3158,7 +3151,19 @@
             </a:r>
             <a:r>
               <a:rPr lang="en-US" altLang="ko-KR" dirty="0" smtClean="0"/>
-              <a:t>+ RPG</a:t>
+              <a:t>+ </a:t>
+            </a:r>
+            <a:r>
+              <a:rPr lang="en-US" altLang="ko-KR" dirty="0" smtClean="0"/>
+              <a:t>RPG + </a:t>
+            </a:r>
+            <a:r>
+              <a:rPr lang="ko-KR" altLang="en-US" dirty="0"/>
+              <a:t> </a:t>
+            </a:r>
+            <a:r>
+              <a:rPr lang="ko-KR" altLang="en-US" dirty="0" err="1"/>
+              <a:t>복셀</a:t>
             </a:r>
             <a:endParaRPr lang="en-US" altLang="ko-KR" dirty="0"/>
           </a:p>
@@ -3187,7 +3192,7 @@
         </p:blipFill>
         <p:spPr bwMode="auto">
           <a:xfrm>
-            <a:off x="1061662" y="3042459"/>
+            <a:off x="6342610" y="3059968"/>
             <a:ext cx="3593465" cy="2245916"/>
           </a:xfrm>
           <a:prstGeom prst="rect">
@@ -3228,7 +3233,7 @@
         </p:blipFill>
         <p:spPr bwMode="auto">
           <a:xfrm>
-            <a:off x="5976865" y="3042459"/>
+            <a:off x="450776" y="3083210"/>
             <a:ext cx="3956845" cy="2319250"/>
           </a:xfrm>
           <a:prstGeom prst="rect">
@@ -3296,7 +3301,7 @@
         <p:spPr>
           <a:xfrm>
             <a:off x="1061661" y="5499036"/>
-            <a:ext cx="5280949" cy="1200329"/>
+            <a:ext cx="5280949" cy="923330"/>
           </a:xfrm>
           <a:prstGeom prst="rect">
             <a:avLst/>
@@ -3337,12 +3342,12 @@
               <a:t>현재 유행중인 </a:t>
             </a:r>
             <a:r>
-              <a:rPr lang="ko-KR" altLang="en-US" dirty="0" err="1" smtClean="0"/>
-              <a:t>핵앤</a:t>
-            </a:r>
-            <a:r>
-              <a:rPr lang="ko-KR" altLang="en-US" dirty="0" smtClean="0"/>
-              <a:t> 슬래시 장르</a:t>
+              <a:rPr lang="ko-KR" altLang="en-US" dirty="0" smtClean="0"/>
+              <a:t>핵 앤 </a:t>
+            </a:r>
+            <a:r>
+              <a:rPr lang="ko-KR" altLang="en-US" dirty="0" smtClean="0"/>
+              <a:t>슬래시 장르</a:t>
             </a:r>
             <a:endParaRPr lang="en-US" altLang="ko-KR" dirty="0" smtClean="0"/>
           </a:p>
@@ -3351,14 +3356,15 @@
               <a:buFontTx/>
               <a:buChar char="-"/>
             </a:pPr>
+            <a:r>
+              <a:rPr lang="en-US" altLang="ko-KR" dirty="0" smtClean="0"/>
+              <a:t>RPG</a:t>
+            </a:r>
+            <a:r>
+              <a:rPr lang="ko-KR" altLang="en-US" dirty="0" smtClean="0"/>
+              <a:t>의 성장 요소도 포함</a:t>
+            </a:r>
             <a:endParaRPr lang="en-US" altLang="ko-KR" dirty="0" smtClean="0"/>
-          </a:p>
-          <a:p>
-            <a:pPr marL="285750" indent="-285750">
-              <a:buFontTx/>
-              <a:buChar char="-"/>
-            </a:pPr>
-            <a:endParaRPr lang="ko-KR" altLang="en-US" dirty="0"/>
           </a:p>
         </p:txBody>
       </p:sp>
@@ -3372,6 +3378,1886 @@
   <p:clrMapOvr>
     <a:masterClrMapping/>
   </p:clrMapOvr>
+  <p:timing>
+    <p:tnLst>
+      <p:par>
+        <p:cTn id="1" dur="indefinite" restart="never" nodeType="tmRoot"/>
+      </p:par>
+    </p:tnLst>
+  </p:timing>
+</p:sld>
+</file>
+
+<file path=ppt/slides/slide4.xml><?xml version="1.0" encoding="utf-8"?>
+<p:sld xmlns:a="http://schemas.openxmlformats.org/drawingml/2006/main" xmlns:r="http://schemas.openxmlformats.org/officeDocument/2006/relationships" xmlns:p="http://schemas.openxmlformats.org/presentationml/2006/main">
+  <p:cSld>
+    <p:spTree>
+      <p:nvGrpSpPr>
+        <p:cNvPr id="1" name=""/>
+        <p:cNvGrpSpPr/>
+        <p:nvPr/>
+      </p:nvGrpSpPr>
+      <p:grpSpPr>
+        <a:xfrm>
+          <a:off x="0" y="0"/>
+          <a:ext cx="0" cy="0"/>
+          <a:chOff x="0" y="0"/>
+          <a:chExt cx="0" cy="0"/>
+        </a:xfrm>
+      </p:grpSpPr>
+      <p:sp>
+        <p:nvSpPr>
+          <p:cNvPr id="2" name="제목 1"/>
+          <p:cNvSpPr>
+            <a:spLocks noGrp="1"/>
+          </p:cNvSpPr>
+          <p:nvPr>
+            <p:ph type="title"/>
+          </p:nvPr>
+        </p:nvSpPr>
+        <p:spPr/>
+        <p:txBody>
+          <a:bodyPr/>
+          <a:lstStyle/>
+          <a:p>
+            <a:pPr algn="l"/>
+            <a:r>
+              <a:rPr lang="ko-KR" altLang="en-US" dirty="0" smtClean="0"/>
+              <a:t>개발 과정</a:t>
+            </a:r>
+            <a:endParaRPr lang="ko-KR" altLang="en-US" dirty="0"/>
+          </a:p>
+        </p:txBody>
+      </p:sp>
+      <p:sp>
+        <p:nvSpPr>
+          <p:cNvPr id="3" name="내용 개체 틀 2"/>
+          <p:cNvSpPr>
+            <a:spLocks noGrp="1"/>
+          </p:cNvSpPr>
+          <p:nvPr>
+            <p:ph idx="1"/>
+          </p:nvPr>
+        </p:nvSpPr>
+        <p:spPr/>
+        <p:txBody>
+          <a:bodyPr/>
+          <a:lstStyle/>
+          <a:p>
+            <a:r>
+              <a:rPr lang="ko-KR" altLang="en-US" dirty="0" smtClean="0"/>
+              <a:t>개발 현황</a:t>
+            </a:r>
+            <a:endParaRPr lang="en-US" altLang="ko-KR" dirty="0" smtClean="0"/>
+          </a:p>
+        </p:txBody>
+      </p:sp>
+      <p:pic>
+        <p:nvPicPr>
+          <p:cNvPr id="5" name="그림 4"/>
+          <p:cNvPicPr>
+            <a:picLocks noChangeAspect="1"/>
+          </p:cNvPicPr>
+          <p:nvPr/>
+        </p:nvPicPr>
+        <p:blipFill>
+          <a:blip r:embed="rId2"/>
+          <a:stretch>
+            <a:fillRect/>
+          </a:stretch>
+        </p:blipFill>
+        <p:spPr>
+          <a:xfrm>
+            <a:off x="793648" y="2330841"/>
+            <a:ext cx="4759487" cy="2631684"/>
+          </a:xfrm>
+          <a:prstGeom prst="rect">
+            <a:avLst/>
+          </a:prstGeom>
+        </p:spPr>
+      </p:pic>
+      <p:sp>
+        <p:nvSpPr>
+          <p:cNvPr id="6" name="TextBox 5"/>
+          <p:cNvSpPr txBox="1"/>
+          <p:nvPr/>
+        </p:nvSpPr>
+        <p:spPr>
+          <a:xfrm>
+            <a:off x="638174" y="5286375"/>
+            <a:ext cx="5172076" cy="923330"/>
+          </a:xfrm>
+          <a:prstGeom prst="rect">
+            <a:avLst/>
+          </a:prstGeom>
+          <a:noFill/>
+        </p:spPr>
+        <p:txBody>
+          <a:bodyPr wrap="square" rtlCol="0">
+            <a:spAutoFit/>
+          </a:bodyPr>
+          <a:lstStyle/>
+          <a:p>
+            <a:pPr marL="285750" indent="-285750">
+              <a:buFontTx/>
+              <a:buChar char="-"/>
+            </a:pPr>
+            <a:r>
+              <a:rPr lang="ko-KR" altLang="en-US" dirty="0" smtClean="0"/>
+              <a:t>유튜브 강의 </a:t>
+            </a:r>
+            <a:r>
+              <a:rPr lang="en-US" altLang="ko-KR" dirty="0" smtClean="0"/>
+              <a:t>“Quad Action” </a:t>
+            </a:r>
+            <a:r>
+              <a:rPr lang="ko-KR" altLang="en-US" dirty="0" smtClean="0"/>
+              <a:t>따라서 구현</a:t>
+            </a:r>
+            <a:endParaRPr lang="en-US" altLang="ko-KR" dirty="0" smtClean="0"/>
+          </a:p>
+          <a:p>
+            <a:pPr marL="285750" indent="-285750">
+              <a:buFontTx/>
+              <a:buChar char="-"/>
+            </a:pPr>
+            <a:r>
+              <a:rPr lang="ko-KR" altLang="en-US" dirty="0" smtClean="0"/>
+              <a:t>필요한 부분만 프로젝트에 사용 예정</a:t>
+            </a:r>
+            <a:endParaRPr lang="en-US" altLang="ko-KR" dirty="0" smtClean="0"/>
+          </a:p>
+          <a:p>
+            <a:pPr marL="285750" indent="-285750">
+              <a:buFontTx/>
+              <a:buChar char="-"/>
+            </a:pPr>
+            <a:r>
+              <a:rPr lang="ko-KR" altLang="en-US" dirty="0" smtClean="0"/>
+              <a:t>추가로 사용할 모델링</a:t>
+            </a:r>
+            <a:r>
+              <a:rPr lang="en-US" altLang="ko-KR" dirty="0" smtClean="0"/>
+              <a:t>, </a:t>
+            </a:r>
+            <a:r>
+              <a:rPr lang="ko-KR" altLang="en-US" dirty="0" err="1" smtClean="0"/>
+              <a:t>에셋</a:t>
+            </a:r>
+            <a:r>
+              <a:rPr lang="ko-KR" altLang="en-US" dirty="0" smtClean="0"/>
+              <a:t> 찾는 중</a:t>
+            </a:r>
+            <a:endParaRPr lang="ko-KR" altLang="en-US" dirty="0"/>
+          </a:p>
+        </p:txBody>
+      </p:sp>
+      <p:pic>
+        <p:nvPicPr>
+          <p:cNvPr id="7" name="Picture 2" descr="File:Arrow east.svg - Wikimedia Commons"/>
+          <p:cNvPicPr>
+            <a:picLocks noChangeAspect="1" noChangeArrowheads="1"/>
+          </p:cNvPicPr>
+          <p:nvPr/>
+        </p:nvPicPr>
+        <p:blipFill>
+          <a:blip r:embed="rId3" cstate="print">
+            <a:extLst>
+              <a:ext uri="{28A0092B-C50C-407E-A947-70E740481C1C}">
+                <a14:useLocalDpi xmlns:a14="http://schemas.microsoft.com/office/drawing/2010/main" val="0"/>
+              </a:ext>
+            </a:extLst>
+          </a:blip>
+          <a:srcRect/>
+          <a:stretch>
+            <a:fillRect/>
+          </a:stretch>
+        </p:blipFill>
+        <p:spPr bwMode="auto">
+          <a:xfrm>
+            <a:off x="5941840" y="3427412"/>
+            <a:ext cx="1110233" cy="449263"/>
+          </a:xfrm>
+          <a:prstGeom prst="rect">
+            <a:avLst/>
+          </a:prstGeom>
+          <a:noFill/>
+          <a:extLst>
+            <a:ext uri="{909E8E84-426E-40DD-AFC4-6F175D3DCCD1}">
+              <a14:hiddenFill xmlns:a14="http://schemas.microsoft.com/office/drawing/2010/main">
+                <a:solidFill>
+                  <a:srgbClr val="FFFFFF"/>
+                </a:solidFill>
+              </a14:hiddenFill>
+            </a:ext>
+          </a:extLst>
+        </p:spPr>
+      </p:pic>
+      <p:sp>
+        <p:nvSpPr>
+          <p:cNvPr id="8" name="직사각형 7"/>
+          <p:cNvSpPr/>
+          <p:nvPr/>
+        </p:nvSpPr>
+        <p:spPr>
+          <a:xfrm>
+            <a:off x="7200900" y="2405453"/>
+            <a:ext cx="2905125" cy="2517384"/>
+          </a:xfrm>
+          <a:prstGeom prst="rect">
+            <a:avLst/>
+          </a:prstGeom>
+        </p:spPr>
+        <p:style>
+          <a:lnRef idx="2">
+            <a:schemeClr val="accent4">
+              <a:shade val="50000"/>
+            </a:schemeClr>
+          </a:lnRef>
+          <a:fillRef idx="1">
+            <a:schemeClr val="accent4"/>
+          </a:fillRef>
+          <a:effectRef idx="0">
+            <a:schemeClr val="accent4"/>
+          </a:effectRef>
+          <a:fontRef idx="minor">
+            <a:schemeClr val="lt1"/>
+          </a:fontRef>
+        </p:style>
+        <p:txBody>
+          <a:bodyPr rtlCol="0" anchor="ctr"/>
+          <a:lstStyle/>
+          <a:p>
+            <a:pPr marL="285750" indent="-285750">
+              <a:buFontTx/>
+              <a:buChar char="-"/>
+            </a:pPr>
+            <a:r>
+              <a:rPr lang="ko-KR" altLang="en-US" dirty="0" smtClean="0">
+                <a:solidFill>
+                  <a:schemeClr val="tx1"/>
+                </a:solidFill>
+              </a:rPr>
+              <a:t>프로젝트에 사용할 내용</a:t>
+            </a:r>
+            <a:endParaRPr lang="en-US" altLang="ko-KR" dirty="0" smtClean="0">
+              <a:solidFill>
+                <a:schemeClr val="tx1"/>
+              </a:solidFill>
+            </a:endParaRPr>
+          </a:p>
+          <a:p>
+            <a:pPr marL="285750" indent="-285750">
+              <a:buFontTx/>
+              <a:buChar char="-"/>
+            </a:pPr>
+            <a:endParaRPr lang="en-US" altLang="ko-KR" dirty="0" smtClean="0">
+              <a:solidFill>
+                <a:schemeClr val="tx1"/>
+              </a:solidFill>
+            </a:endParaRPr>
+          </a:p>
+          <a:p>
+            <a:r>
+              <a:rPr lang="en-US" altLang="ko-KR" dirty="0" smtClean="0">
+                <a:solidFill>
+                  <a:schemeClr val="tx1"/>
+                </a:solidFill>
+              </a:rPr>
+              <a:t> 1. </a:t>
+            </a:r>
+            <a:r>
+              <a:rPr lang="ko-KR" altLang="en-US" dirty="0" smtClean="0">
+                <a:solidFill>
+                  <a:schemeClr val="tx1"/>
+                </a:solidFill>
+              </a:rPr>
+              <a:t>모델링</a:t>
+            </a:r>
+            <a:endParaRPr lang="en-US" altLang="ko-KR" dirty="0">
+              <a:solidFill>
+                <a:schemeClr val="tx1"/>
+              </a:solidFill>
+            </a:endParaRPr>
+          </a:p>
+          <a:p>
+            <a:r>
+              <a:rPr lang="en-US" altLang="ko-KR" dirty="0" smtClean="0">
+                <a:solidFill>
+                  <a:schemeClr val="tx1"/>
+                </a:solidFill>
+              </a:rPr>
+              <a:t> 2. </a:t>
+            </a:r>
+            <a:r>
+              <a:rPr lang="ko-KR" altLang="en-US" dirty="0" smtClean="0">
+                <a:solidFill>
+                  <a:schemeClr val="tx1"/>
+                </a:solidFill>
+              </a:rPr>
+              <a:t>애니메이션</a:t>
+            </a:r>
+            <a:endParaRPr lang="en-US" altLang="ko-KR" dirty="0" smtClean="0">
+              <a:solidFill>
+                <a:schemeClr val="tx1"/>
+              </a:solidFill>
+            </a:endParaRPr>
+          </a:p>
+          <a:p>
+            <a:r>
+              <a:rPr lang="en-US" altLang="ko-KR" dirty="0">
+                <a:solidFill>
+                  <a:schemeClr val="tx1"/>
+                </a:solidFill>
+              </a:rPr>
+              <a:t> </a:t>
+            </a:r>
+            <a:r>
+              <a:rPr lang="en-US" altLang="ko-KR" dirty="0" smtClean="0">
+                <a:solidFill>
+                  <a:schemeClr val="tx1"/>
+                </a:solidFill>
+              </a:rPr>
+              <a:t>3. UI </a:t>
+            </a:r>
+            <a:r>
+              <a:rPr lang="ko-KR" altLang="en-US" dirty="0" err="1" smtClean="0">
+                <a:solidFill>
+                  <a:schemeClr val="tx1"/>
+                </a:solidFill>
+              </a:rPr>
+              <a:t>스프라이트</a:t>
+            </a:r>
+            <a:endParaRPr lang="en-US" altLang="ko-KR" dirty="0">
+              <a:solidFill>
+                <a:schemeClr val="tx1"/>
+              </a:solidFill>
+            </a:endParaRPr>
+          </a:p>
+        </p:txBody>
+      </p:sp>
+    </p:spTree>
+    <p:extLst>
+      <p:ext uri="{BB962C8B-B14F-4D97-AF65-F5344CB8AC3E}">
+        <p14:creationId xmlns:p14="http://schemas.microsoft.com/office/powerpoint/2010/main" val="563468133"/>
+      </p:ext>
+    </p:extLst>
+  </p:cSld>
+  <p:clrMapOvr>
+    <a:masterClrMapping/>
+  </p:clrMapOvr>
+  <p:timing>
+    <p:tnLst>
+      <p:par>
+        <p:cTn id="1" dur="indefinite" restart="never" nodeType="tmRoot"/>
+      </p:par>
+    </p:tnLst>
+  </p:timing>
+</p:sld>
+</file>
+
+<file path=ppt/slides/slide5.xml><?xml version="1.0" encoding="utf-8"?>
+<p:sld xmlns:a="http://schemas.openxmlformats.org/drawingml/2006/main" xmlns:r="http://schemas.openxmlformats.org/officeDocument/2006/relationships" xmlns:p="http://schemas.openxmlformats.org/presentationml/2006/main">
+  <p:cSld>
+    <p:spTree>
+      <p:nvGrpSpPr>
+        <p:cNvPr id="1" name=""/>
+        <p:cNvGrpSpPr/>
+        <p:nvPr/>
+      </p:nvGrpSpPr>
+      <p:grpSpPr>
+        <a:xfrm>
+          <a:off x="0" y="0"/>
+          <a:ext cx="0" cy="0"/>
+          <a:chOff x="0" y="0"/>
+          <a:chExt cx="0" cy="0"/>
+        </a:xfrm>
+      </p:grpSpPr>
+      <p:sp>
+        <p:nvSpPr>
+          <p:cNvPr id="2" name="제목 1"/>
+          <p:cNvSpPr>
+            <a:spLocks noGrp="1"/>
+          </p:cNvSpPr>
+          <p:nvPr>
+            <p:ph type="title"/>
+          </p:nvPr>
+        </p:nvSpPr>
+        <p:spPr/>
+        <p:txBody>
+          <a:bodyPr/>
+          <a:lstStyle/>
+          <a:p>
+            <a:pPr algn="l"/>
+            <a:r>
+              <a:rPr lang="ko-KR" altLang="en-US" dirty="0" smtClean="0"/>
+              <a:t>개발 과정</a:t>
+            </a:r>
+            <a:endParaRPr lang="ko-KR" altLang="en-US" dirty="0"/>
+          </a:p>
+        </p:txBody>
+      </p:sp>
+      <p:sp>
+        <p:nvSpPr>
+          <p:cNvPr id="3" name="내용 개체 틀 2"/>
+          <p:cNvSpPr>
+            <a:spLocks noGrp="1"/>
+          </p:cNvSpPr>
+          <p:nvPr>
+            <p:ph idx="1"/>
+          </p:nvPr>
+        </p:nvSpPr>
+        <p:spPr/>
+        <p:txBody>
+          <a:bodyPr/>
+          <a:lstStyle/>
+          <a:p>
+            <a:r>
+              <a:rPr lang="ko-KR" altLang="en-US" dirty="0" smtClean="0"/>
+              <a:t>개발 현황</a:t>
+            </a:r>
+            <a:endParaRPr lang="en-US" altLang="ko-KR" dirty="0" smtClean="0"/>
+          </a:p>
+        </p:txBody>
+      </p:sp>
+      <p:pic>
+        <p:nvPicPr>
+          <p:cNvPr id="4" name="그림 3"/>
+          <p:cNvPicPr>
+            <a:picLocks noChangeAspect="1"/>
+          </p:cNvPicPr>
+          <p:nvPr/>
+        </p:nvPicPr>
+        <p:blipFill>
+          <a:blip r:embed="rId2"/>
+          <a:stretch>
+            <a:fillRect/>
+          </a:stretch>
+        </p:blipFill>
+        <p:spPr>
+          <a:xfrm>
+            <a:off x="946785" y="2281985"/>
+            <a:ext cx="3996690" cy="2166097"/>
+          </a:xfrm>
+          <a:prstGeom prst="rect">
+            <a:avLst/>
+          </a:prstGeom>
+        </p:spPr>
+      </p:pic>
+      <p:pic>
+        <p:nvPicPr>
+          <p:cNvPr id="9" name="그림 8"/>
+          <p:cNvPicPr>
+            <a:picLocks noChangeAspect="1"/>
+          </p:cNvPicPr>
+          <p:nvPr/>
+        </p:nvPicPr>
+        <p:blipFill>
+          <a:blip r:embed="rId3"/>
+          <a:stretch>
+            <a:fillRect/>
+          </a:stretch>
+        </p:blipFill>
+        <p:spPr>
+          <a:xfrm>
+            <a:off x="5699441" y="4125057"/>
+            <a:ext cx="3871007" cy="2104157"/>
+          </a:xfrm>
+          <a:prstGeom prst="rect">
+            <a:avLst/>
+          </a:prstGeom>
+        </p:spPr>
+      </p:pic>
+      <p:sp>
+        <p:nvSpPr>
+          <p:cNvPr id="10" name="TextBox 9"/>
+          <p:cNvSpPr txBox="1"/>
+          <p:nvPr/>
+        </p:nvSpPr>
+        <p:spPr>
+          <a:xfrm>
+            <a:off x="946785" y="4547005"/>
+            <a:ext cx="2663190" cy="369332"/>
+          </a:xfrm>
+          <a:prstGeom prst="rect">
+            <a:avLst/>
+          </a:prstGeom>
+          <a:noFill/>
+        </p:spPr>
+        <p:txBody>
+          <a:bodyPr wrap="square" rtlCol="0">
+            <a:spAutoFit/>
+          </a:bodyPr>
+          <a:lstStyle/>
+          <a:p>
+            <a:r>
+              <a:rPr lang="en-US" altLang="ko-KR" dirty="0" smtClean="0"/>
+              <a:t>- </a:t>
+            </a:r>
+            <a:r>
+              <a:rPr lang="ko-KR" altLang="en-US" dirty="0" smtClean="0"/>
+              <a:t>완성된 화면</a:t>
+            </a:r>
+            <a:r>
+              <a:rPr lang="en-US" altLang="ko-KR" dirty="0" smtClean="0"/>
+              <a:t>(Unity)</a:t>
+            </a:r>
+            <a:endParaRPr lang="ko-KR" altLang="en-US" dirty="0"/>
+          </a:p>
+        </p:txBody>
+      </p:sp>
+      <p:sp>
+        <p:nvSpPr>
+          <p:cNvPr id="11" name="TextBox 10"/>
+          <p:cNvSpPr txBox="1"/>
+          <p:nvPr/>
+        </p:nvSpPr>
+        <p:spPr>
+          <a:xfrm>
+            <a:off x="5585460" y="3666206"/>
+            <a:ext cx="2663190" cy="369332"/>
+          </a:xfrm>
+          <a:prstGeom prst="rect">
+            <a:avLst/>
+          </a:prstGeom>
+          <a:noFill/>
+        </p:spPr>
+        <p:txBody>
+          <a:bodyPr wrap="square" rtlCol="0">
+            <a:spAutoFit/>
+          </a:bodyPr>
+          <a:lstStyle/>
+          <a:p>
+            <a:r>
+              <a:rPr lang="en-US" altLang="ko-KR" dirty="0" smtClean="0"/>
+              <a:t>- </a:t>
+            </a:r>
+            <a:r>
+              <a:rPr lang="ko-KR" altLang="en-US" dirty="0" smtClean="0"/>
+              <a:t>완성된 화면</a:t>
+            </a:r>
+            <a:r>
+              <a:rPr lang="en-US" altLang="ko-KR" dirty="0" smtClean="0"/>
+              <a:t>(Script)</a:t>
+            </a:r>
+            <a:endParaRPr lang="ko-KR" altLang="en-US" dirty="0"/>
+          </a:p>
+        </p:txBody>
+      </p:sp>
+    </p:spTree>
+    <p:extLst>
+      <p:ext uri="{BB962C8B-B14F-4D97-AF65-F5344CB8AC3E}">
+        <p14:creationId xmlns:p14="http://schemas.microsoft.com/office/powerpoint/2010/main" val="3793038724"/>
+      </p:ext>
+    </p:extLst>
+  </p:cSld>
+  <p:clrMapOvr>
+    <a:masterClrMapping/>
+  </p:clrMapOvr>
+  <p:timing>
+    <p:tnLst>
+      <p:par>
+        <p:cTn id="1" dur="indefinite" restart="never" nodeType="tmRoot"/>
+      </p:par>
+    </p:tnLst>
+  </p:timing>
+</p:sld>
+</file>
+
+<file path=ppt/slides/slide6.xml><?xml version="1.0" encoding="utf-8"?>
+<p:sld xmlns:a="http://schemas.openxmlformats.org/drawingml/2006/main" xmlns:r="http://schemas.openxmlformats.org/officeDocument/2006/relationships" xmlns:p="http://schemas.openxmlformats.org/presentationml/2006/main">
+  <p:cSld>
+    <p:spTree>
+      <p:nvGrpSpPr>
+        <p:cNvPr id="1" name=""/>
+        <p:cNvGrpSpPr/>
+        <p:nvPr/>
+      </p:nvGrpSpPr>
+      <p:grpSpPr>
+        <a:xfrm>
+          <a:off x="0" y="0"/>
+          <a:ext cx="0" cy="0"/>
+          <a:chOff x="0" y="0"/>
+          <a:chExt cx="0" cy="0"/>
+        </a:xfrm>
+      </p:grpSpPr>
+      <p:sp>
+        <p:nvSpPr>
+          <p:cNvPr id="2" name="제목 1"/>
+          <p:cNvSpPr>
+            <a:spLocks noGrp="1"/>
+          </p:cNvSpPr>
+          <p:nvPr>
+            <p:ph type="title"/>
+          </p:nvPr>
+        </p:nvSpPr>
+        <p:spPr/>
+        <p:txBody>
+          <a:bodyPr/>
+          <a:lstStyle/>
+          <a:p>
+            <a:pPr algn="l"/>
+            <a:r>
+              <a:rPr lang="ko-KR" altLang="en-US" dirty="0" smtClean="0"/>
+              <a:t>개발 과정</a:t>
+            </a:r>
+            <a:endParaRPr lang="ko-KR" altLang="en-US" dirty="0"/>
+          </a:p>
+        </p:txBody>
+      </p:sp>
+      <p:sp>
+        <p:nvSpPr>
+          <p:cNvPr id="3" name="내용 개체 틀 2"/>
+          <p:cNvSpPr>
+            <a:spLocks noGrp="1"/>
+          </p:cNvSpPr>
+          <p:nvPr>
+            <p:ph idx="1"/>
+          </p:nvPr>
+        </p:nvSpPr>
+        <p:spPr/>
+        <p:txBody>
+          <a:bodyPr/>
+          <a:lstStyle/>
+          <a:p>
+            <a:r>
+              <a:rPr lang="ko-KR" altLang="en-US" dirty="0" smtClean="0"/>
+              <a:t>개발 </a:t>
+            </a:r>
+            <a:r>
+              <a:rPr lang="ko-KR" altLang="en-US" dirty="0" smtClean="0"/>
+              <a:t>예정</a:t>
+            </a:r>
+            <a:endParaRPr lang="en-US" altLang="ko-KR" dirty="0" smtClean="0"/>
+          </a:p>
+          <a:p>
+            <a:pPr marL="0" indent="0">
+              <a:buNone/>
+            </a:pPr>
+            <a:r>
+              <a:rPr lang="en-US" altLang="ko-KR" dirty="0" smtClean="0"/>
+              <a:t> 1. </a:t>
+            </a:r>
+            <a:r>
+              <a:rPr lang="ko-KR" altLang="en-US" dirty="0" smtClean="0"/>
+              <a:t>스킬</a:t>
+            </a:r>
+            <a:endParaRPr lang="en-US" altLang="ko-KR" dirty="0" smtClean="0"/>
+          </a:p>
+          <a:p>
+            <a:pPr marL="0" indent="0">
+              <a:buNone/>
+            </a:pPr>
+            <a:r>
+              <a:rPr lang="en-US" altLang="ko-KR" sz="2400" dirty="0" smtClean="0"/>
+              <a:t>    - </a:t>
+            </a:r>
+            <a:r>
+              <a:rPr lang="ko-KR" altLang="en-US" sz="2400" dirty="0" smtClean="0"/>
+              <a:t>총</a:t>
+            </a:r>
+            <a:r>
+              <a:rPr lang="en-US" altLang="ko-KR" sz="2400" dirty="0" smtClean="0"/>
+              <a:t> 3</a:t>
+            </a:r>
+            <a:r>
+              <a:rPr lang="ko-KR" altLang="en-US" sz="2400" dirty="0" smtClean="0"/>
+              <a:t>개의 스킬 추가 예정</a:t>
+            </a:r>
+            <a:endParaRPr lang="en-US" altLang="ko-KR" sz="2400" dirty="0" smtClean="0"/>
+          </a:p>
+          <a:p>
+            <a:pPr marL="0" indent="0">
+              <a:buNone/>
+            </a:pPr>
+            <a:r>
+              <a:rPr lang="en-US" altLang="ko-KR" sz="2400" dirty="0"/>
+              <a:t> </a:t>
+            </a:r>
+            <a:r>
+              <a:rPr lang="en-US" altLang="ko-KR" sz="2400" dirty="0" smtClean="0"/>
+              <a:t>   </a:t>
+            </a:r>
+          </a:p>
+        </p:txBody>
+      </p:sp>
+      <p:pic>
+        <p:nvPicPr>
+          <p:cNvPr id="3074" name="Picture 2" descr="D.Va (r7702 판) - 나무위키"/>
+          <p:cNvPicPr>
+            <a:picLocks noChangeAspect="1" noChangeArrowheads="1"/>
+          </p:cNvPicPr>
+          <p:nvPr/>
+        </p:nvPicPr>
+        <p:blipFill>
+          <a:blip r:embed="rId2" cstate="print">
+            <a:extLst>
+              <a:ext uri="{28A0092B-C50C-407E-A947-70E740481C1C}">
+                <a14:useLocalDpi xmlns:a14="http://schemas.microsoft.com/office/drawing/2010/main" val="0"/>
+              </a:ext>
+            </a:extLst>
+          </a:blip>
+          <a:srcRect/>
+          <a:stretch>
+            <a:fillRect/>
+          </a:stretch>
+        </p:blipFill>
+        <p:spPr bwMode="auto">
+          <a:xfrm>
+            <a:off x="961711" y="3451587"/>
+            <a:ext cx="3721521" cy="1510938"/>
+          </a:xfrm>
+          <a:prstGeom prst="rect">
+            <a:avLst/>
+          </a:prstGeom>
+          <a:noFill/>
+          <a:extLst>
+            <a:ext uri="{909E8E84-426E-40DD-AFC4-6F175D3DCCD1}">
+              <a14:hiddenFill xmlns:a14="http://schemas.microsoft.com/office/drawing/2010/main">
+                <a:solidFill>
+                  <a:srgbClr val="FFFFFF"/>
+                </a:solidFill>
+              </a14:hiddenFill>
+            </a:ext>
+          </a:extLst>
+        </p:spPr>
+      </p:pic>
+      <p:pic>
+        <p:nvPicPr>
+          <p:cNvPr id="3076" name="Picture 4" descr="PUBG's next patch adds a new machine gun and a decoy grenade | PCGamesN"/>
+          <p:cNvPicPr>
+            <a:picLocks noChangeAspect="1" noChangeArrowheads="1"/>
+          </p:cNvPicPr>
+          <p:nvPr/>
+        </p:nvPicPr>
+        <p:blipFill>
+          <a:blip r:embed="rId3" cstate="print">
+            <a:extLst>
+              <a:ext uri="{28A0092B-C50C-407E-A947-70E740481C1C}">
+                <a14:useLocalDpi xmlns:a14="http://schemas.microsoft.com/office/drawing/2010/main" val="0"/>
+              </a:ext>
+            </a:extLst>
+          </a:blip>
+          <a:srcRect/>
+          <a:stretch>
+            <a:fillRect/>
+          </a:stretch>
+        </p:blipFill>
+        <p:spPr bwMode="auto">
+          <a:xfrm>
+            <a:off x="5668625" y="3451587"/>
+            <a:ext cx="2550645" cy="1434738"/>
+          </a:xfrm>
+          <a:prstGeom prst="rect">
+            <a:avLst/>
+          </a:prstGeom>
+          <a:noFill/>
+          <a:extLst>
+            <a:ext uri="{909E8E84-426E-40DD-AFC4-6F175D3DCCD1}">
+              <a14:hiddenFill xmlns:a14="http://schemas.microsoft.com/office/drawing/2010/main">
+                <a:solidFill>
+                  <a:srgbClr val="FFFFFF"/>
+                </a:solidFill>
+              </a14:hiddenFill>
+            </a:ext>
+          </a:extLst>
+        </p:spPr>
+      </p:pic>
+      <p:sp>
+        <p:nvSpPr>
+          <p:cNvPr id="4" name="TextBox 3"/>
+          <p:cNvSpPr txBox="1"/>
+          <p:nvPr/>
+        </p:nvSpPr>
+        <p:spPr>
+          <a:xfrm>
+            <a:off x="961711" y="5133975"/>
+            <a:ext cx="4600889" cy="1200329"/>
+          </a:xfrm>
+          <a:prstGeom prst="rect">
+            <a:avLst/>
+          </a:prstGeom>
+          <a:noFill/>
+        </p:spPr>
+        <p:txBody>
+          <a:bodyPr wrap="square" rtlCol="0">
+            <a:spAutoFit/>
+          </a:bodyPr>
+          <a:lstStyle/>
+          <a:p>
+            <a:r>
+              <a:rPr lang="ko-KR" altLang="en-US" dirty="0" smtClean="0"/>
+              <a:t>미사일 발사</a:t>
+            </a:r>
+            <a:endParaRPr lang="en-US" altLang="ko-KR" dirty="0" smtClean="0"/>
+          </a:p>
+          <a:p>
+            <a:pPr marL="285750" indent="-285750">
+              <a:buFontTx/>
+              <a:buChar char="-"/>
+            </a:pPr>
+            <a:r>
+              <a:rPr lang="ko-KR" altLang="en-US" dirty="0" smtClean="0"/>
+              <a:t>플레이어가 보는 방향으로 미사일 발사</a:t>
+            </a:r>
+            <a:endParaRPr lang="en-US" altLang="ko-KR" dirty="0" smtClean="0"/>
+          </a:p>
+          <a:p>
+            <a:pPr marL="285750" indent="-285750">
+              <a:buFontTx/>
+              <a:buChar char="-"/>
+            </a:pPr>
+            <a:r>
+              <a:rPr lang="ko-KR" altLang="en-US" dirty="0" smtClean="0"/>
+              <a:t>적이나 벽에 부딪힐 시 폭발</a:t>
+            </a:r>
+            <a:endParaRPr lang="en-US" altLang="ko-KR" dirty="0" smtClean="0"/>
+          </a:p>
+          <a:p>
+            <a:pPr marL="285750" indent="-285750">
+              <a:buFontTx/>
+              <a:buChar char="-"/>
+            </a:pPr>
+            <a:r>
+              <a:rPr lang="ko-KR" altLang="en-US" dirty="0" smtClean="0"/>
+              <a:t>키보드 </a:t>
+            </a:r>
+            <a:r>
+              <a:rPr lang="en-US" altLang="ko-KR" dirty="0" smtClean="0"/>
+              <a:t>‘Q’</a:t>
+            </a:r>
+            <a:r>
+              <a:rPr lang="ko-KR" altLang="en-US" dirty="0" smtClean="0"/>
+              <a:t>에 매핑할 예정</a:t>
+            </a:r>
+            <a:endParaRPr lang="ko-KR" altLang="en-US" dirty="0"/>
+          </a:p>
+        </p:txBody>
+      </p:sp>
+      <p:sp>
+        <p:nvSpPr>
+          <p:cNvPr id="12" name="TextBox 11"/>
+          <p:cNvSpPr txBox="1"/>
+          <p:nvPr/>
+        </p:nvSpPr>
+        <p:spPr>
+          <a:xfrm>
+            <a:off x="5562600" y="5358429"/>
+            <a:ext cx="4600889" cy="923330"/>
+          </a:xfrm>
+          <a:prstGeom prst="rect">
+            <a:avLst/>
+          </a:prstGeom>
+          <a:noFill/>
+        </p:spPr>
+        <p:txBody>
+          <a:bodyPr wrap="square" rtlCol="0">
+            <a:spAutoFit/>
+          </a:bodyPr>
+          <a:lstStyle/>
+          <a:p>
+            <a:r>
+              <a:rPr lang="ko-KR" altLang="en-US" dirty="0" smtClean="0"/>
+              <a:t>수류탄 투척</a:t>
+            </a:r>
+            <a:endParaRPr lang="en-US" altLang="ko-KR" dirty="0" smtClean="0"/>
+          </a:p>
+          <a:p>
+            <a:r>
+              <a:rPr lang="en-US" altLang="ko-KR" dirty="0" smtClean="0"/>
+              <a:t>- </a:t>
+            </a:r>
+            <a:r>
+              <a:rPr lang="ko-KR" altLang="en-US" dirty="0" smtClean="0"/>
+              <a:t>강의에 있던 내용을 재활용</a:t>
+            </a:r>
+            <a:endParaRPr lang="en-US" altLang="ko-KR" dirty="0" smtClean="0"/>
+          </a:p>
+          <a:p>
+            <a:r>
+              <a:rPr lang="en-US" altLang="ko-KR" dirty="0" smtClean="0"/>
+              <a:t>- </a:t>
+            </a:r>
+            <a:r>
+              <a:rPr lang="ko-KR" altLang="en-US" dirty="0" smtClean="0"/>
+              <a:t>마우스 </a:t>
+            </a:r>
+            <a:r>
+              <a:rPr lang="ko-KR" altLang="en-US" dirty="0" err="1" smtClean="0"/>
+              <a:t>우클릭으로</a:t>
+            </a:r>
+            <a:r>
+              <a:rPr lang="ko-KR" altLang="en-US" dirty="0" smtClean="0"/>
+              <a:t> 투척</a:t>
+            </a:r>
+            <a:endParaRPr lang="ko-KR" altLang="en-US" dirty="0"/>
+          </a:p>
+        </p:txBody>
+      </p:sp>
+    </p:spTree>
+    <p:extLst>
+      <p:ext uri="{BB962C8B-B14F-4D97-AF65-F5344CB8AC3E}">
+        <p14:creationId xmlns:p14="http://schemas.microsoft.com/office/powerpoint/2010/main" val="1670417040"/>
+      </p:ext>
+    </p:extLst>
+  </p:cSld>
+  <p:clrMapOvr>
+    <a:masterClrMapping/>
+  </p:clrMapOvr>
+  <p:timing>
+    <p:tnLst>
+      <p:par>
+        <p:cTn id="1" dur="indefinite" restart="never" nodeType="tmRoot"/>
+      </p:par>
+    </p:tnLst>
+  </p:timing>
+</p:sld>
+</file>
+
+<file path=ppt/slides/slide7.xml><?xml version="1.0" encoding="utf-8"?>
+<p:sld xmlns:a="http://schemas.openxmlformats.org/drawingml/2006/main" xmlns:r="http://schemas.openxmlformats.org/officeDocument/2006/relationships" xmlns:p="http://schemas.openxmlformats.org/presentationml/2006/main">
+  <p:cSld>
+    <p:spTree>
+      <p:nvGrpSpPr>
+        <p:cNvPr id="1" name=""/>
+        <p:cNvGrpSpPr/>
+        <p:nvPr/>
+      </p:nvGrpSpPr>
+      <p:grpSpPr>
+        <a:xfrm>
+          <a:off x="0" y="0"/>
+          <a:ext cx="0" cy="0"/>
+          <a:chOff x="0" y="0"/>
+          <a:chExt cx="0" cy="0"/>
+        </a:xfrm>
+      </p:grpSpPr>
+      <p:sp>
+        <p:nvSpPr>
+          <p:cNvPr id="2" name="제목 1"/>
+          <p:cNvSpPr>
+            <a:spLocks noGrp="1"/>
+          </p:cNvSpPr>
+          <p:nvPr>
+            <p:ph type="title"/>
+          </p:nvPr>
+        </p:nvSpPr>
+        <p:spPr/>
+        <p:txBody>
+          <a:bodyPr/>
+          <a:lstStyle/>
+          <a:p>
+            <a:pPr algn="l"/>
+            <a:r>
+              <a:rPr lang="ko-KR" altLang="en-US" dirty="0" smtClean="0"/>
+              <a:t>개발 과정</a:t>
+            </a:r>
+            <a:endParaRPr lang="ko-KR" altLang="en-US" dirty="0"/>
+          </a:p>
+        </p:txBody>
+      </p:sp>
+      <p:sp>
+        <p:nvSpPr>
+          <p:cNvPr id="3" name="내용 개체 틀 2"/>
+          <p:cNvSpPr>
+            <a:spLocks noGrp="1"/>
+          </p:cNvSpPr>
+          <p:nvPr>
+            <p:ph idx="1"/>
+          </p:nvPr>
+        </p:nvSpPr>
+        <p:spPr/>
+        <p:txBody>
+          <a:bodyPr/>
+          <a:lstStyle/>
+          <a:p>
+            <a:r>
+              <a:rPr lang="ko-KR" altLang="en-US" dirty="0" smtClean="0"/>
+              <a:t>개발 </a:t>
+            </a:r>
+            <a:r>
+              <a:rPr lang="ko-KR" altLang="en-US" dirty="0" smtClean="0"/>
+              <a:t>예정</a:t>
+            </a:r>
+            <a:endParaRPr lang="en-US" altLang="ko-KR" dirty="0" smtClean="0"/>
+          </a:p>
+          <a:p>
+            <a:pPr marL="0" indent="0">
+              <a:buNone/>
+            </a:pPr>
+            <a:r>
+              <a:rPr lang="en-US" altLang="ko-KR" dirty="0" smtClean="0"/>
+              <a:t> 1. </a:t>
+            </a:r>
+            <a:r>
+              <a:rPr lang="ko-KR" altLang="en-US" dirty="0" smtClean="0"/>
+              <a:t>스킬</a:t>
+            </a:r>
+            <a:endParaRPr lang="en-US" altLang="ko-KR" dirty="0" smtClean="0"/>
+          </a:p>
+          <a:p>
+            <a:pPr marL="0" indent="0">
+              <a:buNone/>
+            </a:pPr>
+            <a:r>
+              <a:rPr lang="en-US" altLang="ko-KR" sz="2400" dirty="0" smtClean="0"/>
+              <a:t>    </a:t>
+            </a:r>
+          </a:p>
+        </p:txBody>
+      </p:sp>
+      <p:pic>
+        <p:nvPicPr>
+          <p:cNvPr id="5122" name="Picture 2" descr="김생선의 어장나라 :: 게임이야기 #6 - 기타 PC게임 1 (2000년~2005년)"/>
+          <p:cNvPicPr>
+            <a:picLocks noChangeAspect="1" noChangeArrowheads="1"/>
+          </p:cNvPicPr>
+          <p:nvPr/>
+        </p:nvPicPr>
+        <p:blipFill>
+          <a:blip r:embed="rId2">
+            <a:extLst>
+              <a:ext uri="{28A0092B-C50C-407E-A947-70E740481C1C}">
+                <a14:useLocalDpi xmlns:a14="http://schemas.microsoft.com/office/drawing/2010/main" val="0"/>
+              </a:ext>
+            </a:extLst>
+          </a:blip>
+          <a:srcRect/>
+          <a:stretch>
+            <a:fillRect/>
+          </a:stretch>
+        </p:blipFill>
+        <p:spPr bwMode="auto">
+          <a:xfrm>
+            <a:off x="1041400" y="2832462"/>
+            <a:ext cx="3482975" cy="2612232"/>
+          </a:xfrm>
+          <a:prstGeom prst="rect">
+            <a:avLst/>
+          </a:prstGeom>
+          <a:noFill/>
+          <a:extLst>
+            <a:ext uri="{909E8E84-426E-40DD-AFC4-6F175D3DCCD1}">
+              <a14:hiddenFill xmlns:a14="http://schemas.microsoft.com/office/drawing/2010/main">
+                <a:solidFill>
+                  <a:srgbClr val="FFFFFF"/>
+                </a:solidFill>
+              </a14:hiddenFill>
+            </a:ext>
+          </a:extLst>
+        </p:spPr>
+      </p:pic>
+      <p:sp>
+        <p:nvSpPr>
+          <p:cNvPr id="8" name="TextBox 7"/>
+          <p:cNvSpPr txBox="1"/>
+          <p:nvPr/>
+        </p:nvSpPr>
+        <p:spPr>
+          <a:xfrm>
+            <a:off x="1041400" y="5421146"/>
+            <a:ext cx="4711700" cy="1200329"/>
+          </a:xfrm>
+          <a:prstGeom prst="rect">
+            <a:avLst/>
+          </a:prstGeom>
+          <a:noFill/>
+        </p:spPr>
+        <p:txBody>
+          <a:bodyPr wrap="square" rtlCol="0">
+            <a:spAutoFit/>
+          </a:bodyPr>
+          <a:lstStyle/>
+          <a:p>
+            <a:r>
+              <a:rPr lang="ko-KR" altLang="en-US" dirty="0" err="1" smtClean="0"/>
+              <a:t>전탄</a:t>
+            </a:r>
+            <a:r>
+              <a:rPr lang="ko-KR" altLang="en-US" dirty="0" smtClean="0"/>
+              <a:t> 발사</a:t>
+            </a:r>
+            <a:endParaRPr lang="en-US" altLang="ko-KR" dirty="0" smtClean="0"/>
+          </a:p>
+          <a:p>
+            <a:r>
+              <a:rPr lang="en-US" altLang="ko-KR" dirty="0" smtClean="0"/>
+              <a:t>- </a:t>
+            </a:r>
+            <a:r>
+              <a:rPr lang="ko-KR" altLang="en-US" dirty="0" smtClean="0"/>
+              <a:t>플레이어가 보는 방향으로 많은 탄을 발사</a:t>
+            </a:r>
+            <a:endParaRPr lang="en-US" altLang="ko-KR" dirty="0" smtClean="0"/>
+          </a:p>
+          <a:p>
+            <a:r>
+              <a:rPr lang="en-US" altLang="ko-KR" dirty="0" smtClean="0"/>
+              <a:t>- </a:t>
+            </a:r>
+            <a:r>
+              <a:rPr lang="ko-KR" altLang="en-US" dirty="0" smtClean="0"/>
+              <a:t>추가 </a:t>
+            </a:r>
+            <a:r>
+              <a:rPr lang="ko-KR" altLang="en-US" dirty="0" err="1" smtClean="0"/>
+              <a:t>에셋을</a:t>
+            </a:r>
+            <a:r>
+              <a:rPr lang="ko-KR" altLang="en-US" dirty="0" smtClean="0"/>
+              <a:t> 이용해 총기를 더할 예정</a:t>
+            </a:r>
+            <a:endParaRPr lang="en-US" altLang="ko-KR" dirty="0" smtClean="0"/>
+          </a:p>
+          <a:p>
+            <a:r>
+              <a:rPr lang="en-US" altLang="ko-KR" dirty="0" smtClean="0"/>
+              <a:t>- </a:t>
+            </a:r>
+            <a:r>
+              <a:rPr lang="ko-KR" altLang="en-US" dirty="0" smtClean="0"/>
+              <a:t>키보드 </a:t>
+            </a:r>
+            <a:r>
+              <a:rPr lang="en-US" altLang="ko-KR" dirty="0" smtClean="0"/>
+              <a:t>‘E’</a:t>
+            </a:r>
+            <a:r>
+              <a:rPr lang="ko-KR" altLang="en-US" dirty="0" smtClean="0"/>
+              <a:t>에 매핑 예정</a:t>
+            </a:r>
+            <a:endParaRPr lang="en-US" altLang="ko-KR" dirty="0" smtClean="0"/>
+          </a:p>
+        </p:txBody>
+      </p:sp>
+      <p:pic>
+        <p:nvPicPr>
+          <p:cNvPr id="9" name="Picture 2" descr="File:Arrow east.svg - Wikimedia Commons"/>
+          <p:cNvPicPr>
+            <a:picLocks noChangeAspect="1" noChangeArrowheads="1"/>
+          </p:cNvPicPr>
+          <p:nvPr/>
+        </p:nvPicPr>
+        <p:blipFill>
+          <a:blip r:embed="rId3" cstate="print">
+            <a:extLst>
+              <a:ext uri="{28A0092B-C50C-407E-A947-70E740481C1C}">
+                <a14:useLocalDpi xmlns:a14="http://schemas.microsoft.com/office/drawing/2010/main" val="0"/>
+              </a:ext>
+            </a:extLst>
+          </a:blip>
+          <a:srcRect/>
+          <a:stretch>
+            <a:fillRect/>
+          </a:stretch>
+        </p:blipFill>
+        <p:spPr bwMode="auto">
+          <a:xfrm>
+            <a:off x="5500878" y="3741737"/>
+            <a:ext cx="1110233" cy="449263"/>
+          </a:xfrm>
+          <a:prstGeom prst="rect">
+            <a:avLst/>
+          </a:prstGeom>
+          <a:noFill/>
+          <a:extLst>
+            <a:ext uri="{909E8E84-426E-40DD-AFC4-6F175D3DCCD1}">
+              <a14:hiddenFill xmlns:a14="http://schemas.microsoft.com/office/drawing/2010/main">
+                <a:solidFill>
+                  <a:srgbClr val="FFFFFF"/>
+                </a:solidFill>
+              </a14:hiddenFill>
+            </a:ext>
+          </a:extLst>
+        </p:spPr>
+      </p:pic>
+      <p:sp>
+        <p:nvSpPr>
+          <p:cNvPr id="10" name="직사각형 9"/>
+          <p:cNvSpPr/>
+          <p:nvPr/>
+        </p:nvSpPr>
+        <p:spPr>
+          <a:xfrm>
+            <a:off x="6759938" y="2719778"/>
+            <a:ext cx="3031762" cy="2517384"/>
+          </a:xfrm>
+          <a:prstGeom prst="rect">
+            <a:avLst/>
+          </a:prstGeom>
+        </p:spPr>
+        <p:style>
+          <a:lnRef idx="2">
+            <a:schemeClr val="accent4">
+              <a:shade val="50000"/>
+            </a:schemeClr>
+          </a:lnRef>
+          <a:fillRef idx="1">
+            <a:schemeClr val="accent4"/>
+          </a:fillRef>
+          <a:effectRef idx="0">
+            <a:schemeClr val="accent4"/>
+          </a:effectRef>
+          <a:fontRef idx="minor">
+            <a:schemeClr val="lt1"/>
+          </a:fontRef>
+        </p:style>
+        <p:txBody>
+          <a:bodyPr rtlCol="0" anchor="ctr"/>
+          <a:lstStyle/>
+          <a:p>
+            <a:r>
+              <a:rPr lang="en-US" altLang="ko-KR" dirty="0" smtClean="0">
+                <a:solidFill>
+                  <a:schemeClr val="tx1"/>
+                </a:solidFill>
+              </a:rPr>
+              <a:t>- 3</a:t>
+            </a:r>
+            <a:r>
+              <a:rPr lang="ko-KR" altLang="en-US" dirty="0" smtClean="0">
+                <a:solidFill>
+                  <a:schemeClr val="tx1"/>
+                </a:solidFill>
+              </a:rPr>
+              <a:t>가지 스킬은 새로운 </a:t>
+            </a:r>
+            <a:r>
+              <a:rPr lang="ko-KR" altLang="en-US" dirty="0" err="1" smtClean="0">
+                <a:solidFill>
+                  <a:schemeClr val="tx1"/>
+                </a:solidFill>
+              </a:rPr>
+              <a:t>에셋과</a:t>
+            </a:r>
+            <a:r>
+              <a:rPr lang="ko-KR" altLang="en-US" dirty="0" smtClean="0">
+                <a:solidFill>
+                  <a:schemeClr val="tx1"/>
+                </a:solidFill>
+              </a:rPr>
+              <a:t> </a:t>
+            </a:r>
+            <a:r>
+              <a:rPr lang="en-US" altLang="ko-KR" dirty="0" smtClean="0">
+                <a:solidFill>
+                  <a:schemeClr val="tx1"/>
+                </a:solidFill>
+              </a:rPr>
+              <a:t>UI</a:t>
+            </a:r>
+            <a:r>
+              <a:rPr lang="ko-KR" altLang="en-US" dirty="0" smtClean="0">
+                <a:solidFill>
+                  <a:schemeClr val="tx1"/>
+                </a:solidFill>
+              </a:rPr>
+              <a:t>를 찾아 만들 예정</a:t>
+            </a:r>
+            <a:endParaRPr lang="en-US" altLang="ko-KR" dirty="0" smtClean="0">
+              <a:solidFill>
+                <a:schemeClr val="tx1"/>
+              </a:solidFill>
+            </a:endParaRPr>
+          </a:p>
+          <a:p>
+            <a:pPr marL="285750" indent="-285750">
+              <a:buFontTx/>
+              <a:buChar char="-"/>
+            </a:pPr>
+            <a:endParaRPr lang="en-US" altLang="ko-KR" dirty="0">
+              <a:solidFill>
+                <a:schemeClr val="tx1"/>
+              </a:solidFill>
+            </a:endParaRPr>
+          </a:p>
+          <a:p>
+            <a:r>
+              <a:rPr lang="en-US" altLang="ko-KR" dirty="0" smtClean="0">
+                <a:solidFill>
+                  <a:schemeClr val="tx1"/>
+                </a:solidFill>
+              </a:rPr>
+              <a:t>- </a:t>
+            </a:r>
+            <a:r>
+              <a:rPr lang="ko-KR" altLang="en-US" dirty="0" smtClean="0">
+                <a:solidFill>
+                  <a:schemeClr val="tx1"/>
+                </a:solidFill>
+              </a:rPr>
+              <a:t>스킬 해금과 </a:t>
+            </a:r>
+            <a:r>
+              <a:rPr lang="ko-KR" altLang="en-US" dirty="0" err="1" smtClean="0">
+                <a:solidFill>
+                  <a:schemeClr val="tx1"/>
+                </a:solidFill>
+              </a:rPr>
+              <a:t>쿨타임</a:t>
+            </a:r>
+            <a:r>
+              <a:rPr lang="ko-KR" altLang="en-US" dirty="0" smtClean="0">
+                <a:solidFill>
+                  <a:schemeClr val="tx1"/>
+                </a:solidFill>
+              </a:rPr>
+              <a:t> 등 </a:t>
+            </a:r>
+            <a:endParaRPr lang="en-US" altLang="ko-KR" dirty="0" smtClean="0">
+              <a:solidFill>
+                <a:schemeClr val="tx1"/>
+              </a:solidFill>
+            </a:endParaRPr>
+          </a:p>
+          <a:p>
+            <a:r>
+              <a:rPr lang="ko-KR" altLang="en-US" dirty="0" err="1" smtClean="0">
+                <a:solidFill>
+                  <a:schemeClr val="tx1"/>
+                </a:solidFill>
+              </a:rPr>
+              <a:t>로직</a:t>
+            </a:r>
+            <a:r>
+              <a:rPr lang="ko-KR" altLang="en-US" dirty="0" smtClean="0">
+                <a:solidFill>
+                  <a:schemeClr val="tx1"/>
+                </a:solidFill>
+              </a:rPr>
+              <a:t> 구현은 스크립트로 할 예정</a:t>
+            </a:r>
+            <a:endParaRPr lang="en-US" altLang="ko-KR" dirty="0" smtClean="0">
+              <a:solidFill>
+                <a:schemeClr val="tx1"/>
+              </a:solidFill>
+            </a:endParaRPr>
+          </a:p>
+        </p:txBody>
+      </p:sp>
+    </p:spTree>
+    <p:extLst>
+      <p:ext uri="{BB962C8B-B14F-4D97-AF65-F5344CB8AC3E}">
+        <p14:creationId xmlns:p14="http://schemas.microsoft.com/office/powerpoint/2010/main" val="186296251"/>
+      </p:ext>
+    </p:extLst>
+  </p:cSld>
+  <p:clrMapOvr>
+    <a:masterClrMapping/>
+  </p:clrMapOvr>
+  <p:timing>
+    <p:tnLst>
+      <p:par>
+        <p:cTn id="1" dur="indefinite" restart="never" nodeType="tmRoot"/>
+      </p:par>
+    </p:tnLst>
+  </p:timing>
+</p:sld>
+</file>
+
+<file path=ppt/slides/slide8.xml><?xml version="1.0" encoding="utf-8"?>
+<p:sld xmlns:a="http://schemas.openxmlformats.org/drawingml/2006/main" xmlns:r="http://schemas.openxmlformats.org/officeDocument/2006/relationships" xmlns:p="http://schemas.openxmlformats.org/presentationml/2006/main">
+  <p:cSld>
+    <p:spTree>
+      <p:nvGrpSpPr>
+        <p:cNvPr id="1" name=""/>
+        <p:cNvGrpSpPr/>
+        <p:nvPr/>
+      </p:nvGrpSpPr>
+      <p:grpSpPr>
+        <a:xfrm>
+          <a:off x="0" y="0"/>
+          <a:ext cx="0" cy="0"/>
+          <a:chOff x="0" y="0"/>
+          <a:chExt cx="0" cy="0"/>
+        </a:xfrm>
+      </p:grpSpPr>
+      <p:sp>
+        <p:nvSpPr>
+          <p:cNvPr id="2" name="제목 1"/>
+          <p:cNvSpPr>
+            <a:spLocks noGrp="1"/>
+          </p:cNvSpPr>
+          <p:nvPr>
+            <p:ph type="title"/>
+          </p:nvPr>
+        </p:nvSpPr>
+        <p:spPr/>
+        <p:txBody>
+          <a:bodyPr/>
+          <a:lstStyle/>
+          <a:p>
+            <a:pPr algn="l"/>
+            <a:r>
+              <a:rPr lang="ko-KR" altLang="en-US" dirty="0" smtClean="0"/>
+              <a:t>개발 과정</a:t>
+            </a:r>
+            <a:endParaRPr lang="ko-KR" altLang="en-US" dirty="0"/>
+          </a:p>
+        </p:txBody>
+      </p:sp>
+      <p:sp>
+        <p:nvSpPr>
+          <p:cNvPr id="3" name="내용 개체 틀 2"/>
+          <p:cNvSpPr>
+            <a:spLocks noGrp="1"/>
+          </p:cNvSpPr>
+          <p:nvPr>
+            <p:ph idx="1"/>
+          </p:nvPr>
+        </p:nvSpPr>
+        <p:spPr/>
+        <p:txBody>
+          <a:bodyPr>
+            <a:normAutofit/>
+          </a:bodyPr>
+          <a:lstStyle/>
+          <a:p>
+            <a:r>
+              <a:rPr lang="ko-KR" altLang="en-US" dirty="0" smtClean="0"/>
+              <a:t>개발 </a:t>
+            </a:r>
+            <a:r>
+              <a:rPr lang="ko-KR" altLang="en-US" dirty="0" smtClean="0"/>
+              <a:t>예정</a:t>
+            </a:r>
+            <a:endParaRPr lang="en-US" altLang="ko-KR" dirty="0" smtClean="0"/>
+          </a:p>
+          <a:p>
+            <a:pPr marL="0" indent="0">
+              <a:buNone/>
+            </a:pPr>
+            <a:r>
+              <a:rPr lang="en-US" altLang="ko-KR" dirty="0" smtClean="0"/>
+              <a:t>2.</a:t>
+            </a:r>
+            <a:r>
+              <a:rPr lang="en-US" altLang="ko-KR" dirty="0" smtClean="0"/>
+              <a:t> </a:t>
+            </a:r>
+            <a:r>
+              <a:rPr lang="ko-KR" altLang="en-US" dirty="0" smtClean="0"/>
+              <a:t>성장 요소</a:t>
+            </a:r>
+            <a:endParaRPr lang="en-US" altLang="ko-KR" dirty="0" smtClean="0"/>
+          </a:p>
+          <a:p>
+            <a:pPr marL="0" indent="0">
+              <a:buNone/>
+            </a:pPr>
+            <a:r>
+              <a:rPr lang="en-US" altLang="ko-KR" dirty="0" smtClean="0"/>
+              <a:t>    - </a:t>
+            </a:r>
+            <a:r>
+              <a:rPr lang="ko-KR" altLang="en-US" dirty="0" smtClean="0"/>
+              <a:t>레벨</a:t>
+            </a:r>
+            <a:endParaRPr lang="en-US" altLang="ko-KR" dirty="0" smtClean="0"/>
+          </a:p>
+          <a:p>
+            <a:pPr marL="0" indent="0">
+              <a:buNone/>
+            </a:pPr>
+            <a:endParaRPr lang="en-US" altLang="ko-KR" dirty="0" smtClean="0"/>
+          </a:p>
+          <a:p>
+            <a:pPr marL="0" indent="0">
+              <a:buNone/>
+            </a:pPr>
+            <a:r>
+              <a:rPr lang="en-US" altLang="ko-KR" dirty="0"/>
+              <a:t> </a:t>
+            </a:r>
+            <a:r>
+              <a:rPr lang="en-US" altLang="ko-KR" dirty="0" smtClean="0"/>
+              <a:t>  </a:t>
+            </a:r>
+          </a:p>
+          <a:p>
+            <a:pPr marL="0" indent="0">
+              <a:buNone/>
+            </a:pPr>
+            <a:endParaRPr lang="en-US" altLang="ko-KR" dirty="0"/>
+          </a:p>
+          <a:p>
+            <a:pPr marL="0" indent="0">
+              <a:buNone/>
+            </a:pPr>
+            <a:endParaRPr lang="en-US" altLang="ko-KR" dirty="0" smtClean="0"/>
+          </a:p>
+          <a:p>
+            <a:pPr marL="0" indent="0">
+              <a:buNone/>
+            </a:pPr>
+            <a:r>
+              <a:rPr lang="en-US" altLang="ko-KR" dirty="0" smtClean="0"/>
+              <a:t> </a:t>
+            </a:r>
+            <a:r>
+              <a:rPr lang="ko-KR" altLang="en-US" dirty="0" smtClean="0"/>
+              <a:t> </a:t>
+            </a:r>
+            <a:endParaRPr lang="en-US" altLang="ko-KR" dirty="0" smtClean="0"/>
+          </a:p>
+        </p:txBody>
+      </p:sp>
+      <p:pic>
+        <p:nvPicPr>
+          <p:cNvPr id="4" name="그림 3"/>
+          <p:cNvPicPr>
+            <a:picLocks noChangeAspect="1"/>
+          </p:cNvPicPr>
+          <p:nvPr/>
+        </p:nvPicPr>
+        <p:blipFill>
+          <a:blip r:embed="rId2"/>
+          <a:stretch>
+            <a:fillRect/>
+          </a:stretch>
+        </p:blipFill>
+        <p:spPr>
+          <a:xfrm>
+            <a:off x="995362" y="3263540"/>
+            <a:ext cx="2858808" cy="1793762"/>
+          </a:xfrm>
+          <a:prstGeom prst="rect">
+            <a:avLst/>
+          </a:prstGeom>
+        </p:spPr>
+      </p:pic>
+      <p:sp>
+        <p:nvSpPr>
+          <p:cNvPr id="5" name="TextBox 4"/>
+          <p:cNvSpPr txBox="1"/>
+          <p:nvPr/>
+        </p:nvSpPr>
+        <p:spPr>
+          <a:xfrm>
+            <a:off x="774700" y="5127808"/>
+            <a:ext cx="4711700" cy="1200329"/>
+          </a:xfrm>
+          <a:prstGeom prst="rect">
+            <a:avLst/>
+          </a:prstGeom>
+          <a:noFill/>
+        </p:spPr>
+        <p:txBody>
+          <a:bodyPr wrap="square" rtlCol="0">
+            <a:spAutoFit/>
+          </a:bodyPr>
+          <a:lstStyle/>
+          <a:p>
+            <a:r>
+              <a:rPr lang="ko-KR" altLang="en-US" dirty="0" err="1" smtClean="0"/>
+              <a:t>레벨업</a:t>
+            </a:r>
+            <a:r>
+              <a:rPr lang="ko-KR" altLang="en-US" dirty="0" smtClean="0"/>
+              <a:t> 시스템</a:t>
+            </a:r>
+            <a:endParaRPr lang="en-US" altLang="ko-KR" dirty="0" smtClean="0"/>
+          </a:p>
+          <a:p>
+            <a:r>
+              <a:rPr lang="en-US" altLang="ko-KR" dirty="0"/>
+              <a:t> </a:t>
+            </a:r>
+            <a:r>
+              <a:rPr lang="en-US" altLang="ko-KR" dirty="0" smtClean="0"/>
+              <a:t>- </a:t>
+            </a:r>
+            <a:r>
+              <a:rPr lang="ko-KR" altLang="en-US" dirty="0" smtClean="0"/>
+              <a:t>적을 처치할 시 경험치를 획득해 </a:t>
+            </a:r>
+            <a:r>
+              <a:rPr lang="ko-KR" altLang="en-US" dirty="0" err="1" smtClean="0"/>
+              <a:t>레벨업</a:t>
+            </a:r>
+            <a:endParaRPr lang="en-US" altLang="ko-KR" dirty="0" smtClean="0"/>
+          </a:p>
+          <a:p>
+            <a:r>
+              <a:rPr lang="en-US" altLang="ko-KR" dirty="0"/>
+              <a:t> </a:t>
+            </a:r>
+            <a:r>
+              <a:rPr lang="en-US" altLang="ko-KR" dirty="0" smtClean="0"/>
+              <a:t>- </a:t>
+            </a:r>
+            <a:r>
+              <a:rPr lang="ko-KR" altLang="en-US" dirty="0" err="1" smtClean="0"/>
+              <a:t>레벨업</a:t>
+            </a:r>
+            <a:r>
+              <a:rPr lang="ko-KR" altLang="en-US" dirty="0" smtClean="0"/>
+              <a:t> 시 </a:t>
+            </a:r>
+            <a:r>
+              <a:rPr lang="en-US" altLang="ko-KR" dirty="0" smtClean="0"/>
+              <a:t>‘</a:t>
+            </a:r>
+            <a:r>
+              <a:rPr lang="ko-KR" altLang="en-US" dirty="0" err="1" smtClean="0"/>
+              <a:t>스탯</a:t>
+            </a:r>
+            <a:r>
+              <a:rPr lang="en-US" altLang="ko-KR" dirty="0" smtClean="0"/>
+              <a:t>’</a:t>
+            </a:r>
+            <a:r>
+              <a:rPr lang="ko-KR" altLang="en-US" dirty="0" smtClean="0"/>
+              <a:t>을 분배 할 수 있음</a:t>
+            </a:r>
+            <a:endParaRPr lang="en-US" altLang="ko-KR" dirty="0" smtClean="0"/>
+          </a:p>
+          <a:p>
+            <a:r>
+              <a:rPr lang="en-US" altLang="ko-KR" dirty="0"/>
+              <a:t> </a:t>
+            </a:r>
+            <a:r>
+              <a:rPr lang="en-US" altLang="ko-KR" dirty="0" smtClean="0"/>
+              <a:t>- ‘</a:t>
+            </a:r>
+            <a:r>
+              <a:rPr lang="ko-KR" altLang="en-US" dirty="0" err="1" smtClean="0"/>
+              <a:t>스탯</a:t>
+            </a:r>
+            <a:r>
+              <a:rPr lang="en-US" altLang="ko-KR" dirty="0" smtClean="0"/>
+              <a:t>’</a:t>
+            </a:r>
+            <a:r>
+              <a:rPr lang="ko-KR" altLang="en-US" dirty="0" smtClean="0"/>
+              <a:t>은 체력</a:t>
+            </a:r>
+            <a:r>
+              <a:rPr lang="en-US" altLang="ko-KR" dirty="0" smtClean="0"/>
+              <a:t>, </a:t>
+            </a:r>
+            <a:r>
+              <a:rPr lang="ko-KR" altLang="en-US" dirty="0" smtClean="0"/>
+              <a:t>근접</a:t>
+            </a:r>
+            <a:r>
+              <a:rPr lang="en-US" altLang="ko-KR" dirty="0" smtClean="0"/>
+              <a:t>, </a:t>
+            </a:r>
+            <a:r>
+              <a:rPr lang="ko-KR" altLang="en-US" dirty="0" smtClean="0"/>
+              <a:t>원거리 공격력 </a:t>
+            </a:r>
+            <a:r>
+              <a:rPr lang="en-US" altLang="ko-KR" dirty="0" smtClean="0"/>
+              <a:t>3</a:t>
+            </a:r>
+            <a:r>
+              <a:rPr lang="ko-KR" altLang="en-US" dirty="0" smtClean="0"/>
+              <a:t>가지</a:t>
+            </a:r>
+            <a:r>
+              <a:rPr lang="en-US" altLang="ko-KR" dirty="0" smtClean="0"/>
+              <a:t> </a:t>
+            </a:r>
+          </a:p>
+        </p:txBody>
+      </p:sp>
+      <p:pic>
+        <p:nvPicPr>
+          <p:cNvPr id="6" name="Picture 2" descr="File:Arrow east.svg - Wikimedia Commons"/>
+          <p:cNvPicPr>
+            <a:picLocks noChangeAspect="1" noChangeArrowheads="1"/>
+          </p:cNvPicPr>
+          <p:nvPr/>
+        </p:nvPicPr>
+        <p:blipFill>
+          <a:blip r:embed="rId3" cstate="print">
+            <a:extLst>
+              <a:ext uri="{28A0092B-C50C-407E-A947-70E740481C1C}">
+                <a14:useLocalDpi xmlns:a14="http://schemas.microsoft.com/office/drawing/2010/main" val="0"/>
+              </a:ext>
+            </a:extLst>
+          </a:blip>
+          <a:srcRect/>
+          <a:stretch>
+            <a:fillRect/>
+          </a:stretch>
+        </p:blipFill>
+        <p:spPr bwMode="auto">
+          <a:xfrm>
+            <a:off x="4817759" y="3760787"/>
+            <a:ext cx="1110233" cy="449263"/>
+          </a:xfrm>
+          <a:prstGeom prst="rect">
+            <a:avLst/>
+          </a:prstGeom>
+          <a:noFill/>
+          <a:extLst>
+            <a:ext uri="{909E8E84-426E-40DD-AFC4-6F175D3DCCD1}">
+              <a14:hiddenFill xmlns:a14="http://schemas.microsoft.com/office/drawing/2010/main">
+                <a:solidFill>
+                  <a:srgbClr val="FFFFFF"/>
+                </a:solidFill>
+              </a14:hiddenFill>
+            </a:ext>
+          </a:extLst>
+        </p:spPr>
+      </p:pic>
+      <p:sp>
+        <p:nvSpPr>
+          <p:cNvPr id="7" name="직사각형 6"/>
+          <p:cNvSpPr/>
+          <p:nvPr/>
+        </p:nvSpPr>
+        <p:spPr>
+          <a:xfrm>
+            <a:off x="6076819" y="2738828"/>
+            <a:ext cx="3031762" cy="2517384"/>
+          </a:xfrm>
+          <a:prstGeom prst="rect">
+            <a:avLst/>
+          </a:prstGeom>
+        </p:spPr>
+        <p:style>
+          <a:lnRef idx="2">
+            <a:schemeClr val="accent4">
+              <a:shade val="50000"/>
+            </a:schemeClr>
+          </a:lnRef>
+          <a:fillRef idx="1">
+            <a:schemeClr val="accent4"/>
+          </a:fillRef>
+          <a:effectRef idx="0">
+            <a:schemeClr val="accent4"/>
+          </a:effectRef>
+          <a:fontRef idx="minor">
+            <a:schemeClr val="lt1"/>
+          </a:fontRef>
+        </p:style>
+        <p:txBody>
+          <a:bodyPr rtlCol="0" anchor="ctr"/>
+          <a:lstStyle/>
+          <a:p>
+            <a:r>
+              <a:rPr lang="en-US" altLang="ko-KR" dirty="0" smtClean="0">
+                <a:solidFill>
+                  <a:schemeClr val="tx1"/>
+                </a:solidFill>
+              </a:rPr>
+              <a:t>- </a:t>
+            </a:r>
+            <a:r>
+              <a:rPr lang="ko-KR" altLang="en-US" dirty="0" err="1" smtClean="0">
+                <a:solidFill>
+                  <a:schemeClr val="tx1"/>
+                </a:solidFill>
+              </a:rPr>
+              <a:t>레벨업은</a:t>
+            </a:r>
+            <a:r>
+              <a:rPr lang="ko-KR" altLang="en-US" dirty="0" smtClean="0">
+                <a:solidFill>
+                  <a:schemeClr val="tx1"/>
+                </a:solidFill>
+              </a:rPr>
+              <a:t> </a:t>
+            </a:r>
+            <a:r>
+              <a:rPr lang="ko-KR" altLang="en-US" dirty="0" err="1" smtClean="0">
+                <a:solidFill>
+                  <a:schemeClr val="tx1"/>
+                </a:solidFill>
+              </a:rPr>
+              <a:t>로직과</a:t>
+            </a:r>
+            <a:r>
+              <a:rPr lang="ko-KR" altLang="en-US" dirty="0" smtClean="0">
+                <a:solidFill>
+                  <a:schemeClr val="tx1"/>
+                </a:solidFill>
+              </a:rPr>
+              <a:t> </a:t>
+            </a:r>
+            <a:r>
+              <a:rPr lang="en-US" altLang="ko-KR" dirty="0" smtClean="0">
+                <a:solidFill>
+                  <a:schemeClr val="tx1"/>
+                </a:solidFill>
+              </a:rPr>
+              <a:t>UI</a:t>
+            </a:r>
+            <a:r>
+              <a:rPr lang="ko-KR" altLang="en-US" dirty="0" smtClean="0">
+                <a:solidFill>
+                  <a:schemeClr val="tx1"/>
+                </a:solidFill>
+              </a:rPr>
+              <a:t>로만 구현</a:t>
+            </a:r>
+            <a:endParaRPr lang="en-US" altLang="ko-KR" dirty="0" smtClean="0">
+              <a:solidFill>
+                <a:schemeClr val="tx1"/>
+              </a:solidFill>
+            </a:endParaRPr>
+          </a:p>
+          <a:p>
+            <a:endParaRPr lang="en-US" altLang="ko-KR" dirty="0" smtClean="0">
+              <a:solidFill>
+                <a:schemeClr val="tx1"/>
+              </a:solidFill>
+            </a:endParaRPr>
+          </a:p>
+          <a:p>
+            <a:r>
+              <a:rPr lang="en-US" altLang="ko-KR" dirty="0" smtClean="0">
+                <a:solidFill>
+                  <a:schemeClr val="tx1"/>
+                </a:solidFill>
+              </a:rPr>
+              <a:t>- UI</a:t>
+            </a:r>
+            <a:r>
+              <a:rPr lang="ko-KR" altLang="en-US" dirty="0" smtClean="0">
+                <a:solidFill>
+                  <a:schemeClr val="tx1"/>
+                </a:solidFill>
+              </a:rPr>
+              <a:t>는 강의에서 사용한 </a:t>
+            </a:r>
+            <a:r>
+              <a:rPr lang="ko-KR" altLang="en-US" smtClean="0">
+                <a:solidFill>
+                  <a:schemeClr val="tx1"/>
+                </a:solidFill>
+              </a:rPr>
+              <a:t>스프라이트를 재활용</a:t>
+            </a:r>
+            <a:endParaRPr lang="en-US" altLang="ko-KR" dirty="0" smtClean="0">
+              <a:solidFill>
+                <a:schemeClr val="tx1"/>
+              </a:solidFill>
+            </a:endParaRPr>
+          </a:p>
+        </p:txBody>
+      </p:sp>
+    </p:spTree>
+    <p:extLst>
+      <p:ext uri="{BB962C8B-B14F-4D97-AF65-F5344CB8AC3E}">
+        <p14:creationId xmlns:p14="http://schemas.microsoft.com/office/powerpoint/2010/main" val="1312683499"/>
+      </p:ext>
+    </p:extLst>
+  </p:cSld>
+  <p:clrMapOvr>
+    <a:masterClrMapping/>
+  </p:clrMapOvr>
+  <p:timing>
+    <p:tnLst>
+      <p:par>
+        <p:cTn id="1" dur="indefinite" restart="never" nodeType="tmRoot"/>
+      </p:par>
+    </p:tnLst>
+  </p:timing>
 </p:sld>
 </file>
 

--- a/게임 프로그래밍.pptx
+++ b/게임 프로그래밍.pptx
@@ -13,6 +13,9 @@
     <p:sldId id="261" r:id="rId7"/>
     <p:sldId id="263" r:id="rId8"/>
     <p:sldId id="262" r:id="rId9"/>
+    <p:sldId id="264" r:id="rId10"/>
+    <p:sldId id="265" r:id="rId11"/>
+    <p:sldId id="266" r:id="rId12"/>
   </p:sldIdLst>
   <p:sldSz cx="12192000" cy="6858000"/>
   <p:notesSz cx="6858000" cy="9144000"/>
@@ -270,7 +273,7 @@
           <a:p>
             <a:fld id="{276D79ED-3FA7-4EF8-964B-EB8BCFAB02F8}" type="datetimeFigureOut">
               <a:rPr lang="en-US" smtClean="0"/>
-              <a:t>5/18/2022</a:t>
+              <a:t>5/19/2022</a:t>
             </a:fld>
             <a:endParaRPr lang="en-US"/>
           </a:p>
@@ -440,7 +443,7 @@
           <a:p>
             <a:fld id="{276D79ED-3FA7-4EF8-964B-EB8BCFAB02F8}" type="datetimeFigureOut">
               <a:rPr lang="en-US" smtClean="0"/>
-              <a:t>5/18/2022</a:t>
+              <a:t>5/19/2022</a:t>
             </a:fld>
             <a:endParaRPr lang="en-US"/>
           </a:p>
@@ -686,7 +689,7 @@
           <a:p>
             <a:fld id="{276D79ED-3FA7-4EF8-964B-EB8BCFAB02F8}" type="datetimeFigureOut">
               <a:rPr lang="en-US" smtClean="0"/>
-              <a:t>5/18/2022</a:t>
+              <a:t>5/19/2022</a:t>
             </a:fld>
             <a:endParaRPr lang="en-US"/>
           </a:p>
@@ -918,7 +921,7 @@
           <a:p>
             <a:fld id="{276D79ED-3FA7-4EF8-964B-EB8BCFAB02F8}" type="datetimeFigureOut">
               <a:rPr lang="en-US" smtClean="0"/>
-              <a:t>5/18/2022</a:t>
+              <a:t>5/19/2022</a:t>
             </a:fld>
             <a:endParaRPr lang="en-US"/>
           </a:p>
@@ -1285,7 +1288,7 @@
           <a:p>
             <a:fld id="{276D79ED-3FA7-4EF8-964B-EB8BCFAB02F8}" type="datetimeFigureOut">
               <a:rPr lang="en-US" smtClean="0"/>
-              <a:t>5/18/2022</a:t>
+              <a:t>5/19/2022</a:t>
             </a:fld>
             <a:endParaRPr lang="en-US"/>
           </a:p>
@@ -1403,7 +1406,7 @@
           <a:p>
             <a:fld id="{276D79ED-3FA7-4EF8-964B-EB8BCFAB02F8}" type="datetimeFigureOut">
               <a:rPr lang="en-US" smtClean="0"/>
-              <a:t>5/18/2022</a:t>
+              <a:t>5/19/2022</a:t>
             </a:fld>
             <a:endParaRPr lang="en-US"/>
           </a:p>
@@ -1498,7 +1501,7 @@
           <a:p>
             <a:fld id="{276D79ED-3FA7-4EF8-964B-EB8BCFAB02F8}" type="datetimeFigureOut">
               <a:rPr lang="en-US" smtClean="0"/>
-              <a:t>5/18/2022</a:t>
+              <a:t>5/19/2022</a:t>
             </a:fld>
             <a:endParaRPr lang="en-US"/>
           </a:p>
@@ -1775,7 +1778,7 @@
           <a:p>
             <a:fld id="{276D79ED-3FA7-4EF8-964B-EB8BCFAB02F8}" type="datetimeFigureOut">
               <a:rPr lang="en-US" smtClean="0"/>
-              <a:t>5/18/2022</a:t>
+              <a:t>5/19/2022</a:t>
             </a:fld>
             <a:endParaRPr lang="en-US"/>
           </a:p>
@@ -2032,7 +2035,7 @@
           <a:p>
             <a:fld id="{276D79ED-3FA7-4EF8-964B-EB8BCFAB02F8}" type="datetimeFigureOut">
               <a:rPr lang="en-US" smtClean="0"/>
-              <a:t>5/18/2022</a:t>
+              <a:t>5/19/2022</a:t>
             </a:fld>
             <a:endParaRPr lang="en-US"/>
           </a:p>
@@ -2254,7 +2257,7 @@
           <a:p>
             <a:fld id="{276D79ED-3FA7-4EF8-964B-EB8BCFAB02F8}" type="datetimeFigureOut">
               <a:rPr lang="en-US" smtClean="0"/>
-              <a:t>5/18/2022</a:t>
+              <a:t>5/19/2022</a:t>
             </a:fld>
             <a:endParaRPr lang="en-US"/>
           </a:p>
@@ -2874,6 +2877,484 @@
 </p:sld>
 </file>
 
+<file path=ppt/slides/slide10.xml><?xml version="1.0" encoding="utf-8"?>
+<p:sld xmlns:a="http://schemas.openxmlformats.org/drawingml/2006/main" xmlns:r="http://schemas.openxmlformats.org/officeDocument/2006/relationships" xmlns:p="http://schemas.openxmlformats.org/presentationml/2006/main">
+  <p:cSld>
+    <p:spTree>
+      <p:nvGrpSpPr>
+        <p:cNvPr id="1" name=""/>
+        <p:cNvGrpSpPr/>
+        <p:nvPr/>
+      </p:nvGrpSpPr>
+      <p:grpSpPr>
+        <a:xfrm>
+          <a:off x="0" y="0"/>
+          <a:ext cx="0" cy="0"/>
+          <a:chOff x="0" y="0"/>
+          <a:chExt cx="0" cy="0"/>
+        </a:xfrm>
+      </p:grpSpPr>
+      <p:sp>
+        <p:nvSpPr>
+          <p:cNvPr id="2" name="제목 1"/>
+          <p:cNvSpPr>
+            <a:spLocks noGrp="1"/>
+          </p:cNvSpPr>
+          <p:nvPr>
+            <p:ph type="title"/>
+          </p:nvPr>
+        </p:nvSpPr>
+        <p:spPr/>
+        <p:txBody>
+          <a:bodyPr/>
+          <a:lstStyle/>
+          <a:p>
+            <a:pPr algn="l"/>
+            <a:r>
+              <a:rPr lang="ko-KR" altLang="en-US" dirty="0" smtClean="0"/>
+              <a:t>개발 과정</a:t>
+            </a:r>
+            <a:endParaRPr lang="ko-KR" altLang="en-US" dirty="0"/>
+          </a:p>
+        </p:txBody>
+      </p:sp>
+      <p:sp>
+        <p:nvSpPr>
+          <p:cNvPr id="3" name="내용 개체 틀 2"/>
+          <p:cNvSpPr>
+            <a:spLocks noGrp="1"/>
+          </p:cNvSpPr>
+          <p:nvPr>
+            <p:ph idx="1"/>
+          </p:nvPr>
+        </p:nvSpPr>
+        <p:spPr/>
+        <p:txBody>
+          <a:bodyPr>
+            <a:normAutofit/>
+          </a:bodyPr>
+          <a:lstStyle/>
+          <a:p>
+            <a:r>
+              <a:rPr lang="ko-KR" altLang="en-US" dirty="0" smtClean="0"/>
+              <a:t>개발 예정</a:t>
+            </a:r>
+            <a:endParaRPr lang="en-US" altLang="ko-KR" dirty="0" smtClean="0"/>
+          </a:p>
+          <a:p>
+            <a:pPr marL="0" indent="0">
+              <a:buNone/>
+            </a:pPr>
+            <a:r>
+              <a:rPr lang="en-US" altLang="ko-KR" dirty="0" smtClean="0"/>
+              <a:t>3. </a:t>
+            </a:r>
+            <a:r>
+              <a:rPr lang="ko-KR" altLang="en-US" dirty="0" smtClean="0"/>
+              <a:t>맵</a:t>
+            </a:r>
+            <a:endParaRPr lang="en-US" altLang="ko-KR" dirty="0" smtClean="0"/>
+          </a:p>
+          <a:p>
+            <a:pPr marL="0" indent="0">
+              <a:buNone/>
+            </a:pPr>
+            <a:r>
+              <a:rPr lang="en-US" altLang="ko-KR" dirty="0" smtClean="0"/>
+              <a:t>       </a:t>
+            </a:r>
+            <a:endParaRPr lang="en-US" altLang="ko-KR" dirty="0" smtClean="0"/>
+          </a:p>
+          <a:p>
+            <a:pPr marL="0" indent="0">
+              <a:buNone/>
+            </a:pPr>
+            <a:endParaRPr lang="en-US" altLang="ko-KR" dirty="0"/>
+          </a:p>
+          <a:p>
+            <a:pPr marL="0" indent="0">
+              <a:buNone/>
+            </a:pPr>
+            <a:endParaRPr lang="en-US" altLang="ko-KR" dirty="0" smtClean="0"/>
+          </a:p>
+          <a:p>
+            <a:pPr marL="0" indent="0">
+              <a:buNone/>
+            </a:pPr>
+            <a:r>
+              <a:rPr lang="en-US" altLang="ko-KR" dirty="0" smtClean="0"/>
+              <a:t> </a:t>
+            </a:r>
+            <a:r>
+              <a:rPr lang="ko-KR" altLang="en-US" dirty="0" smtClean="0"/>
+              <a:t> </a:t>
+            </a:r>
+            <a:endParaRPr lang="en-US" altLang="ko-KR" dirty="0" smtClean="0"/>
+          </a:p>
+        </p:txBody>
+      </p:sp>
+      <p:pic>
+        <p:nvPicPr>
+          <p:cNvPr id="9" name="Picture 2" descr="25 Sci-Fi Games That Changed The Way We Play | Den of Geek"/>
+          <p:cNvPicPr>
+            <a:picLocks noChangeAspect="1" noChangeArrowheads="1"/>
+          </p:cNvPicPr>
+          <p:nvPr/>
+        </p:nvPicPr>
+        <p:blipFill>
+          <a:blip r:embed="rId2" cstate="print">
+            <a:extLst>
+              <a:ext uri="{28A0092B-C50C-407E-A947-70E740481C1C}">
+                <a14:useLocalDpi xmlns:a14="http://schemas.microsoft.com/office/drawing/2010/main" val="0"/>
+              </a:ext>
+            </a:extLst>
+          </a:blip>
+          <a:srcRect/>
+          <a:stretch>
+            <a:fillRect/>
+          </a:stretch>
+        </p:blipFill>
+        <p:spPr bwMode="auto">
+          <a:xfrm>
+            <a:off x="608144" y="3031989"/>
+            <a:ext cx="5683956" cy="3197225"/>
+          </a:xfrm>
+          <a:prstGeom prst="rect">
+            <a:avLst/>
+          </a:prstGeom>
+          <a:noFill/>
+          <a:extLst>
+            <a:ext uri="{909E8E84-426E-40DD-AFC4-6F175D3DCCD1}">
+              <a14:hiddenFill xmlns:a14="http://schemas.microsoft.com/office/drawing/2010/main">
+                <a:solidFill>
+                  <a:srgbClr val="FFFFFF"/>
+                </a:solidFill>
+              </a14:hiddenFill>
+            </a:ext>
+          </a:extLst>
+        </p:spPr>
+      </p:pic>
+      <p:pic>
+        <p:nvPicPr>
+          <p:cNvPr id="10" name="Picture 2" descr="File:Arrow east.svg - Wikimedia Commons"/>
+          <p:cNvPicPr>
+            <a:picLocks noChangeAspect="1" noChangeArrowheads="1"/>
+          </p:cNvPicPr>
+          <p:nvPr/>
+        </p:nvPicPr>
+        <p:blipFill>
+          <a:blip r:embed="rId3" cstate="print">
+            <a:extLst>
+              <a:ext uri="{28A0092B-C50C-407E-A947-70E740481C1C}">
+                <a14:useLocalDpi xmlns:a14="http://schemas.microsoft.com/office/drawing/2010/main" val="0"/>
+              </a:ext>
+            </a:extLst>
+          </a:blip>
+          <a:srcRect/>
+          <a:stretch>
+            <a:fillRect/>
+          </a:stretch>
+        </p:blipFill>
+        <p:spPr bwMode="auto">
+          <a:xfrm rot="19979072">
+            <a:off x="6369979" y="2712805"/>
+            <a:ext cx="862002" cy="348815"/>
+          </a:xfrm>
+          <a:prstGeom prst="rect">
+            <a:avLst/>
+          </a:prstGeom>
+          <a:noFill/>
+          <a:extLst>
+            <a:ext uri="{909E8E84-426E-40DD-AFC4-6F175D3DCCD1}">
+              <a14:hiddenFill xmlns:a14="http://schemas.microsoft.com/office/drawing/2010/main">
+                <a:solidFill>
+                  <a:srgbClr val="FFFFFF"/>
+                </a:solidFill>
+              </a14:hiddenFill>
+            </a:ext>
+          </a:extLst>
+        </p:spPr>
+      </p:pic>
+      <p:sp>
+        <p:nvSpPr>
+          <p:cNvPr id="11" name="직사각형 10"/>
+          <p:cNvSpPr/>
+          <p:nvPr/>
+        </p:nvSpPr>
+        <p:spPr>
+          <a:xfrm>
+            <a:off x="7309861" y="720980"/>
+            <a:ext cx="3031762" cy="2517384"/>
+          </a:xfrm>
+          <a:prstGeom prst="rect">
+            <a:avLst/>
+          </a:prstGeom>
+        </p:spPr>
+        <p:style>
+          <a:lnRef idx="2">
+            <a:schemeClr val="accent4">
+              <a:shade val="50000"/>
+            </a:schemeClr>
+          </a:lnRef>
+          <a:fillRef idx="1">
+            <a:schemeClr val="accent4"/>
+          </a:fillRef>
+          <a:effectRef idx="0">
+            <a:schemeClr val="accent4"/>
+          </a:effectRef>
+          <a:fontRef idx="minor">
+            <a:schemeClr val="lt1"/>
+          </a:fontRef>
+        </p:style>
+        <p:txBody>
+          <a:bodyPr rtlCol="0" anchor="ctr"/>
+          <a:lstStyle/>
+          <a:p>
+            <a:endParaRPr lang="en-US" altLang="ko-KR" dirty="0" smtClean="0">
+              <a:solidFill>
+                <a:schemeClr val="tx1"/>
+              </a:solidFill>
+            </a:endParaRPr>
+          </a:p>
+          <a:p>
+            <a:r>
+              <a:rPr lang="en-US" altLang="ko-KR" dirty="0" smtClean="0">
+                <a:solidFill>
+                  <a:schemeClr val="tx1"/>
+                </a:solidFill>
+              </a:rPr>
+              <a:t>- SCI-FI </a:t>
+            </a:r>
+            <a:r>
+              <a:rPr lang="ko-KR" altLang="en-US" dirty="0" smtClean="0">
+                <a:solidFill>
+                  <a:schemeClr val="tx1"/>
+                </a:solidFill>
+              </a:rPr>
+              <a:t>스타일 </a:t>
+            </a:r>
+            <a:endParaRPr lang="en-US" altLang="ko-KR" dirty="0" smtClean="0">
+              <a:solidFill>
+                <a:schemeClr val="tx1"/>
+              </a:solidFill>
+            </a:endParaRPr>
+          </a:p>
+          <a:p>
+            <a:endParaRPr lang="en-US" altLang="ko-KR" dirty="0" smtClean="0">
+              <a:solidFill>
+                <a:schemeClr val="tx1"/>
+              </a:solidFill>
+            </a:endParaRPr>
+          </a:p>
+          <a:p>
+            <a:r>
+              <a:rPr lang="en-US" altLang="ko-KR" dirty="0" smtClean="0">
+                <a:solidFill>
+                  <a:schemeClr val="tx1"/>
+                </a:solidFill>
+              </a:rPr>
+              <a:t>- </a:t>
+            </a:r>
+            <a:r>
+              <a:rPr lang="ko-KR" altLang="en-US" dirty="0" smtClean="0">
+                <a:solidFill>
+                  <a:schemeClr val="tx1"/>
+                </a:solidFill>
+              </a:rPr>
+              <a:t>미래 도시 느낌의 맵 구성</a:t>
+            </a:r>
+            <a:endParaRPr lang="en-US" altLang="ko-KR" dirty="0" smtClean="0">
+              <a:solidFill>
+                <a:schemeClr val="tx1"/>
+              </a:solidFill>
+            </a:endParaRPr>
+          </a:p>
+          <a:p>
+            <a:pPr marL="285750" indent="-285750">
+              <a:buFontTx/>
+              <a:buChar char="-"/>
+            </a:pPr>
+            <a:endParaRPr lang="en-US" altLang="ko-KR" dirty="0">
+              <a:solidFill>
+                <a:schemeClr val="tx1"/>
+              </a:solidFill>
+            </a:endParaRPr>
+          </a:p>
+          <a:p>
+            <a:r>
+              <a:rPr lang="en-US" altLang="ko-KR" dirty="0" smtClean="0">
+                <a:solidFill>
+                  <a:schemeClr val="tx1"/>
+                </a:solidFill>
+              </a:rPr>
+              <a:t>- </a:t>
+            </a:r>
+            <a:r>
+              <a:rPr lang="ko-KR" altLang="en-US" dirty="0" err="1" smtClean="0">
+                <a:solidFill>
+                  <a:schemeClr val="tx1"/>
+                </a:solidFill>
+              </a:rPr>
+              <a:t>애셋과</a:t>
+            </a:r>
+            <a:r>
+              <a:rPr lang="ko-KR" altLang="en-US" dirty="0" smtClean="0">
+                <a:solidFill>
+                  <a:schemeClr val="tx1"/>
+                </a:solidFill>
+              </a:rPr>
+              <a:t> 모델링 찾는 중</a:t>
+            </a:r>
+            <a:endParaRPr lang="en-US" altLang="ko-KR" dirty="0" smtClean="0">
+              <a:solidFill>
+                <a:schemeClr val="tx1"/>
+              </a:solidFill>
+            </a:endParaRPr>
+          </a:p>
+        </p:txBody>
+      </p:sp>
+    </p:spTree>
+    <p:extLst>
+      <p:ext uri="{BB962C8B-B14F-4D97-AF65-F5344CB8AC3E}">
+        <p14:creationId xmlns:p14="http://schemas.microsoft.com/office/powerpoint/2010/main" val="2264160607"/>
+      </p:ext>
+    </p:extLst>
+  </p:cSld>
+  <p:clrMapOvr>
+    <a:masterClrMapping/>
+  </p:clrMapOvr>
+  <p:timing>
+    <p:tnLst>
+      <p:par>
+        <p:cTn id="1" dur="indefinite" restart="never" nodeType="tmRoot"/>
+      </p:par>
+    </p:tnLst>
+  </p:timing>
+</p:sld>
+</file>
+
+<file path=ppt/slides/slide11.xml><?xml version="1.0" encoding="utf-8"?>
+<p:sld xmlns:a="http://schemas.openxmlformats.org/drawingml/2006/main" xmlns:r="http://schemas.openxmlformats.org/officeDocument/2006/relationships" xmlns:p="http://schemas.openxmlformats.org/presentationml/2006/main">
+  <p:cSld>
+    <p:spTree>
+      <p:nvGrpSpPr>
+        <p:cNvPr id="1" name=""/>
+        <p:cNvGrpSpPr/>
+        <p:nvPr/>
+      </p:nvGrpSpPr>
+      <p:grpSpPr>
+        <a:xfrm>
+          <a:off x="0" y="0"/>
+          <a:ext cx="0" cy="0"/>
+          <a:chOff x="0" y="0"/>
+          <a:chExt cx="0" cy="0"/>
+        </a:xfrm>
+      </p:grpSpPr>
+      <p:sp>
+        <p:nvSpPr>
+          <p:cNvPr id="2" name="제목 1"/>
+          <p:cNvSpPr>
+            <a:spLocks noGrp="1"/>
+          </p:cNvSpPr>
+          <p:nvPr>
+            <p:ph type="title"/>
+          </p:nvPr>
+        </p:nvSpPr>
+        <p:spPr/>
+        <p:txBody>
+          <a:bodyPr/>
+          <a:lstStyle/>
+          <a:p>
+            <a:pPr algn="l"/>
+            <a:r>
+              <a:rPr lang="ko-KR" altLang="en-US" dirty="0" smtClean="0"/>
+              <a:t>마무리</a:t>
+            </a:r>
+            <a:endParaRPr lang="ko-KR" altLang="en-US" dirty="0"/>
+          </a:p>
+        </p:txBody>
+      </p:sp>
+      <p:sp>
+        <p:nvSpPr>
+          <p:cNvPr id="3" name="내용 개체 틀 2"/>
+          <p:cNvSpPr>
+            <a:spLocks noGrp="1"/>
+          </p:cNvSpPr>
+          <p:nvPr>
+            <p:ph idx="1"/>
+          </p:nvPr>
+        </p:nvSpPr>
+        <p:spPr/>
+        <p:txBody>
+          <a:bodyPr>
+            <a:normAutofit/>
+          </a:bodyPr>
+          <a:lstStyle/>
+          <a:p>
+            <a:r>
+              <a:rPr lang="ko-KR" altLang="en-US" dirty="0" smtClean="0"/>
+              <a:t>오픈 소스</a:t>
+            </a:r>
+            <a:endParaRPr lang="en-US" altLang="ko-KR" dirty="0" smtClean="0"/>
+          </a:p>
+          <a:p>
+            <a:pPr marL="0" indent="0">
+              <a:buNone/>
+            </a:pPr>
+            <a:r>
+              <a:rPr lang="en-US" altLang="ko-KR" dirty="0" smtClean="0"/>
+              <a:t>       </a:t>
+            </a:r>
+            <a:endParaRPr lang="en-US" altLang="ko-KR" dirty="0" smtClean="0"/>
+          </a:p>
+          <a:p>
+            <a:pPr marL="0" indent="0">
+              <a:buNone/>
+            </a:pPr>
+            <a:endParaRPr lang="en-US" altLang="ko-KR" dirty="0"/>
+          </a:p>
+          <a:p>
+            <a:pPr marL="0" indent="0">
+              <a:buNone/>
+            </a:pPr>
+            <a:endParaRPr lang="en-US" altLang="ko-KR" dirty="0" smtClean="0"/>
+          </a:p>
+          <a:p>
+            <a:pPr marL="0" indent="0">
+              <a:buNone/>
+            </a:pPr>
+            <a:r>
+              <a:rPr lang="en-US" altLang="ko-KR" dirty="0" smtClean="0"/>
+              <a:t> </a:t>
+            </a:r>
+            <a:r>
+              <a:rPr lang="ko-KR" altLang="en-US" dirty="0" smtClean="0"/>
+              <a:t> </a:t>
+            </a:r>
+            <a:endParaRPr lang="en-US" altLang="ko-KR" dirty="0" smtClean="0"/>
+          </a:p>
+        </p:txBody>
+      </p:sp>
+    </p:spTree>
+    <p:extLst>
+      <p:ext uri="{BB962C8B-B14F-4D97-AF65-F5344CB8AC3E}">
+        <p14:creationId xmlns:p14="http://schemas.microsoft.com/office/powerpoint/2010/main" val="3902927202"/>
+      </p:ext>
+    </p:extLst>
+  </p:cSld>
+  <p:clrMapOvr>
+    <a:masterClrMapping/>
+  </p:clrMapOvr>
+  <p:timing>
+    <p:tnLst>
+      <p:par>
+        <p:cTn id="1" dur="indefinite" restart="never" nodeType="tmRoot"/>
+      </p:par>
+    </p:tnLst>
+  </p:timing>
+</p:sld>
+</file>
+
 <file path=ppt/slides/slide2.xml><?xml version="1.0" encoding="utf-8"?>
 <p:sld xmlns:a="http://schemas.openxmlformats.org/drawingml/2006/main" xmlns:r="http://schemas.openxmlformats.org/officeDocument/2006/relationships" xmlns:p="http://schemas.openxmlformats.org/presentationml/2006/main">
   <p:cSld>
@@ -3151,11 +3632,7 @@
             </a:r>
             <a:r>
               <a:rPr lang="en-US" altLang="ko-KR" dirty="0" smtClean="0"/>
-              <a:t>+ </a:t>
-            </a:r>
-            <a:r>
-              <a:rPr lang="en-US" altLang="ko-KR" dirty="0" smtClean="0"/>
-              <a:t>RPG + </a:t>
+              <a:t>+ RPG + </a:t>
             </a:r>
             <a:r>
               <a:rPr lang="ko-KR" altLang="en-US" dirty="0"/>
@@ -3339,15 +3816,7 @@
             </a:pPr>
             <a:r>
               <a:rPr lang="ko-KR" altLang="en-US" dirty="0" smtClean="0"/>
-              <a:t>현재 유행중인 </a:t>
-            </a:r>
-            <a:r>
-              <a:rPr lang="ko-KR" altLang="en-US" dirty="0" smtClean="0"/>
-              <a:t>핵 앤 </a:t>
-            </a:r>
-            <a:r>
-              <a:rPr lang="ko-KR" altLang="en-US" dirty="0" smtClean="0"/>
-              <a:t>슬래시 장르</a:t>
+              <a:t>현재 유행중인 핵 앤 슬래시 장르</a:t>
             </a:r>
             <a:endParaRPr lang="en-US" altLang="ko-KR" dirty="0" smtClean="0"/>
           </a:p>
@@ -4022,11 +4491,7 @@
           <a:p>
             <a:r>
               <a:rPr lang="ko-KR" altLang="en-US" dirty="0" smtClean="0"/>
-              <a:t>개발 </a:t>
-            </a:r>
-            <a:r>
-              <a:rPr lang="ko-KR" altLang="en-US" dirty="0" smtClean="0"/>
-              <a:t>예정</a:t>
+              <a:t>개발 예정</a:t>
             </a:r>
             <a:endParaRPr lang="en-US" altLang="ko-KR" dirty="0" smtClean="0"/>
           </a:p>
@@ -4372,11 +4837,7 @@
           <a:p>
             <a:r>
               <a:rPr lang="ko-KR" altLang="en-US" dirty="0" smtClean="0"/>
-              <a:t>개발 </a:t>
-            </a:r>
-            <a:r>
-              <a:rPr lang="ko-KR" altLang="en-US" dirty="0" smtClean="0"/>
-              <a:t>예정</a:t>
+              <a:t>개발 예정</a:t>
             </a:r>
             <a:endParaRPr lang="en-US" altLang="ko-KR" dirty="0" smtClean="0"/>
           </a:p>
@@ -4814,11 +5275,7 @@
           <a:p>
             <a:r>
               <a:rPr lang="ko-KR" altLang="en-US" dirty="0" smtClean="0"/>
-              <a:t>개발 </a:t>
-            </a:r>
-            <a:r>
-              <a:rPr lang="ko-KR" altLang="en-US" dirty="0" smtClean="0"/>
-              <a:t>예정</a:t>
+              <a:t>개발 예정</a:t>
             </a:r>
             <a:endParaRPr lang="en-US" altLang="ko-KR" dirty="0" smtClean="0"/>
           </a:p>
@@ -4828,11 +5285,7 @@
             </a:pPr>
             <a:r>
               <a:rPr lang="en-US" altLang="ko-KR" dirty="0" smtClean="0"/>
-              <a:t>2.</a:t>
-            </a:r>
-            <a:r>
-              <a:rPr lang="en-US" altLang="ko-KR" dirty="0" smtClean="0"/>
-              <a:t> </a:t>
+              <a:t>2. </a:t>
             </a:r>
             <a:r>
               <a:rPr lang="ko-KR" altLang="en-US" dirty="0" smtClean="0"/>
@@ -5223,15 +5676,7 @@
                   <a:schemeClr val="tx1"/>
                 </a:solidFill>
               </a:rPr>
-              <a:t>는 강의에서 사용한 </a:t>
-            </a:r>
-            <a:r>
-              <a:rPr lang="ko-KR" altLang="en-US" smtClean="0">
-                <a:solidFill>
-                  <a:schemeClr val="tx1"/>
-                </a:solidFill>
-              </a:rPr>
-              <a:t>스프라이트를 재활용</a:t>
+              <a:t>는 강의에서 사용한 스프라이트를 재활용</a:t>
             </a:r>
             <a:endParaRPr lang="en-US" altLang="ko-KR" dirty="0" smtClean="0">
               <a:solidFill>
@@ -5245,6 +5690,423 @@
     <p:extLst>
       <p:ext uri="{BB962C8B-B14F-4D97-AF65-F5344CB8AC3E}">
         <p14:creationId xmlns:p14="http://schemas.microsoft.com/office/powerpoint/2010/main" val="1312683499"/>
+      </p:ext>
+    </p:extLst>
+  </p:cSld>
+  <p:clrMapOvr>
+    <a:masterClrMapping/>
+  </p:clrMapOvr>
+  <p:timing>
+    <p:tnLst>
+      <p:par>
+        <p:cTn id="1" dur="indefinite" restart="never" nodeType="tmRoot"/>
+      </p:par>
+    </p:tnLst>
+  </p:timing>
+</p:sld>
+</file>
+
+<file path=ppt/slides/slide9.xml><?xml version="1.0" encoding="utf-8"?>
+<p:sld xmlns:a="http://schemas.openxmlformats.org/drawingml/2006/main" xmlns:r="http://schemas.openxmlformats.org/officeDocument/2006/relationships" xmlns:p="http://schemas.openxmlformats.org/presentationml/2006/main">
+  <p:cSld>
+    <p:spTree>
+      <p:nvGrpSpPr>
+        <p:cNvPr id="1" name=""/>
+        <p:cNvGrpSpPr/>
+        <p:nvPr/>
+      </p:nvGrpSpPr>
+      <p:grpSpPr>
+        <a:xfrm>
+          <a:off x="0" y="0"/>
+          <a:ext cx="0" cy="0"/>
+          <a:chOff x="0" y="0"/>
+          <a:chExt cx="0" cy="0"/>
+        </a:xfrm>
+      </p:grpSpPr>
+      <p:sp>
+        <p:nvSpPr>
+          <p:cNvPr id="2" name="제목 1"/>
+          <p:cNvSpPr>
+            <a:spLocks noGrp="1"/>
+          </p:cNvSpPr>
+          <p:nvPr>
+            <p:ph type="title"/>
+          </p:nvPr>
+        </p:nvSpPr>
+        <p:spPr/>
+        <p:txBody>
+          <a:bodyPr/>
+          <a:lstStyle/>
+          <a:p>
+            <a:pPr algn="l"/>
+            <a:r>
+              <a:rPr lang="ko-KR" altLang="en-US" dirty="0" smtClean="0"/>
+              <a:t>개발 과정</a:t>
+            </a:r>
+            <a:endParaRPr lang="ko-KR" altLang="en-US" dirty="0"/>
+          </a:p>
+        </p:txBody>
+      </p:sp>
+      <p:sp>
+        <p:nvSpPr>
+          <p:cNvPr id="3" name="내용 개체 틀 2"/>
+          <p:cNvSpPr>
+            <a:spLocks noGrp="1"/>
+          </p:cNvSpPr>
+          <p:nvPr>
+            <p:ph idx="1"/>
+          </p:nvPr>
+        </p:nvSpPr>
+        <p:spPr/>
+        <p:txBody>
+          <a:bodyPr>
+            <a:normAutofit/>
+          </a:bodyPr>
+          <a:lstStyle/>
+          <a:p>
+            <a:r>
+              <a:rPr lang="ko-KR" altLang="en-US" dirty="0" smtClean="0"/>
+              <a:t>개발 예정</a:t>
+            </a:r>
+            <a:endParaRPr lang="en-US" altLang="ko-KR" dirty="0" smtClean="0"/>
+          </a:p>
+          <a:p>
+            <a:pPr marL="0" indent="0">
+              <a:buNone/>
+            </a:pPr>
+            <a:r>
+              <a:rPr lang="en-US" altLang="ko-KR" dirty="0" smtClean="0"/>
+              <a:t>2. </a:t>
+            </a:r>
+            <a:r>
+              <a:rPr lang="ko-KR" altLang="en-US" dirty="0" smtClean="0"/>
+              <a:t>성장 요소</a:t>
+            </a:r>
+            <a:endParaRPr lang="en-US" altLang="ko-KR" dirty="0" smtClean="0"/>
+          </a:p>
+          <a:p>
+            <a:pPr marL="0" indent="0">
+              <a:buNone/>
+            </a:pPr>
+            <a:r>
+              <a:rPr lang="en-US" altLang="ko-KR" dirty="0" smtClean="0"/>
+              <a:t>    - </a:t>
+            </a:r>
+            <a:r>
+              <a:rPr lang="ko-KR" altLang="en-US" dirty="0" smtClean="0"/>
+              <a:t>스킬</a:t>
+            </a:r>
+            <a:endParaRPr lang="en-US" altLang="ko-KR" dirty="0" smtClean="0"/>
+          </a:p>
+          <a:p>
+            <a:pPr marL="0" indent="0">
+              <a:buNone/>
+            </a:pPr>
+            <a:r>
+              <a:rPr lang="en-US" altLang="ko-KR" dirty="0"/>
+              <a:t> </a:t>
+            </a:r>
+            <a:r>
+              <a:rPr lang="en-US" altLang="ko-KR" dirty="0" smtClean="0"/>
+              <a:t>  </a:t>
+            </a:r>
+          </a:p>
+          <a:p>
+            <a:pPr marL="0" indent="0">
+              <a:buNone/>
+            </a:pPr>
+            <a:endParaRPr lang="en-US" altLang="ko-KR" dirty="0"/>
+          </a:p>
+          <a:p>
+            <a:pPr marL="0" indent="0">
+              <a:buNone/>
+            </a:pPr>
+            <a:endParaRPr lang="en-US" altLang="ko-KR" dirty="0" smtClean="0"/>
+          </a:p>
+          <a:p>
+            <a:pPr marL="0" indent="0">
+              <a:buNone/>
+            </a:pPr>
+            <a:r>
+              <a:rPr lang="en-US" altLang="ko-KR" dirty="0" smtClean="0"/>
+              <a:t> </a:t>
+            </a:r>
+            <a:r>
+              <a:rPr lang="ko-KR" altLang="en-US" dirty="0" smtClean="0"/>
+              <a:t> </a:t>
+            </a:r>
+            <a:endParaRPr lang="en-US" altLang="ko-KR" dirty="0" smtClean="0"/>
+          </a:p>
+        </p:txBody>
+      </p:sp>
+      <p:sp>
+        <p:nvSpPr>
+          <p:cNvPr id="5" name="TextBox 4"/>
+          <p:cNvSpPr txBox="1"/>
+          <p:nvPr/>
+        </p:nvSpPr>
+        <p:spPr>
+          <a:xfrm>
+            <a:off x="3920150" y="5288227"/>
+            <a:ext cx="4711700" cy="1200329"/>
+          </a:xfrm>
+          <a:prstGeom prst="rect">
+            <a:avLst/>
+          </a:prstGeom>
+          <a:noFill/>
+        </p:spPr>
+        <p:txBody>
+          <a:bodyPr wrap="square" rtlCol="0">
+            <a:spAutoFit/>
+          </a:bodyPr>
+          <a:lstStyle/>
+          <a:p>
+            <a:r>
+              <a:rPr lang="ko-KR" altLang="en-US" dirty="0" smtClean="0"/>
+              <a:t>스킬 획득</a:t>
+            </a:r>
+            <a:endParaRPr lang="en-US" altLang="ko-KR" dirty="0" smtClean="0"/>
+          </a:p>
+          <a:p>
+            <a:r>
+              <a:rPr lang="en-US" altLang="ko-KR" dirty="0" smtClean="0"/>
+              <a:t> </a:t>
+            </a:r>
+            <a:r>
+              <a:rPr lang="en-US" altLang="ko-KR" dirty="0" smtClean="0"/>
+              <a:t>- </a:t>
+            </a:r>
+            <a:r>
+              <a:rPr lang="ko-KR" altLang="en-US" dirty="0" smtClean="0"/>
+              <a:t>적을 죽여서 스킬을 해금하는 형태</a:t>
+            </a:r>
+            <a:endParaRPr lang="en-US" altLang="ko-KR" dirty="0" smtClean="0"/>
+          </a:p>
+          <a:p>
+            <a:r>
+              <a:rPr lang="en-US" altLang="ko-KR" dirty="0"/>
+              <a:t> </a:t>
+            </a:r>
+            <a:r>
+              <a:rPr lang="en-US" altLang="ko-KR" dirty="0" smtClean="0"/>
+              <a:t>- </a:t>
+            </a:r>
+            <a:r>
+              <a:rPr lang="ko-KR" altLang="en-US" dirty="0" smtClean="0"/>
+              <a:t>일정 조건 </a:t>
+            </a:r>
+            <a:r>
+              <a:rPr lang="ko-KR" altLang="en-US" dirty="0" err="1" smtClean="0"/>
+              <a:t>달성시</a:t>
+            </a:r>
+            <a:r>
+              <a:rPr lang="ko-KR" altLang="en-US" dirty="0" smtClean="0"/>
+              <a:t> 스킬이 해금</a:t>
+            </a:r>
+            <a:endParaRPr lang="en-US" altLang="ko-KR" dirty="0" smtClean="0"/>
+          </a:p>
+          <a:p>
+            <a:r>
+              <a:rPr lang="en-US" altLang="ko-KR" dirty="0"/>
+              <a:t> </a:t>
+            </a:r>
+            <a:r>
+              <a:rPr lang="en-US" altLang="ko-KR" dirty="0" smtClean="0"/>
+              <a:t>- </a:t>
+            </a:r>
+            <a:r>
+              <a:rPr lang="ko-KR" altLang="en-US" dirty="0" err="1" smtClean="0"/>
+              <a:t>쿨타임</a:t>
+            </a:r>
+            <a:r>
+              <a:rPr lang="ko-KR" altLang="en-US" dirty="0" smtClean="0"/>
+              <a:t> 적용</a:t>
+            </a:r>
+            <a:endParaRPr lang="en-US" altLang="ko-KR" dirty="0" smtClean="0"/>
+          </a:p>
+        </p:txBody>
+      </p:sp>
+      <p:pic>
+        <p:nvPicPr>
+          <p:cNvPr id="6" name="Picture 2" descr="File:Arrow east.svg - Wikimedia Commons"/>
+          <p:cNvPicPr>
+            <a:picLocks noChangeAspect="1" noChangeArrowheads="1"/>
+          </p:cNvPicPr>
+          <p:nvPr/>
+        </p:nvPicPr>
+        <p:blipFill>
+          <a:blip r:embed="rId2" cstate="print">
+            <a:extLst>
+              <a:ext uri="{28A0092B-C50C-407E-A947-70E740481C1C}">
+                <a14:useLocalDpi xmlns:a14="http://schemas.microsoft.com/office/drawing/2010/main" val="0"/>
+              </a:ext>
+            </a:extLst>
+          </a:blip>
+          <a:srcRect/>
+          <a:stretch>
+            <a:fillRect/>
+          </a:stretch>
+        </p:blipFill>
+        <p:spPr bwMode="auto">
+          <a:xfrm>
+            <a:off x="3920150" y="3328312"/>
+            <a:ext cx="1110233" cy="449263"/>
+          </a:xfrm>
+          <a:prstGeom prst="rect">
+            <a:avLst/>
+          </a:prstGeom>
+          <a:noFill/>
+          <a:extLst>
+            <a:ext uri="{909E8E84-426E-40DD-AFC4-6F175D3DCCD1}">
+              <a14:hiddenFill xmlns:a14="http://schemas.microsoft.com/office/drawing/2010/main">
+                <a:solidFill>
+                  <a:srgbClr val="FFFFFF"/>
+                </a:solidFill>
+              </a14:hiddenFill>
+            </a:ext>
+          </a:extLst>
+        </p:spPr>
+      </p:pic>
+      <p:sp>
+        <p:nvSpPr>
+          <p:cNvPr id="7" name="직사각형 6"/>
+          <p:cNvSpPr/>
+          <p:nvPr/>
+        </p:nvSpPr>
+        <p:spPr>
+          <a:xfrm>
+            <a:off x="5179210" y="2306353"/>
+            <a:ext cx="3031762" cy="2517384"/>
+          </a:xfrm>
+          <a:prstGeom prst="rect">
+            <a:avLst/>
+          </a:prstGeom>
+        </p:spPr>
+        <p:style>
+          <a:lnRef idx="2">
+            <a:schemeClr val="accent4">
+              <a:shade val="50000"/>
+            </a:schemeClr>
+          </a:lnRef>
+          <a:fillRef idx="1">
+            <a:schemeClr val="accent4"/>
+          </a:fillRef>
+          <a:effectRef idx="0">
+            <a:schemeClr val="accent4"/>
+          </a:effectRef>
+          <a:fontRef idx="minor">
+            <a:schemeClr val="lt1"/>
+          </a:fontRef>
+        </p:style>
+        <p:txBody>
+          <a:bodyPr rtlCol="0" anchor="ctr"/>
+          <a:lstStyle/>
+          <a:p>
+            <a:endParaRPr lang="en-US" altLang="ko-KR" dirty="0" smtClean="0">
+              <a:solidFill>
+                <a:schemeClr val="tx1"/>
+              </a:solidFill>
+            </a:endParaRPr>
+          </a:p>
+          <a:p>
+            <a:r>
+              <a:rPr lang="en-US" altLang="ko-KR" dirty="0" smtClean="0">
+                <a:solidFill>
+                  <a:schemeClr val="tx1"/>
+                </a:solidFill>
+              </a:rPr>
+              <a:t>- </a:t>
+            </a:r>
+            <a:r>
+              <a:rPr lang="ko-KR" altLang="en-US" dirty="0" smtClean="0">
+                <a:solidFill>
+                  <a:schemeClr val="tx1"/>
+                </a:solidFill>
+              </a:rPr>
+              <a:t>마찬가지로 </a:t>
+            </a:r>
+            <a:r>
+              <a:rPr lang="en-US" altLang="ko-KR" dirty="0" smtClean="0">
+                <a:solidFill>
+                  <a:schemeClr val="tx1"/>
+                </a:solidFill>
+              </a:rPr>
+              <a:t>UI</a:t>
+            </a:r>
+            <a:r>
+              <a:rPr lang="ko-KR" altLang="en-US" dirty="0" smtClean="0">
+                <a:solidFill>
+                  <a:schemeClr val="tx1"/>
+                </a:solidFill>
+              </a:rPr>
+              <a:t>는 재활용</a:t>
+            </a:r>
+            <a:endParaRPr lang="en-US" altLang="ko-KR" dirty="0" smtClean="0">
+              <a:solidFill>
+                <a:schemeClr val="tx1"/>
+              </a:solidFill>
+            </a:endParaRPr>
+          </a:p>
+          <a:p>
+            <a:endParaRPr lang="en-US" altLang="ko-KR" dirty="0" smtClean="0">
+              <a:solidFill>
+                <a:schemeClr val="tx1"/>
+              </a:solidFill>
+            </a:endParaRPr>
+          </a:p>
+          <a:p>
+            <a:r>
+              <a:rPr lang="en-US" altLang="ko-KR" dirty="0" smtClean="0">
+                <a:solidFill>
+                  <a:schemeClr val="tx1"/>
+                </a:solidFill>
+              </a:rPr>
+              <a:t>- </a:t>
+            </a:r>
+            <a:r>
+              <a:rPr lang="ko-KR" altLang="en-US" dirty="0" smtClean="0">
+                <a:solidFill>
+                  <a:schemeClr val="tx1"/>
+                </a:solidFill>
+              </a:rPr>
+              <a:t>스킬 이미지 등은 찾는 중</a:t>
+            </a:r>
+            <a:endParaRPr lang="en-US" altLang="ko-KR" dirty="0" smtClean="0">
+              <a:solidFill>
+                <a:schemeClr val="tx1"/>
+              </a:solidFill>
+            </a:endParaRPr>
+          </a:p>
+        </p:txBody>
+      </p:sp>
+      <p:pic>
+        <p:nvPicPr>
+          <p:cNvPr id="8" name="그림 7"/>
+          <p:cNvPicPr>
+            <a:picLocks noChangeAspect="1"/>
+          </p:cNvPicPr>
+          <p:nvPr/>
+        </p:nvPicPr>
+        <p:blipFill>
+          <a:blip r:embed="rId3"/>
+          <a:stretch>
+            <a:fillRect/>
+          </a:stretch>
+        </p:blipFill>
+        <p:spPr>
+          <a:xfrm>
+            <a:off x="937793" y="3337344"/>
+            <a:ext cx="2449507" cy="3254649"/>
+          </a:xfrm>
+          <a:prstGeom prst="rect">
+            <a:avLst/>
+          </a:prstGeom>
+        </p:spPr>
+      </p:pic>
+    </p:spTree>
+    <p:extLst>
+      <p:ext uri="{BB962C8B-B14F-4D97-AF65-F5344CB8AC3E}">
+        <p14:creationId xmlns:p14="http://schemas.microsoft.com/office/powerpoint/2010/main" val="1778123335"/>
       </p:ext>
     </p:extLst>
   </p:cSld>

--- a/게임 프로그래밍.pptx
+++ b/게임 프로그래밍.pptx
@@ -8,14 +8,19 @@
     <p:sldId id="256" r:id="rId2"/>
     <p:sldId id="257" r:id="rId3"/>
     <p:sldId id="258" r:id="rId4"/>
-    <p:sldId id="259" r:id="rId5"/>
-    <p:sldId id="260" r:id="rId6"/>
-    <p:sldId id="261" r:id="rId7"/>
-    <p:sldId id="263" r:id="rId8"/>
-    <p:sldId id="262" r:id="rId9"/>
-    <p:sldId id="264" r:id="rId10"/>
-    <p:sldId id="265" r:id="rId11"/>
-    <p:sldId id="266" r:id="rId12"/>
+    <p:sldId id="267" r:id="rId5"/>
+    <p:sldId id="268" r:id="rId6"/>
+    <p:sldId id="259" r:id="rId7"/>
+    <p:sldId id="260" r:id="rId8"/>
+    <p:sldId id="261" r:id="rId9"/>
+    <p:sldId id="263" r:id="rId10"/>
+    <p:sldId id="269" r:id="rId11"/>
+    <p:sldId id="262" r:id="rId12"/>
+    <p:sldId id="264" r:id="rId13"/>
+    <p:sldId id="265" r:id="rId14"/>
+    <p:sldId id="266" r:id="rId15"/>
+    <p:sldId id="270" r:id="rId16"/>
+    <p:sldId id="271" r:id="rId17"/>
   </p:sldIdLst>
   <p:sldSz cx="12192000" cy="6858000"/>
   <p:notesSz cx="6858000" cy="9144000"/>
@@ -184,7 +189,7 @@
           </a:lstStyle>
           <a:p>
             <a:r>
-              <a:rPr lang="ko-KR" altLang="en-US" smtClean="0"/>
+              <a:rPr lang="ko-KR" altLang="en-US"/>
               <a:t>마스터 제목 스타일 편집</a:t>
             </a:r>
             <a:endParaRPr lang="en-US"/>
@@ -249,7 +254,7 @@
           </a:lstStyle>
           <a:p>
             <a:r>
-              <a:rPr lang="ko-KR" altLang="en-US" smtClean="0"/>
+              <a:rPr lang="ko-KR" altLang="en-US"/>
               <a:t>클릭하여 마스터 부제목 스타일 편집</a:t>
             </a:r>
             <a:endParaRPr lang="en-US"/>
@@ -367,7 +372,7 @@
           <a:lstStyle/>
           <a:p>
             <a:r>
-              <a:rPr lang="ko-KR" altLang="en-US" smtClean="0"/>
+              <a:rPr lang="ko-KR" altLang="en-US"/>
               <a:t>마스터 제목 스타일 편집</a:t>
             </a:r>
             <a:endParaRPr lang="en-US"/>
@@ -391,35 +396,35 @@
           <a:p>
             <a:pPr lvl="0"/>
             <a:r>
-              <a:rPr lang="ko-KR" altLang="en-US" smtClean="0"/>
+              <a:rPr lang="ko-KR" altLang="en-US"/>
               <a:t>마스터 텍스트 스타일 편집</a:t>
             </a:r>
           </a:p>
           <a:p>
             <a:pPr lvl="1"/>
             <a:r>
-              <a:rPr lang="ko-KR" altLang="en-US" smtClean="0"/>
+              <a:rPr lang="ko-KR" altLang="en-US"/>
               <a:t>둘째 수준</a:t>
             </a:r>
           </a:p>
           <a:p>
             <a:pPr lvl="2"/>
             <a:r>
-              <a:rPr lang="ko-KR" altLang="en-US" smtClean="0"/>
+              <a:rPr lang="ko-KR" altLang="en-US"/>
               <a:t>셋째 수준</a:t>
             </a:r>
           </a:p>
           <a:p>
             <a:pPr lvl="3"/>
             <a:r>
-              <a:rPr lang="ko-KR" altLang="en-US" smtClean="0"/>
+              <a:rPr lang="ko-KR" altLang="en-US"/>
               <a:t>넷째 수준</a:t>
             </a:r>
           </a:p>
           <a:p>
             <a:pPr lvl="4"/>
             <a:r>
-              <a:rPr lang="ko-KR" altLang="en-US" smtClean="0"/>
+              <a:rPr lang="ko-KR" altLang="en-US"/>
               <a:t>다섯째 수준</a:t>
             </a:r>
             <a:endParaRPr lang="en-US"/>
@@ -548,7 +553,7 @@
           </a:lstStyle>
           <a:p>
             <a:r>
-              <a:rPr lang="ko-KR" altLang="en-US" smtClean="0"/>
+              <a:rPr lang="ko-KR" altLang="en-US"/>
               <a:t>마스터 제목 스타일 편집</a:t>
             </a:r>
             <a:endParaRPr lang="en-US" dirty="0"/>
@@ -666,7 +671,7 @@
           <a:p>
             <a:pPr lvl="0"/>
             <a:r>
-              <a:rPr lang="ko-KR" altLang="en-US" smtClean="0"/>
+              <a:rPr lang="ko-KR" altLang="en-US"/>
               <a:t>마스터 텍스트 스타일 편집</a:t>
             </a:r>
           </a:p>
@@ -783,7 +788,7 @@
           <a:lstStyle/>
           <a:p>
             <a:r>
-              <a:rPr lang="ko-KR" altLang="en-US" smtClean="0"/>
+              <a:rPr lang="ko-KR" altLang="en-US"/>
               <a:t>마스터 제목 스타일 편집</a:t>
             </a:r>
             <a:endParaRPr lang="en-US"/>
@@ -812,35 +817,35 @@
           <a:p>
             <a:pPr lvl="0"/>
             <a:r>
-              <a:rPr lang="ko-KR" altLang="en-US" smtClean="0"/>
+              <a:rPr lang="ko-KR" altLang="en-US"/>
               <a:t>마스터 텍스트 스타일 편집</a:t>
             </a:r>
           </a:p>
           <a:p>
             <a:pPr lvl="1"/>
             <a:r>
-              <a:rPr lang="ko-KR" altLang="en-US" smtClean="0"/>
+              <a:rPr lang="ko-KR" altLang="en-US"/>
               <a:t>둘째 수준</a:t>
             </a:r>
           </a:p>
           <a:p>
             <a:pPr lvl="2"/>
             <a:r>
-              <a:rPr lang="ko-KR" altLang="en-US" smtClean="0"/>
+              <a:rPr lang="ko-KR" altLang="en-US"/>
               <a:t>셋째 수준</a:t>
             </a:r>
           </a:p>
           <a:p>
             <a:pPr lvl="3"/>
             <a:r>
-              <a:rPr lang="ko-KR" altLang="en-US" smtClean="0"/>
+              <a:rPr lang="ko-KR" altLang="en-US"/>
               <a:t>넷째 수준</a:t>
             </a:r>
           </a:p>
           <a:p>
             <a:pPr lvl="4"/>
             <a:r>
-              <a:rPr lang="ko-KR" altLang="en-US" smtClean="0"/>
+              <a:rPr lang="ko-KR" altLang="en-US"/>
               <a:t>다섯째 수준</a:t>
             </a:r>
             <a:endParaRPr lang="en-US" dirty="0"/>
@@ -869,35 +874,35 @@
           <a:p>
             <a:pPr lvl="0"/>
             <a:r>
-              <a:rPr lang="ko-KR" altLang="en-US" smtClean="0"/>
+              <a:rPr lang="ko-KR" altLang="en-US"/>
               <a:t>마스터 텍스트 스타일 편집</a:t>
             </a:r>
           </a:p>
           <a:p>
             <a:pPr lvl="1"/>
             <a:r>
-              <a:rPr lang="ko-KR" altLang="en-US" smtClean="0"/>
+              <a:rPr lang="ko-KR" altLang="en-US"/>
               <a:t>둘째 수준</a:t>
             </a:r>
           </a:p>
           <a:p>
             <a:pPr lvl="2"/>
             <a:r>
-              <a:rPr lang="ko-KR" altLang="en-US" smtClean="0"/>
+              <a:rPr lang="ko-KR" altLang="en-US"/>
               <a:t>셋째 수준</a:t>
             </a:r>
           </a:p>
           <a:p>
             <a:pPr lvl="3"/>
             <a:r>
-              <a:rPr lang="ko-KR" altLang="en-US" smtClean="0"/>
+              <a:rPr lang="ko-KR" altLang="en-US"/>
               <a:t>넷째 수준</a:t>
             </a:r>
           </a:p>
           <a:p>
             <a:pPr lvl="4"/>
             <a:r>
-              <a:rPr lang="ko-KR" altLang="en-US" smtClean="0"/>
+              <a:rPr lang="ko-KR" altLang="en-US"/>
               <a:t>다섯째 수준</a:t>
             </a:r>
             <a:endParaRPr lang="en-US" dirty="0"/>
@@ -1020,7 +1025,7 @@
           <a:lstStyle/>
           <a:p>
             <a:r>
-              <a:rPr lang="ko-KR" altLang="en-US" smtClean="0"/>
+              <a:rPr lang="ko-KR" altLang="en-US"/>
               <a:t>마스터 제목 스타일 편집</a:t>
             </a:r>
             <a:endParaRPr lang="en-US"/>
@@ -1086,7 +1091,7 @@
           <a:p>
             <a:pPr lvl="0"/>
             <a:r>
-              <a:rPr lang="ko-KR" altLang="en-US" smtClean="0"/>
+              <a:rPr lang="ko-KR" altLang="en-US"/>
               <a:t>마스터 텍스트 스타일 편집</a:t>
             </a:r>
           </a:p>
@@ -1114,35 +1119,35 @@
           <a:p>
             <a:pPr lvl="0"/>
             <a:r>
-              <a:rPr lang="ko-KR" altLang="en-US" smtClean="0"/>
+              <a:rPr lang="ko-KR" altLang="en-US"/>
               <a:t>마스터 텍스트 스타일 편집</a:t>
             </a:r>
           </a:p>
           <a:p>
             <a:pPr lvl="1"/>
             <a:r>
-              <a:rPr lang="ko-KR" altLang="en-US" smtClean="0"/>
+              <a:rPr lang="ko-KR" altLang="en-US"/>
               <a:t>둘째 수준</a:t>
             </a:r>
           </a:p>
           <a:p>
             <a:pPr lvl="2"/>
             <a:r>
-              <a:rPr lang="ko-KR" altLang="en-US" smtClean="0"/>
+              <a:rPr lang="ko-KR" altLang="en-US"/>
               <a:t>셋째 수준</a:t>
             </a:r>
           </a:p>
           <a:p>
             <a:pPr lvl="3"/>
             <a:r>
-              <a:rPr lang="ko-KR" altLang="en-US" smtClean="0"/>
+              <a:rPr lang="ko-KR" altLang="en-US"/>
               <a:t>넷째 수준</a:t>
             </a:r>
           </a:p>
           <a:p>
             <a:pPr lvl="4"/>
             <a:r>
-              <a:rPr lang="ko-KR" altLang="en-US" smtClean="0"/>
+              <a:rPr lang="ko-KR" altLang="en-US"/>
               <a:t>다섯째 수준</a:t>
             </a:r>
             <a:endParaRPr lang="en-US"/>
@@ -1208,7 +1213,7 @@
           <a:p>
             <a:pPr lvl="0"/>
             <a:r>
-              <a:rPr lang="ko-KR" altLang="en-US" smtClean="0"/>
+              <a:rPr lang="ko-KR" altLang="en-US"/>
               <a:t>마스터 텍스트 스타일 편집</a:t>
             </a:r>
           </a:p>
@@ -1236,35 +1241,35 @@
           <a:p>
             <a:pPr lvl="0"/>
             <a:r>
-              <a:rPr lang="ko-KR" altLang="en-US" smtClean="0"/>
+              <a:rPr lang="ko-KR" altLang="en-US"/>
               <a:t>마스터 텍스트 스타일 편집</a:t>
             </a:r>
           </a:p>
           <a:p>
             <a:pPr lvl="1"/>
             <a:r>
-              <a:rPr lang="ko-KR" altLang="en-US" smtClean="0"/>
+              <a:rPr lang="ko-KR" altLang="en-US"/>
               <a:t>둘째 수준</a:t>
             </a:r>
           </a:p>
           <a:p>
             <a:pPr lvl="2"/>
             <a:r>
-              <a:rPr lang="ko-KR" altLang="en-US" smtClean="0"/>
+              <a:rPr lang="ko-KR" altLang="en-US"/>
               <a:t>셋째 수준</a:t>
             </a:r>
           </a:p>
           <a:p>
             <a:pPr lvl="3"/>
             <a:r>
-              <a:rPr lang="ko-KR" altLang="en-US" smtClean="0"/>
+              <a:rPr lang="ko-KR" altLang="en-US"/>
               <a:t>넷째 수준</a:t>
             </a:r>
           </a:p>
           <a:p>
             <a:pPr lvl="4"/>
             <a:r>
-              <a:rPr lang="ko-KR" altLang="en-US" smtClean="0"/>
+              <a:rPr lang="ko-KR" altLang="en-US"/>
               <a:t>다섯째 수준</a:t>
             </a:r>
             <a:endParaRPr lang="en-US"/>
@@ -1382,7 +1387,7 @@
           <a:lstStyle/>
           <a:p>
             <a:r>
-              <a:rPr lang="ko-KR" altLang="en-US" smtClean="0"/>
+              <a:rPr lang="ko-KR" altLang="en-US"/>
               <a:t>마스터 제목 스타일 편집</a:t>
             </a:r>
             <a:endParaRPr lang="en-US"/>
@@ -1604,7 +1609,7 @@
           </a:lstStyle>
           <a:p>
             <a:r>
-              <a:rPr lang="ko-KR" altLang="en-US" smtClean="0"/>
+              <a:rPr lang="ko-KR" altLang="en-US"/>
               <a:t>마스터 제목 스타일 편집</a:t>
             </a:r>
             <a:endParaRPr lang="en-US" dirty="0"/>
@@ -1661,35 +1666,35 @@
           <a:p>
             <a:pPr lvl="0"/>
             <a:r>
-              <a:rPr lang="ko-KR" altLang="en-US" smtClean="0"/>
+              <a:rPr lang="ko-KR" altLang="en-US"/>
               <a:t>마스터 텍스트 스타일 편집</a:t>
             </a:r>
           </a:p>
           <a:p>
             <a:pPr lvl="1"/>
             <a:r>
-              <a:rPr lang="ko-KR" altLang="en-US" smtClean="0"/>
+              <a:rPr lang="ko-KR" altLang="en-US"/>
               <a:t>둘째 수준</a:t>
             </a:r>
           </a:p>
           <a:p>
             <a:pPr lvl="2"/>
             <a:r>
-              <a:rPr lang="ko-KR" altLang="en-US" smtClean="0"/>
+              <a:rPr lang="ko-KR" altLang="en-US"/>
               <a:t>셋째 수준</a:t>
             </a:r>
           </a:p>
           <a:p>
             <a:pPr lvl="3"/>
             <a:r>
-              <a:rPr lang="ko-KR" altLang="en-US" smtClean="0"/>
+              <a:rPr lang="ko-KR" altLang="en-US"/>
               <a:t>넷째 수준</a:t>
             </a:r>
           </a:p>
           <a:p>
             <a:pPr lvl="4"/>
             <a:r>
-              <a:rPr lang="ko-KR" altLang="en-US" smtClean="0"/>
+              <a:rPr lang="ko-KR" altLang="en-US"/>
               <a:t>다섯째 수준</a:t>
             </a:r>
             <a:endParaRPr lang="en-US"/>
@@ -1755,7 +1760,7 @@
           <a:p>
             <a:pPr lvl="0"/>
             <a:r>
-              <a:rPr lang="ko-KR" altLang="en-US" smtClean="0"/>
+              <a:rPr lang="ko-KR" altLang="en-US"/>
               <a:t>마스터 텍스트 스타일 편집</a:t>
             </a:r>
           </a:p>
@@ -1881,7 +1886,7 @@
           </a:lstStyle>
           <a:p>
             <a:r>
-              <a:rPr lang="ko-KR" altLang="en-US" smtClean="0"/>
+              <a:rPr lang="ko-KR" altLang="en-US"/>
               <a:t>마스터 제목 스타일 편집</a:t>
             </a:r>
             <a:endParaRPr lang="en-US" dirty="0"/>
@@ -1946,7 +1951,7 @@
           </a:lstStyle>
           <a:p>
             <a:r>
-              <a:rPr lang="ko-KR" altLang="en-US" smtClean="0"/>
+              <a:rPr lang="ko-KR" altLang="en-US"/>
               <a:t>그림을 추가하려면 아이콘을 클릭하십시오</a:t>
             </a:r>
             <a:endParaRPr lang="en-US"/>
@@ -2012,7 +2017,7 @@
           <a:p>
             <a:pPr lvl="0"/>
             <a:r>
-              <a:rPr lang="ko-KR" altLang="en-US" smtClean="0"/>
+              <a:rPr lang="ko-KR" altLang="en-US"/>
               <a:t>마스터 텍스트 스타일 편집</a:t>
             </a:r>
           </a:p>
@@ -2153,7 +2158,7 @@
           <a:lstStyle/>
           <a:p>
             <a:r>
-              <a:rPr lang="ko-KR" altLang="en-US" smtClean="0"/>
+              <a:rPr lang="ko-KR" altLang="en-US"/>
               <a:t>마스터 제목 스타일 편집</a:t>
             </a:r>
             <a:endParaRPr lang="en-US"/>
@@ -2187,35 +2192,35 @@
           <a:p>
             <a:pPr lvl="0"/>
             <a:r>
-              <a:rPr lang="ko-KR" altLang="en-US" smtClean="0"/>
+              <a:rPr lang="ko-KR" altLang="en-US"/>
               <a:t>마스터 텍스트 스타일 편집</a:t>
             </a:r>
           </a:p>
           <a:p>
             <a:pPr lvl="1"/>
             <a:r>
-              <a:rPr lang="ko-KR" altLang="en-US" smtClean="0"/>
+              <a:rPr lang="ko-KR" altLang="en-US"/>
               <a:t>둘째 수준</a:t>
             </a:r>
           </a:p>
           <a:p>
             <a:pPr lvl="2"/>
             <a:r>
-              <a:rPr lang="ko-KR" altLang="en-US" smtClean="0"/>
+              <a:rPr lang="ko-KR" altLang="en-US"/>
               <a:t>셋째 수준</a:t>
             </a:r>
           </a:p>
           <a:p>
             <a:pPr lvl="3"/>
             <a:r>
-              <a:rPr lang="ko-KR" altLang="en-US" smtClean="0"/>
+              <a:rPr lang="ko-KR" altLang="en-US"/>
               <a:t>넷째 수준</a:t>
             </a:r>
           </a:p>
           <a:p>
             <a:pPr lvl="4"/>
             <a:r>
-              <a:rPr lang="ko-KR" altLang="en-US" smtClean="0"/>
+              <a:rPr lang="ko-KR" altLang="en-US"/>
               <a:t>다섯째 수준</a:t>
             </a:r>
             <a:endParaRPr lang="en-US"/>
@@ -2799,18 +2804,14 @@
           <a:p>
             <a:pPr algn="r"/>
             <a:r>
-              <a:rPr lang="ko-KR" altLang="en-US" dirty="0" smtClean="0"/>
+              <a:rPr lang="ko-KR" altLang="en-US" dirty="0"/>
               <a:t>게임 프로그래밍 </a:t>
             </a:r>
-            <a:r>
-              <a:rPr lang="en-US" altLang="ko-KR" dirty="0" smtClean="0"/>
-              <a:t/>
-            </a:r>
             <a:br>
-              <a:rPr lang="en-US" altLang="ko-KR" dirty="0" smtClean="0"/>
+              <a:rPr lang="en-US" altLang="ko-KR" dirty="0"/>
             </a:br>
             <a:r>
-              <a:rPr lang="ko-KR" altLang="en-US" dirty="0" smtClean="0"/>
+              <a:rPr lang="ko-KR" altLang="en-US" dirty="0"/>
               <a:t>기획서</a:t>
             </a:r>
             <a:endParaRPr lang="en-US" dirty="0"/>
@@ -2834,23 +2835,23 @@
           <a:p>
             <a:pPr algn="r"/>
             <a:r>
-              <a:rPr lang="en-US" b="1" dirty="0" smtClean="0"/>
+              <a:rPr lang="en-US" b="1" dirty="0"/>
               <a:t>20181490 </a:t>
             </a:r>
             <a:r>
-              <a:rPr lang="ko-KR" altLang="en-US" b="1" dirty="0" err="1" smtClean="0"/>
+              <a:rPr lang="ko-KR" altLang="en-US" b="1" dirty="0" err="1"/>
               <a:t>한석희</a:t>
             </a:r>
-            <a:endParaRPr lang="en-US" altLang="ko-KR" b="1" dirty="0" smtClean="0"/>
+            <a:endParaRPr lang="en-US" altLang="ko-KR" b="1" dirty="0"/>
           </a:p>
           <a:p>
             <a:pPr algn="r"/>
             <a:r>
-              <a:rPr lang="en-US" b="1" dirty="0" smtClean="0"/>
+              <a:rPr lang="en-US" b="1" dirty="0"/>
               <a:t>20181511 </a:t>
             </a:r>
             <a:r>
-              <a:rPr lang="ko-KR" altLang="en-US" b="1" dirty="0" err="1" smtClean="0"/>
+              <a:rPr lang="ko-KR" altLang="en-US" b="1" dirty="0" err="1"/>
               <a:t>박동주</a:t>
             </a:r>
             <a:endParaRPr lang="en-US" b="1" dirty="0"/>
@@ -2867,13 +2868,6 @@
   <p:clrMapOvr>
     <a:masterClrMapping/>
   </p:clrMapOvr>
-  <p:timing>
-    <p:tnLst>
-      <p:par>
-        <p:cTn id="1" dur="indefinite" restart="never" nodeType="tmRoot"/>
-      </p:par>
-    </p:tnLst>
-  </p:timing>
 </p:sld>
 </file>
 
@@ -2911,10 +2905,350 @@
           <a:p>
             <a:pPr algn="l"/>
             <a:r>
-              <a:rPr lang="ko-KR" altLang="en-US" dirty="0" smtClean="0"/>
+              <a:rPr lang="ko-KR" altLang="en-US" dirty="0"/>
               <a:t>개발 과정</a:t>
             </a:r>
-            <a:endParaRPr lang="ko-KR" altLang="en-US" dirty="0"/>
+          </a:p>
+        </p:txBody>
+      </p:sp>
+      <p:sp>
+        <p:nvSpPr>
+          <p:cNvPr id="3" name="내용 개체 틀 2"/>
+          <p:cNvSpPr>
+            <a:spLocks noGrp="1"/>
+          </p:cNvSpPr>
+          <p:nvPr>
+            <p:ph idx="1"/>
+          </p:nvPr>
+        </p:nvSpPr>
+        <p:spPr/>
+        <p:txBody>
+          <a:bodyPr/>
+          <a:lstStyle/>
+          <a:p>
+            <a:r>
+              <a:rPr lang="ko-KR" altLang="en-US" dirty="0"/>
+              <a:t>개발 예정</a:t>
+            </a:r>
+            <a:endParaRPr lang="en-US" altLang="ko-KR" dirty="0"/>
+          </a:p>
+          <a:p>
+            <a:pPr marL="0" indent="0">
+              <a:buNone/>
+            </a:pPr>
+            <a:r>
+              <a:rPr lang="en-US" altLang="ko-KR" dirty="0"/>
+              <a:t> 1. </a:t>
+            </a:r>
+            <a:r>
+              <a:rPr lang="ko-KR" altLang="en-US" dirty="0"/>
+              <a:t>스킬</a:t>
+            </a:r>
+            <a:endParaRPr lang="en-US" altLang="ko-KR" dirty="0"/>
+          </a:p>
+          <a:p>
+            <a:pPr marL="0" indent="0">
+              <a:buNone/>
+            </a:pPr>
+            <a:r>
+              <a:rPr lang="en-US" altLang="ko-KR" sz="2400" dirty="0"/>
+              <a:t>    </a:t>
+            </a:r>
+          </a:p>
+        </p:txBody>
+      </p:sp>
+      <p:sp>
+        <p:nvSpPr>
+          <p:cNvPr id="8" name="TextBox 7"/>
+          <p:cNvSpPr txBox="1"/>
+          <p:nvPr/>
+        </p:nvSpPr>
+        <p:spPr>
+          <a:xfrm>
+            <a:off x="886449" y="5129316"/>
+            <a:ext cx="4711700" cy="1477328"/>
+          </a:xfrm>
+          <a:prstGeom prst="rect">
+            <a:avLst/>
+          </a:prstGeom>
+          <a:noFill/>
+        </p:spPr>
+        <p:txBody>
+          <a:bodyPr wrap="square" rtlCol="0">
+            <a:spAutoFit/>
+          </a:bodyPr>
+          <a:lstStyle/>
+          <a:p>
+            <a:r>
+              <a:rPr lang="ko-KR" altLang="en-US" dirty="0"/>
+              <a:t>구르기 무적</a:t>
+            </a:r>
+            <a:endParaRPr lang="en-US" altLang="ko-KR" dirty="0"/>
+          </a:p>
+          <a:p>
+            <a:pPr marL="285750" indent="-285750">
+              <a:buFontTx/>
+              <a:buChar char="-"/>
+            </a:pPr>
+            <a:r>
+              <a:rPr lang="ko-KR" altLang="en-US" dirty="0"/>
+              <a:t>플레이어가 구르기 액션을 사용할 경우</a:t>
+            </a:r>
+            <a:endParaRPr lang="en-US" altLang="ko-KR" dirty="0"/>
+          </a:p>
+          <a:p>
+            <a:r>
+              <a:rPr lang="ko-KR" altLang="en-US" dirty="0"/>
+              <a:t>자동적으로 이 스킬이 발동됨</a:t>
+            </a:r>
+            <a:endParaRPr lang="en-US" altLang="ko-KR" dirty="0"/>
+          </a:p>
+          <a:p>
+            <a:pPr marL="285750" indent="-285750">
+              <a:buFontTx/>
+              <a:buChar char="-"/>
+            </a:pPr>
+            <a:r>
+              <a:rPr lang="ko-KR" altLang="en-US" dirty="0"/>
+              <a:t>이 스킬이 발동된 구르기는 액션을 하는 동안 플레이어가 무적이 됨</a:t>
+            </a:r>
+            <a:endParaRPr lang="en-US" altLang="ko-KR" dirty="0"/>
+          </a:p>
+        </p:txBody>
+      </p:sp>
+      <p:pic>
+        <p:nvPicPr>
+          <p:cNvPr id="9" name="Picture 2" descr="File:Arrow east.svg - Wikimedia Commons"/>
+          <p:cNvPicPr>
+            <a:picLocks noChangeAspect="1" noChangeArrowheads="1"/>
+          </p:cNvPicPr>
+          <p:nvPr/>
+        </p:nvPicPr>
+        <p:blipFill>
+          <a:blip r:embed="rId2" cstate="print">
+            <a:extLst>
+              <a:ext uri="{28A0092B-C50C-407E-A947-70E740481C1C}">
+                <a14:useLocalDpi xmlns:a14="http://schemas.microsoft.com/office/drawing/2010/main" val="0"/>
+              </a:ext>
+            </a:extLst>
+          </a:blip>
+          <a:srcRect/>
+          <a:stretch>
+            <a:fillRect/>
+          </a:stretch>
+        </p:blipFill>
+        <p:spPr bwMode="auto">
+          <a:xfrm>
+            <a:off x="4716774" y="3753838"/>
+            <a:ext cx="1110233" cy="449263"/>
+          </a:xfrm>
+          <a:prstGeom prst="rect">
+            <a:avLst/>
+          </a:prstGeom>
+          <a:noFill/>
+          <a:extLst>
+            <a:ext uri="{909E8E84-426E-40DD-AFC4-6F175D3DCCD1}">
+              <a14:hiddenFill xmlns:a14="http://schemas.microsoft.com/office/drawing/2010/main">
+                <a:solidFill>
+                  <a:srgbClr val="FFFFFF"/>
+                </a:solidFill>
+              </a14:hiddenFill>
+            </a:ext>
+          </a:extLst>
+        </p:spPr>
+      </p:pic>
+      <p:sp>
+        <p:nvSpPr>
+          <p:cNvPr id="10" name="직사각형 9"/>
+          <p:cNvSpPr/>
+          <p:nvPr/>
+        </p:nvSpPr>
+        <p:spPr>
+          <a:xfrm>
+            <a:off x="5996844" y="2979458"/>
+            <a:ext cx="3031762" cy="2135603"/>
+          </a:xfrm>
+          <a:prstGeom prst="rect">
+            <a:avLst/>
+          </a:prstGeom>
+        </p:spPr>
+        <p:style>
+          <a:lnRef idx="2">
+            <a:schemeClr val="accent4">
+              <a:shade val="50000"/>
+            </a:schemeClr>
+          </a:lnRef>
+          <a:fillRef idx="1">
+            <a:schemeClr val="accent4"/>
+          </a:fillRef>
+          <a:effectRef idx="0">
+            <a:schemeClr val="accent4"/>
+          </a:effectRef>
+          <a:fontRef idx="minor">
+            <a:schemeClr val="lt1"/>
+          </a:fontRef>
+        </p:style>
+        <p:txBody>
+          <a:bodyPr rtlCol="0" anchor="ctr"/>
+          <a:lstStyle/>
+          <a:p>
+            <a:r>
+              <a:rPr lang="en-US" altLang="ko-KR" dirty="0">
+                <a:solidFill>
+                  <a:schemeClr val="tx1"/>
+                </a:solidFill>
+              </a:rPr>
+              <a:t>-3D Action</a:t>
+            </a:r>
+            <a:r>
+              <a:rPr lang="ko-KR" altLang="en-US" dirty="0">
+                <a:solidFill>
+                  <a:schemeClr val="tx1"/>
+                </a:solidFill>
+              </a:rPr>
+              <a:t>에 맞는 </a:t>
+            </a:r>
+            <a:endParaRPr lang="en-US" altLang="ko-KR" dirty="0">
+              <a:solidFill>
+                <a:schemeClr val="tx1"/>
+              </a:solidFill>
+            </a:endParaRPr>
+          </a:p>
+          <a:p>
+            <a:r>
+              <a:rPr lang="ko-KR" altLang="en-US" dirty="0">
+                <a:solidFill>
+                  <a:schemeClr val="tx1"/>
+                </a:solidFill>
+              </a:rPr>
+              <a:t>액션 추가</a:t>
+            </a:r>
+            <a:endParaRPr lang="en-US" altLang="ko-KR" dirty="0">
+              <a:solidFill>
+                <a:schemeClr val="tx1"/>
+              </a:solidFill>
+            </a:endParaRPr>
+          </a:p>
+          <a:p>
+            <a:r>
+              <a:rPr lang="en-US" altLang="ko-KR" dirty="0">
+                <a:solidFill>
+                  <a:schemeClr val="tx1"/>
+                </a:solidFill>
+              </a:rPr>
+              <a:t>- </a:t>
+            </a:r>
+            <a:r>
+              <a:rPr lang="ko-KR" altLang="en-US" dirty="0">
+                <a:solidFill>
+                  <a:schemeClr val="tx1"/>
+                </a:solidFill>
+              </a:rPr>
+              <a:t>기존 구르기 액션에</a:t>
+            </a:r>
+            <a:endParaRPr lang="en-US" altLang="ko-KR" dirty="0">
+              <a:solidFill>
+                <a:schemeClr val="tx1"/>
+              </a:solidFill>
+            </a:endParaRPr>
+          </a:p>
+          <a:p>
+            <a:r>
+              <a:rPr lang="ko-KR" altLang="en-US" dirty="0">
+                <a:solidFill>
+                  <a:schemeClr val="tx1"/>
+                </a:solidFill>
+              </a:rPr>
+              <a:t>무적이 되는 스크립트 추가</a:t>
+            </a:r>
+            <a:endParaRPr lang="en-US" altLang="ko-KR" dirty="0">
+              <a:solidFill>
+                <a:schemeClr val="tx1"/>
+              </a:solidFill>
+            </a:endParaRPr>
+          </a:p>
+        </p:txBody>
+      </p:sp>
+      <p:pic>
+        <p:nvPicPr>
+          <p:cNvPr id="5" name="그림 4">
+            <a:extLst>
+              <a:ext uri="{FF2B5EF4-FFF2-40B4-BE49-F238E27FC236}">
+                <a16:creationId xmlns:a16="http://schemas.microsoft.com/office/drawing/2014/main" id="{31A3A09A-8635-4910-A8DB-D1ABF439A0D5}"/>
+              </a:ext>
+            </a:extLst>
+          </p:cNvPr>
+          <p:cNvPicPr>
+            <a:picLocks noChangeAspect="1"/>
+          </p:cNvPicPr>
+          <p:nvPr/>
+        </p:nvPicPr>
+        <p:blipFill>
+          <a:blip r:embed="rId3"/>
+          <a:stretch>
+            <a:fillRect/>
+          </a:stretch>
+        </p:blipFill>
+        <p:spPr>
+          <a:xfrm>
+            <a:off x="685359" y="2979459"/>
+            <a:ext cx="3751000" cy="1998020"/>
+          </a:xfrm>
+          <a:prstGeom prst="rect">
+            <a:avLst/>
+          </a:prstGeom>
+        </p:spPr>
+      </p:pic>
+    </p:spTree>
+    <p:extLst>
+      <p:ext uri="{BB962C8B-B14F-4D97-AF65-F5344CB8AC3E}">
+        <p14:creationId xmlns:p14="http://schemas.microsoft.com/office/powerpoint/2010/main" val="707665933"/>
+      </p:ext>
+    </p:extLst>
+  </p:cSld>
+  <p:clrMapOvr>
+    <a:masterClrMapping/>
+  </p:clrMapOvr>
+</p:sld>
+</file>
+
+<file path=ppt/slides/slide11.xml><?xml version="1.0" encoding="utf-8"?>
+<p:sld xmlns:a="http://schemas.openxmlformats.org/drawingml/2006/main" xmlns:r="http://schemas.openxmlformats.org/officeDocument/2006/relationships" xmlns:p="http://schemas.openxmlformats.org/presentationml/2006/main">
+  <p:cSld>
+    <p:spTree>
+      <p:nvGrpSpPr>
+        <p:cNvPr id="1" name=""/>
+        <p:cNvGrpSpPr/>
+        <p:nvPr/>
+      </p:nvGrpSpPr>
+      <p:grpSpPr>
+        <a:xfrm>
+          <a:off x="0" y="0"/>
+          <a:ext cx="0" cy="0"/>
+          <a:chOff x="0" y="0"/>
+          <a:chExt cx="0" cy="0"/>
+        </a:xfrm>
+      </p:grpSpPr>
+      <p:sp>
+        <p:nvSpPr>
+          <p:cNvPr id="2" name="제목 1"/>
+          <p:cNvSpPr>
+            <a:spLocks noGrp="1"/>
+          </p:cNvSpPr>
+          <p:nvPr>
+            <p:ph type="title"/>
+          </p:nvPr>
+        </p:nvSpPr>
+        <p:spPr/>
+        <p:txBody>
+          <a:bodyPr/>
+          <a:lstStyle/>
+          <a:p>
+            <a:pPr algn="l"/>
+            <a:r>
+              <a:rPr lang="ko-KR" altLang="en-US" dirty="0"/>
+              <a:t>개발 과정</a:t>
+            </a:r>
           </a:p>
         </p:txBody>
       </p:sp>
@@ -2936,34 +3270,893 @@
           <a:lstStyle/>
           <a:p>
             <a:r>
-              <a:rPr lang="ko-KR" altLang="en-US" dirty="0" smtClean="0"/>
+              <a:rPr lang="ko-KR" altLang="en-US" dirty="0"/>
               <a:t>개발 예정</a:t>
             </a:r>
-            <a:endParaRPr lang="en-US" altLang="ko-KR" dirty="0" smtClean="0"/>
+            <a:endParaRPr lang="en-US" altLang="ko-KR" dirty="0"/>
           </a:p>
           <a:p>
             <a:pPr marL="0" indent="0">
               <a:buNone/>
             </a:pPr>
             <a:r>
-              <a:rPr lang="en-US" altLang="ko-KR" dirty="0" smtClean="0"/>
+              <a:rPr lang="en-US" altLang="ko-KR" dirty="0"/>
+              <a:t>2. </a:t>
+            </a:r>
+            <a:r>
+              <a:rPr lang="ko-KR" altLang="en-US" dirty="0"/>
+              <a:t>성장 요소</a:t>
+            </a:r>
+            <a:endParaRPr lang="en-US" altLang="ko-KR" dirty="0"/>
+          </a:p>
+          <a:p>
+            <a:pPr marL="0" indent="0">
+              <a:buNone/>
+            </a:pPr>
+            <a:r>
+              <a:rPr lang="en-US" altLang="ko-KR" dirty="0"/>
+              <a:t>    - </a:t>
+            </a:r>
+            <a:r>
+              <a:rPr lang="ko-KR" altLang="en-US" dirty="0"/>
+              <a:t>레벨</a:t>
+            </a:r>
+            <a:endParaRPr lang="en-US" altLang="ko-KR" dirty="0"/>
+          </a:p>
+          <a:p>
+            <a:pPr marL="0" indent="0">
+              <a:buNone/>
+            </a:pPr>
+            <a:endParaRPr lang="en-US" altLang="ko-KR" dirty="0"/>
+          </a:p>
+          <a:p>
+            <a:pPr marL="0" indent="0">
+              <a:buNone/>
+            </a:pPr>
+            <a:r>
+              <a:rPr lang="en-US" altLang="ko-KR" dirty="0"/>
+              <a:t>   </a:t>
+            </a:r>
+          </a:p>
+          <a:p>
+            <a:pPr marL="0" indent="0">
+              <a:buNone/>
+            </a:pPr>
+            <a:endParaRPr lang="en-US" altLang="ko-KR" dirty="0"/>
+          </a:p>
+          <a:p>
+            <a:pPr marL="0" indent="0">
+              <a:buNone/>
+            </a:pPr>
+            <a:endParaRPr lang="en-US" altLang="ko-KR" dirty="0"/>
+          </a:p>
+          <a:p>
+            <a:pPr marL="0" indent="0">
+              <a:buNone/>
+            </a:pPr>
+            <a:r>
+              <a:rPr lang="en-US" altLang="ko-KR" dirty="0"/>
+              <a:t> </a:t>
+            </a:r>
+            <a:r>
+              <a:rPr lang="ko-KR" altLang="en-US" dirty="0"/>
+              <a:t> </a:t>
+            </a:r>
+            <a:endParaRPr lang="en-US" altLang="ko-KR" dirty="0"/>
+          </a:p>
+        </p:txBody>
+      </p:sp>
+      <p:pic>
+        <p:nvPicPr>
+          <p:cNvPr id="4" name="그림 3"/>
+          <p:cNvPicPr>
+            <a:picLocks noChangeAspect="1"/>
+          </p:cNvPicPr>
+          <p:nvPr/>
+        </p:nvPicPr>
+        <p:blipFill>
+          <a:blip r:embed="rId2"/>
+          <a:stretch>
+            <a:fillRect/>
+          </a:stretch>
+        </p:blipFill>
+        <p:spPr>
+          <a:xfrm>
+            <a:off x="995362" y="3263540"/>
+            <a:ext cx="2858808" cy="1793762"/>
+          </a:xfrm>
+          <a:prstGeom prst="rect">
+            <a:avLst/>
+          </a:prstGeom>
+        </p:spPr>
+      </p:pic>
+      <p:sp>
+        <p:nvSpPr>
+          <p:cNvPr id="5" name="TextBox 4"/>
+          <p:cNvSpPr txBox="1"/>
+          <p:nvPr/>
+        </p:nvSpPr>
+        <p:spPr>
+          <a:xfrm>
+            <a:off x="774700" y="5127808"/>
+            <a:ext cx="4711700" cy="1200329"/>
+          </a:xfrm>
+          <a:prstGeom prst="rect">
+            <a:avLst/>
+          </a:prstGeom>
+          <a:noFill/>
+        </p:spPr>
+        <p:txBody>
+          <a:bodyPr wrap="square" rtlCol="0">
+            <a:spAutoFit/>
+          </a:bodyPr>
+          <a:lstStyle/>
+          <a:p>
+            <a:r>
+              <a:rPr lang="ko-KR" altLang="en-US" dirty="0" err="1"/>
+              <a:t>레벨업</a:t>
+            </a:r>
+            <a:r>
+              <a:rPr lang="ko-KR" altLang="en-US" dirty="0"/>
+              <a:t> 시스템</a:t>
+            </a:r>
+            <a:endParaRPr lang="en-US" altLang="ko-KR" dirty="0"/>
+          </a:p>
+          <a:p>
+            <a:r>
+              <a:rPr lang="en-US" altLang="ko-KR" dirty="0"/>
+              <a:t> - </a:t>
+            </a:r>
+            <a:r>
+              <a:rPr lang="ko-KR" altLang="en-US" dirty="0"/>
+              <a:t>적을 처치할 시 경험치를 획득해 </a:t>
+            </a:r>
+            <a:r>
+              <a:rPr lang="ko-KR" altLang="en-US" dirty="0" err="1"/>
+              <a:t>레벨업</a:t>
+            </a:r>
+            <a:endParaRPr lang="en-US" altLang="ko-KR" dirty="0"/>
+          </a:p>
+          <a:p>
+            <a:r>
+              <a:rPr lang="en-US" altLang="ko-KR" dirty="0"/>
+              <a:t> - </a:t>
+            </a:r>
+            <a:r>
+              <a:rPr lang="ko-KR" altLang="en-US" dirty="0" err="1"/>
+              <a:t>레벨업</a:t>
+            </a:r>
+            <a:r>
+              <a:rPr lang="ko-KR" altLang="en-US" dirty="0"/>
+              <a:t> 시 </a:t>
+            </a:r>
+            <a:r>
+              <a:rPr lang="en-US" altLang="ko-KR" dirty="0"/>
+              <a:t>‘</a:t>
+            </a:r>
+            <a:r>
+              <a:rPr lang="ko-KR" altLang="en-US" dirty="0" err="1"/>
+              <a:t>스탯</a:t>
+            </a:r>
+            <a:r>
+              <a:rPr lang="en-US" altLang="ko-KR" dirty="0"/>
+              <a:t>’</a:t>
+            </a:r>
+            <a:r>
+              <a:rPr lang="ko-KR" altLang="en-US" dirty="0"/>
+              <a:t>을 분배 할 수 있음</a:t>
+            </a:r>
+            <a:endParaRPr lang="en-US" altLang="ko-KR" dirty="0"/>
+          </a:p>
+          <a:p>
+            <a:r>
+              <a:rPr lang="en-US" altLang="ko-KR" dirty="0"/>
+              <a:t> - ‘</a:t>
+            </a:r>
+            <a:r>
+              <a:rPr lang="ko-KR" altLang="en-US" dirty="0" err="1"/>
+              <a:t>스탯</a:t>
+            </a:r>
+            <a:r>
+              <a:rPr lang="en-US" altLang="ko-KR" dirty="0"/>
+              <a:t>’</a:t>
+            </a:r>
+            <a:r>
+              <a:rPr lang="ko-KR" altLang="en-US" dirty="0"/>
+              <a:t>은 체력</a:t>
+            </a:r>
+            <a:r>
+              <a:rPr lang="en-US" altLang="ko-KR" dirty="0"/>
+              <a:t>, </a:t>
+            </a:r>
+            <a:r>
+              <a:rPr lang="ko-KR" altLang="en-US" dirty="0"/>
+              <a:t>근접</a:t>
+            </a:r>
+            <a:r>
+              <a:rPr lang="en-US" altLang="ko-KR" dirty="0"/>
+              <a:t>, </a:t>
+            </a:r>
+            <a:r>
+              <a:rPr lang="ko-KR" altLang="en-US" dirty="0"/>
+              <a:t>원거리 공격력 </a:t>
+            </a:r>
+            <a:r>
+              <a:rPr lang="en-US" altLang="ko-KR" dirty="0"/>
+              <a:t>3</a:t>
+            </a:r>
+            <a:r>
+              <a:rPr lang="ko-KR" altLang="en-US" dirty="0"/>
+              <a:t>가지</a:t>
+            </a:r>
+            <a:r>
+              <a:rPr lang="en-US" altLang="ko-KR" dirty="0"/>
+              <a:t> </a:t>
+            </a:r>
+          </a:p>
+        </p:txBody>
+      </p:sp>
+      <p:pic>
+        <p:nvPicPr>
+          <p:cNvPr id="6" name="Picture 2" descr="File:Arrow east.svg - Wikimedia Commons"/>
+          <p:cNvPicPr>
+            <a:picLocks noChangeAspect="1" noChangeArrowheads="1"/>
+          </p:cNvPicPr>
+          <p:nvPr/>
+        </p:nvPicPr>
+        <p:blipFill>
+          <a:blip r:embed="rId3" cstate="print">
+            <a:extLst>
+              <a:ext uri="{28A0092B-C50C-407E-A947-70E740481C1C}">
+                <a14:useLocalDpi xmlns:a14="http://schemas.microsoft.com/office/drawing/2010/main" val="0"/>
+              </a:ext>
+            </a:extLst>
+          </a:blip>
+          <a:srcRect/>
+          <a:stretch>
+            <a:fillRect/>
+          </a:stretch>
+        </p:blipFill>
+        <p:spPr bwMode="auto">
+          <a:xfrm>
+            <a:off x="4817759" y="3760787"/>
+            <a:ext cx="1110233" cy="449263"/>
+          </a:xfrm>
+          <a:prstGeom prst="rect">
+            <a:avLst/>
+          </a:prstGeom>
+          <a:noFill/>
+          <a:extLst>
+            <a:ext uri="{909E8E84-426E-40DD-AFC4-6F175D3DCCD1}">
+              <a14:hiddenFill xmlns:a14="http://schemas.microsoft.com/office/drawing/2010/main">
+                <a:solidFill>
+                  <a:srgbClr val="FFFFFF"/>
+                </a:solidFill>
+              </a14:hiddenFill>
+            </a:ext>
+          </a:extLst>
+        </p:spPr>
+      </p:pic>
+      <p:sp>
+        <p:nvSpPr>
+          <p:cNvPr id="7" name="직사각형 6"/>
+          <p:cNvSpPr/>
+          <p:nvPr/>
+        </p:nvSpPr>
+        <p:spPr>
+          <a:xfrm>
+            <a:off x="6076819" y="2738828"/>
+            <a:ext cx="3031762" cy="2517384"/>
+          </a:xfrm>
+          <a:prstGeom prst="rect">
+            <a:avLst/>
+          </a:prstGeom>
+        </p:spPr>
+        <p:style>
+          <a:lnRef idx="2">
+            <a:schemeClr val="accent4">
+              <a:shade val="50000"/>
+            </a:schemeClr>
+          </a:lnRef>
+          <a:fillRef idx="1">
+            <a:schemeClr val="accent4"/>
+          </a:fillRef>
+          <a:effectRef idx="0">
+            <a:schemeClr val="accent4"/>
+          </a:effectRef>
+          <a:fontRef idx="minor">
+            <a:schemeClr val="lt1"/>
+          </a:fontRef>
+        </p:style>
+        <p:txBody>
+          <a:bodyPr rtlCol="0" anchor="ctr"/>
+          <a:lstStyle/>
+          <a:p>
+            <a:r>
+              <a:rPr lang="en-US" altLang="ko-KR" dirty="0">
+                <a:solidFill>
+                  <a:schemeClr val="tx1"/>
+                </a:solidFill>
+              </a:rPr>
+              <a:t>- </a:t>
+            </a:r>
+            <a:r>
+              <a:rPr lang="ko-KR" altLang="en-US" dirty="0" err="1">
+                <a:solidFill>
+                  <a:schemeClr val="tx1"/>
+                </a:solidFill>
+              </a:rPr>
+              <a:t>레벨업은</a:t>
+            </a:r>
+            <a:r>
+              <a:rPr lang="ko-KR" altLang="en-US" dirty="0">
+                <a:solidFill>
+                  <a:schemeClr val="tx1"/>
+                </a:solidFill>
+              </a:rPr>
+              <a:t> </a:t>
+            </a:r>
+            <a:r>
+              <a:rPr lang="ko-KR" altLang="en-US" dirty="0" err="1">
+                <a:solidFill>
+                  <a:schemeClr val="tx1"/>
+                </a:solidFill>
+              </a:rPr>
+              <a:t>로직과</a:t>
+            </a:r>
+            <a:r>
+              <a:rPr lang="ko-KR" altLang="en-US" dirty="0">
+                <a:solidFill>
+                  <a:schemeClr val="tx1"/>
+                </a:solidFill>
+              </a:rPr>
+              <a:t> </a:t>
+            </a:r>
+            <a:r>
+              <a:rPr lang="en-US" altLang="ko-KR" dirty="0">
+                <a:solidFill>
+                  <a:schemeClr val="tx1"/>
+                </a:solidFill>
+              </a:rPr>
+              <a:t>UI</a:t>
+            </a:r>
+            <a:r>
+              <a:rPr lang="ko-KR" altLang="en-US" dirty="0">
+                <a:solidFill>
+                  <a:schemeClr val="tx1"/>
+                </a:solidFill>
+              </a:rPr>
+              <a:t>로만 구현</a:t>
+            </a:r>
+            <a:endParaRPr lang="en-US" altLang="ko-KR" dirty="0">
+              <a:solidFill>
+                <a:schemeClr val="tx1"/>
+              </a:solidFill>
+            </a:endParaRPr>
+          </a:p>
+          <a:p>
+            <a:endParaRPr lang="en-US" altLang="ko-KR" dirty="0">
+              <a:solidFill>
+                <a:schemeClr val="tx1"/>
+              </a:solidFill>
+            </a:endParaRPr>
+          </a:p>
+          <a:p>
+            <a:r>
+              <a:rPr lang="en-US" altLang="ko-KR" dirty="0">
+                <a:solidFill>
+                  <a:schemeClr val="tx1"/>
+                </a:solidFill>
+              </a:rPr>
+              <a:t>- UI</a:t>
+            </a:r>
+            <a:r>
+              <a:rPr lang="ko-KR" altLang="en-US" dirty="0">
+                <a:solidFill>
+                  <a:schemeClr val="tx1"/>
+                </a:solidFill>
+              </a:rPr>
+              <a:t>는 강의에서 사용한 스프라이트를 재활용</a:t>
+            </a:r>
+            <a:endParaRPr lang="en-US" altLang="ko-KR" dirty="0">
+              <a:solidFill>
+                <a:schemeClr val="tx1"/>
+              </a:solidFill>
+            </a:endParaRPr>
+          </a:p>
+        </p:txBody>
+      </p:sp>
+    </p:spTree>
+    <p:extLst>
+      <p:ext uri="{BB962C8B-B14F-4D97-AF65-F5344CB8AC3E}">
+        <p14:creationId xmlns:p14="http://schemas.microsoft.com/office/powerpoint/2010/main" val="1312683499"/>
+      </p:ext>
+    </p:extLst>
+  </p:cSld>
+  <p:clrMapOvr>
+    <a:masterClrMapping/>
+  </p:clrMapOvr>
+</p:sld>
+</file>
+
+<file path=ppt/slides/slide12.xml><?xml version="1.0" encoding="utf-8"?>
+<p:sld xmlns:a="http://schemas.openxmlformats.org/drawingml/2006/main" xmlns:r="http://schemas.openxmlformats.org/officeDocument/2006/relationships" xmlns:p="http://schemas.openxmlformats.org/presentationml/2006/main">
+  <p:cSld>
+    <p:spTree>
+      <p:nvGrpSpPr>
+        <p:cNvPr id="1" name=""/>
+        <p:cNvGrpSpPr/>
+        <p:nvPr/>
+      </p:nvGrpSpPr>
+      <p:grpSpPr>
+        <a:xfrm>
+          <a:off x="0" y="0"/>
+          <a:ext cx="0" cy="0"/>
+          <a:chOff x="0" y="0"/>
+          <a:chExt cx="0" cy="0"/>
+        </a:xfrm>
+      </p:grpSpPr>
+      <p:sp>
+        <p:nvSpPr>
+          <p:cNvPr id="2" name="제목 1"/>
+          <p:cNvSpPr>
+            <a:spLocks noGrp="1"/>
+          </p:cNvSpPr>
+          <p:nvPr>
+            <p:ph type="title"/>
+          </p:nvPr>
+        </p:nvSpPr>
+        <p:spPr/>
+        <p:txBody>
+          <a:bodyPr/>
+          <a:lstStyle/>
+          <a:p>
+            <a:pPr algn="l"/>
+            <a:r>
+              <a:rPr lang="ko-KR" altLang="en-US" dirty="0"/>
+              <a:t>개발 과정</a:t>
+            </a:r>
+          </a:p>
+        </p:txBody>
+      </p:sp>
+      <p:sp>
+        <p:nvSpPr>
+          <p:cNvPr id="3" name="내용 개체 틀 2"/>
+          <p:cNvSpPr>
+            <a:spLocks noGrp="1"/>
+          </p:cNvSpPr>
+          <p:nvPr>
+            <p:ph idx="1"/>
+          </p:nvPr>
+        </p:nvSpPr>
+        <p:spPr/>
+        <p:txBody>
+          <a:bodyPr>
+            <a:normAutofit/>
+          </a:bodyPr>
+          <a:lstStyle/>
+          <a:p>
+            <a:r>
+              <a:rPr lang="ko-KR" altLang="en-US" dirty="0"/>
+              <a:t>개발 예정</a:t>
+            </a:r>
+            <a:endParaRPr lang="en-US" altLang="ko-KR" dirty="0"/>
+          </a:p>
+          <a:p>
+            <a:pPr marL="0" indent="0">
+              <a:buNone/>
+            </a:pPr>
+            <a:r>
+              <a:rPr lang="en-US" altLang="ko-KR" dirty="0"/>
+              <a:t>2. </a:t>
+            </a:r>
+            <a:r>
+              <a:rPr lang="ko-KR" altLang="en-US" dirty="0"/>
+              <a:t>성장 요소</a:t>
+            </a:r>
+            <a:endParaRPr lang="en-US" altLang="ko-KR" dirty="0"/>
+          </a:p>
+          <a:p>
+            <a:pPr marL="0" indent="0">
+              <a:buNone/>
+            </a:pPr>
+            <a:r>
+              <a:rPr lang="en-US" altLang="ko-KR" dirty="0"/>
+              <a:t>    - </a:t>
+            </a:r>
+            <a:r>
+              <a:rPr lang="ko-KR" altLang="en-US" dirty="0"/>
+              <a:t>스킬</a:t>
+            </a:r>
+            <a:endParaRPr lang="en-US" altLang="ko-KR" dirty="0"/>
+          </a:p>
+          <a:p>
+            <a:pPr marL="0" indent="0">
+              <a:buNone/>
+            </a:pPr>
+            <a:r>
+              <a:rPr lang="en-US" altLang="ko-KR" dirty="0"/>
+              <a:t>   </a:t>
+            </a:r>
+          </a:p>
+          <a:p>
+            <a:pPr marL="0" indent="0">
+              <a:buNone/>
+            </a:pPr>
+            <a:endParaRPr lang="en-US" altLang="ko-KR" dirty="0"/>
+          </a:p>
+          <a:p>
+            <a:pPr marL="0" indent="0">
+              <a:buNone/>
+            </a:pPr>
+            <a:endParaRPr lang="en-US" altLang="ko-KR" dirty="0"/>
+          </a:p>
+          <a:p>
+            <a:pPr marL="0" indent="0">
+              <a:buNone/>
+            </a:pPr>
+            <a:r>
+              <a:rPr lang="en-US" altLang="ko-KR" dirty="0"/>
+              <a:t> </a:t>
+            </a:r>
+            <a:r>
+              <a:rPr lang="ko-KR" altLang="en-US" dirty="0"/>
+              <a:t> </a:t>
+            </a:r>
+            <a:endParaRPr lang="en-US" altLang="ko-KR" dirty="0"/>
+          </a:p>
+        </p:txBody>
+      </p:sp>
+      <p:sp>
+        <p:nvSpPr>
+          <p:cNvPr id="5" name="TextBox 4"/>
+          <p:cNvSpPr txBox="1"/>
+          <p:nvPr/>
+        </p:nvSpPr>
+        <p:spPr>
+          <a:xfrm>
+            <a:off x="3920150" y="5288227"/>
+            <a:ext cx="4711700" cy="1200329"/>
+          </a:xfrm>
+          <a:prstGeom prst="rect">
+            <a:avLst/>
+          </a:prstGeom>
+          <a:noFill/>
+        </p:spPr>
+        <p:txBody>
+          <a:bodyPr wrap="square" rtlCol="0">
+            <a:spAutoFit/>
+          </a:bodyPr>
+          <a:lstStyle/>
+          <a:p>
+            <a:r>
+              <a:rPr lang="ko-KR" altLang="en-US" dirty="0"/>
+              <a:t>스킬 획득</a:t>
+            </a:r>
+            <a:endParaRPr lang="en-US" altLang="ko-KR" dirty="0"/>
+          </a:p>
+          <a:p>
+            <a:r>
+              <a:rPr lang="en-US" altLang="ko-KR" dirty="0"/>
+              <a:t> - </a:t>
+            </a:r>
+            <a:r>
+              <a:rPr lang="ko-KR" altLang="en-US" dirty="0"/>
+              <a:t>적을 죽여서 스킬을 해금하는 형태</a:t>
+            </a:r>
+            <a:endParaRPr lang="en-US" altLang="ko-KR" dirty="0"/>
+          </a:p>
+          <a:p>
+            <a:r>
+              <a:rPr lang="en-US" altLang="ko-KR" dirty="0"/>
+              <a:t> - </a:t>
+            </a:r>
+            <a:r>
+              <a:rPr lang="ko-KR" altLang="en-US" dirty="0"/>
+              <a:t>일정 조건 </a:t>
+            </a:r>
+            <a:r>
+              <a:rPr lang="ko-KR" altLang="en-US" dirty="0" err="1"/>
+              <a:t>달성시</a:t>
+            </a:r>
+            <a:r>
+              <a:rPr lang="ko-KR" altLang="en-US" dirty="0"/>
+              <a:t> 스킬이 해금</a:t>
+            </a:r>
+            <a:endParaRPr lang="en-US" altLang="ko-KR" dirty="0"/>
+          </a:p>
+          <a:p>
+            <a:r>
+              <a:rPr lang="en-US" altLang="ko-KR" dirty="0"/>
+              <a:t> - </a:t>
+            </a:r>
+            <a:r>
+              <a:rPr lang="ko-KR" altLang="en-US" dirty="0" err="1"/>
+              <a:t>쿨타임</a:t>
+            </a:r>
+            <a:r>
+              <a:rPr lang="ko-KR" altLang="en-US" dirty="0"/>
+              <a:t> 적용</a:t>
+            </a:r>
+            <a:endParaRPr lang="en-US" altLang="ko-KR" dirty="0"/>
+          </a:p>
+        </p:txBody>
+      </p:sp>
+      <p:pic>
+        <p:nvPicPr>
+          <p:cNvPr id="6" name="Picture 2" descr="File:Arrow east.svg - Wikimedia Commons"/>
+          <p:cNvPicPr>
+            <a:picLocks noChangeAspect="1" noChangeArrowheads="1"/>
+          </p:cNvPicPr>
+          <p:nvPr/>
+        </p:nvPicPr>
+        <p:blipFill>
+          <a:blip r:embed="rId2" cstate="print">
+            <a:extLst>
+              <a:ext uri="{28A0092B-C50C-407E-A947-70E740481C1C}">
+                <a14:useLocalDpi xmlns:a14="http://schemas.microsoft.com/office/drawing/2010/main" val="0"/>
+              </a:ext>
+            </a:extLst>
+          </a:blip>
+          <a:srcRect/>
+          <a:stretch>
+            <a:fillRect/>
+          </a:stretch>
+        </p:blipFill>
+        <p:spPr bwMode="auto">
+          <a:xfrm>
+            <a:off x="3920150" y="3328312"/>
+            <a:ext cx="1110233" cy="449263"/>
+          </a:xfrm>
+          <a:prstGeom prst="rect">
+            <a:avLst/>
+          </a:prstGeom>
+          <a:noFill/>
+          <a:extLst>
+            <a:ext uri="{909E8E84-426E-40DD-AFC4-6F175D3DCCD1}">
+              <a14:hiddenFill xmlns:a14="http://schemas.microsoft.com/office/drawing/2010/main">
+                <a:solidFill>
+                  <a:srgbClr val="FFFFFF"/>
+                </a:solidFill>
+              </a14:hiddenFill>
+            </a:ext>
+          </a:extLst>
+        </p:spPr>
+      </p:pic>
+      <p:sp>
+        <p:nvSpPr>
+          <p:cNvPr id="7" name="직사각형 6"/>
+          <p:cNvSpPr/>
+          <p:nvPr/>
+        </p:nvSpPr>
+        <p:spPr>
+          <a:xfrm>
+            <a:off x="5179210" y="2306353"/>
+            <a:ext cx="3031762" cy="2517384"/>
+          </a:xfrm>
+          <a:prstGeom prst="rect">
+            <a:avLst/>
+          </a:prstGeom>
+        </p:spPr>
+        <p:style>
+          <a:lnRef idx="2">
+            <a:schemeClr val="accent4">
+              <a:shade val="50000"/>
+            </a:schemeClr>
+          </a:lnRef>
+          <a:fillRef idx="1">
+            <a:schemeClr val="accent4"/>
+          </a:fillRef>
+          <a:effectRef idx="0">
+            <a:schemeClr val="accent4"/>
+          </a:effectRef>
+          <a:fontRef idx="minor">
+            <a:schemeClr val="lt1"/>
+          </a:fontRef>
+        </p:style>
+        <p:txBody>
+          <a:bodyPr rtlCol="0" anchor="ctr"/>
+          <a:lstStyle/>
+          <a:p>
+            <a:endParaRPr lang="en-US" altLang="ko-KR" dirty="0">
+              <a:solidFill>
+                <a:schemeClr val="tx1"/>
+              </a:solidFill>
+            </a:endParaRPr>
+          </a:p>
+          <a:p>
+            <a:r>
+              <a:rPr lang="en-US" altLang="ko-KR" dirty="0">
+                <a:solidFill>
+                  <a:schemeClr val="tx1"/>
+                </a:solidFill>
+              </a:rPr>
+              <a:t>- </a:t>
+            </a:r>
+            <a:r>
+              <a:rPr lang="ko-KR" altLang="en-US" dirty="0">
+                <a:solidFill>
+                  <a:schemeClr val="tx1"/>
+                </a:solidFill>
+              </a:rPr>
+              <a:t>마찬가지로 </a:t>
+            </a:r>
+            <a:r>
+              <a:rPr lang="en-US" altLang="ko-KR" dirty="0">
+                <a:solidFill>
+                  <a:schemeClr val="tx1"/>
+                </a:solidFill>
+              </a:rPr>
+              <a:t>UI</a:t>
+            </a:r>
+            <a:r>
+              <a:rPr lang="ko-KR" altLang="en-US" dirty="0">
+                <a:solidFill>
+                  <a:schemeClr val="tx1"/>
+                </a:solidFill>
+              </a:rPr>
+              <a:t>는 재활용</a:t>
+            </a:r>
+            <a:endParaRPr lang="en-US" altLang="ko-KR" dirty="0">
+              <a:solidFill>
+                <a:schemeClr val="tx1"/>
+              </a:solidFill>
+            </a:endParaRPr>
+          </a:p>
+          <a:p>
+            <a:endParaRPr lang="en-US" altLang="ko-KR" dirty="0">
+              <a:solidFill>
+                <a:schemeClr val="tx1"/>
+              </a:solidFill>
+            </a:endParaRPr>
+          </a:p>
+          <a:p>
+            <a:r>
+              <a:rPr lang="en-US" altLang="ko-KR" dirty="0">
+                <a:solidFill>
+                  <a:schemeClr val="tx1"/>
+                </a:solidFill>
+              </a:rPr>
+              <a:t>- </a:t>
+            </a:r>
+            <a:r>
+              <a:rPr lang="ko-KR" altLang="en-US" dirty="0">
+                <a:solidFill>
+                  <a:schemeClr val="tx1"/>
+                </a:solidFill>
+              </a:rPr>
+              <a:t>스킬 이미지 등은 찾는 중</a:t>
+            </a:r>
+            <a:endParaRPr lang="en-US" altLang="ko-KR" dirty="0">
+              <a:solidFill>
+                <a:schemeClr val="tx1"/>
+              </a:solidFill>
+            </a:endParaRPr>
+          </a:p>
+        </p:txBody>
+      </p:sp>
+      <p:pic>
+        <p:nvPicPr>
+          <p:cNvPr id="8" name="그림 7"/>
+          <p:cNvPicPr>
+            <a:picLocks noChangeAspect="1"/>
+          </p:cNvPicPr>
+          <p:nvPr/>
+        </p:nvPicPr>
+        <p:blipFill>
+          <a:blip r:embed="rId3"/>
+          <a:stretch>
+            <a:fillRect/>
+          </a:stretch>
+        </p:blipFill>
+        <p:spPr>
+          <a:xfrm>
+            <a:off x="937793" y="3337344"/>
+            <a:ext cx="2449507" cy="3254649"/>
+          </a:xfrm>
+          <a:prstGeom prst="rect">
+            <a:avLst/>
+          </a:prstGeom>
+        </p:spPr>
+      </p:pic>
+    </p:spTree>
+    <p:extLst>
+      <p:ext uri="{BB962C8B-B14F-4D97-AF65-F5344CB8AC3E}">
+        <p14:creationId xmlns:p14="http://schemas.microsoft.com/office/powerpoint/2010/main" val="1778123335"/>
+      </p:ext>
+    </p:extLst>
+  </p:cSld>
+  <p:clrMapOvr>
+    <a:masterClrMapping/>
+  </p:clrMapOvr>
+</p:sld>
+</file>
+
+<file path=ppt/slides/slide13.xml><?xml version="1.0" encoding="utf-8"?>
+<p:sld xmlns:a="http://schemas.openxmlformats.org/drawingml/2006/main" xmlns:r="http://schemas.openxmlformats.org/officeDocument/2006/relationships" xmlns:p="http://schemas.openxmlformats.org/presentationml/2006/main">
+  <p:cSld>
+    <p:spTree>
+      <p:nvGrpSpPr>
+        <p:cNvPr id="1" name=""/>
+        <p:cNvGrpSpPr/>
+        <p:nvPr/>
+      </p:nvGrpSpPr>
+      <p:grpSpPr>
+        <a:xfrm>
+          <a:off x="0" y="0"/>
+          <a:ext cx="0" cy="0"/>
+          <a:chOff x="0" y="0"/>
+          <a:chExt cx="0" cy="0"/>
+        </a:xfrm>
+      </p:grpSpPr>
+      <p:sp>
+        <p:nvSpPr>
+          <p:cNvPr id="2" name="제목 1"/>
+          <p:cNvSpPr>
+            <a:spLocks noGrp="1"/>
+          </p:cNvSpPr>
+          <p:nvPr>
+            <p:ph type="title"/>
+          </p:nvPr>
+        </p:nvSpPr>
+        <p:spPr/>
+        <p:txBody>
+          <a:bodyPr/>
+          <a:lstStyle/>
+          <a:p>
+            <a:pPr algn="l"/>
+            <a:r>
+              <a:rPr lang="ko-KR" altLang="en-US" dirty="0"/>
+              <a:t>개발 과정</a:t>
+            </a:r>
+          </a:p>
+        </p:txBody>
+      </p:sp>
+      <p:sp>
+        <p:nvSpPr>
+          <p:cNvPr id="3" name="내용 개체 틀 2"/>
+          <p:cNvSpPr>
+            <a:spLocks noGrp="1"/>
+          </p:cNvSpPr>
+          <p:nvPr>
+            <p:ph idx="1"/>
+          </p:nvPr>
+        </p:nvSpPr>
+        <p:spPr/>
+        <p:txBody>
+          <a:bodyPr>
+            <a:normAutofit/>
+          </a:bodyPr>
+          <a:lstStyle/>
+          <a:p>
+            <a:r>
+              <a:rPr lang="ko-KR" altLang="en-US" dirty="0"/>
+              <a:t>개발 예정</a:t>
+            </a:r>
+            <a:endParaRPr lang="en-US" altLang="ko-KR" dirty="0"/>
+          </a:p>
+          <a:p>
+            <a:pPr marL="0" indent="0">
+              <a:buNone/>
+            </a:pPr>
+            <a:r>
+              <a:rPr lang="en-US" altLang="ko-KR" dirty="0"/>
               <a:t>3. </a:t>
             </a:r>
             <a:r>
-              <a:rPr lang="ko-KR" altLang="en-US" dirty="0" smtClean="0"/>
+              <a:rPr lang="ko-KR" altLang="en-US" dirty="0"/>
               <a:t>맵</a:t>
             </a:r>
-            <a:endParaRPr lang="en-US" altLang="ko-KR" dirty="0" smtClean="0"/>
+            <a:endParaRPr lang="en-US" altLang="ko-KR" dirty="0"/>
           </a:p>
           <a:p>
             <a:pPr marL="0" indent="0">
               <a:buNone/>
             </a:pPr>
             <a:r>
-              <a:rPr lang="en-US" altLang="ko-KR" dirty="0" smtClean="0"/>
+              <a:rPr lang="en-US" altLang="ko-KR" dirty="0"/>
               <a:t>       </a:t>
             </a:r>
-            <a:endParaRPr lang="en-US" altLang="ko-KR" dirty="0" smtClean="0"/>
           </a:p>
           <a:p>
             <a:pPr marL="0" indent="0">
@@ -2975,21 +4168,21 @@
             <a:pPr marL="0" indent="0">
               <a:buNone/>
             </a:pPr>
-            <a:endParaRPr lang="en-US" altLang="ko-KR" dirty="0" smtClean="0"/>
+            <a:endParaRPr lang="en-US" altLang="ko-KR" dirty="0"/>
           </a:p>
           <a:p>
             <a:pPr marL="0" indent="0">
               <a:buNone/>
             </a:pPr>
             <a:r>
-              <a:rPr lang="en-US" altLang="ko-KR" dirty="0" smtClean="0"/>
+              <a:rPr lang="en-US" altLang="ko-KR" dirty="0"/>
               <a:t> </a:t>
             </a:r>
             <a:r>
-              <a:rPr lang="ko-KR" altLang="en-US" dirty="0" smtClean="0"/>
+              <a:rPr lang="ko-KR" altLang="en-US" dirty="0"/>
               <a:t> </a:t>
             </a:r>
-            <a:endParaRPr lang="en-US" altLang="ko-KR" dirty="0" smtClean="0"/>
+            <a:endParaRPr lang="en-US" altLang="ko-KR" dirty="0"/>
           </a:p>
         </p:txBody>
       </p:sp>
@@ -3110,7 +4303,7 @@
           <a:bodyPr rtlCol="0" anchor="ctr"/>
           <a:lstStyle/>
           <a:p>
-            <a:endParaRPr lang="en-US" altLang="ko-KR" dirty="0" smtClean="0">
+            <a:endParaRPr lang="en-US" altLang="ko-KR" dirty="0">
               <a:solidFill>
                 <a:schemeClr val="tx1"/>
               </a:solidFill>
@@ -3118,7 +4311,7 @@
           </a:p>
           <a:p>
             <a:r>
-              <a:rPr lang="en-US" altLang="ko-KR" dirty="0" smtClean="0">
+              <a:rPr lang="en-US" altLang="ko-KR" dirty="0">
                 <a:solidFill>
                   <a:schemeClr val="tx1"/>
                 </a:solidFill>
@@ -3126,21 +4319,21 @@
               <a:t>- SCI-FI </a:t>
             </a:r>
             <a:r>
-              <a:rPr lang="ko-KR" altLang="en-US" dirty="0" smtClean="0">
+              <a:rPr lang="ko-KR" altLang="en-US" dirty="0">
                 <a:solidFill>
                   <a:schemeClr val="tx1"/>
                 </a:solidFill>
               </a:rPr>
               <a:t>스타일 </a:t>
             </a:r>
-            <a:endParaRPr lang="en-US" altLang="ko-KR" dirty="0" smtClean="0">
+            <a:endParaRPr lang="en-US" altLang="ko-KR" dirty="0">
               <a:solidFill>
                 <a:schemeClr val="tx1"/>
               </a:solidFill>
             </a:endParaRPr>
           </a:p>
           <a:p>
-            <a:endParaRPr lang="en-US" altLang="ko-KR" dirty="0" smtClean="0">
+            <a:endParaRPr lang="en-US" altLang="ko-KR" dirty="0">
               <a:solidFill>
                 <a:schemeClr val="tx1"/>
               </a:solidFill>
@@ -3148,7 +4341,7 @@
           </a:p>
           <a:p>
             <a:r>
-              <a:rPr lang="en-US" altLang="ko-KR" dirty="0" smtClean="0">
+              <a:rPr lang="en-US" altLang="ko-KR" dirty="0">
                 <a:solidFill>
                   <a:schemeClr val="tx1"/>
                 </a:solidFill>
@@ -3156,14 +4349,14 @@
               <a:t>- </a:t>
             </a:r>
             <a:r>
-              <a:rPr lang="ko-KR" altLang="en-US" dirty="0" smtClean="0">
+              <a:rPr lang="ko-KR" altLang="en-US" dirty="0">
                 <a:solidFill>
                   <a:schemeClr val="tx1"/>
                 </a:solidFill>
               </a:rPr>
               <a:t>미래 도시 느낌의 맵 구성</a:t>
             </a:r>
-            <a:endParaRPr lang="en-US" altLang="ko-KR" dirty="0" smtClean="0">
+            <a:endParaRPr lang="en-US" altLang="ko-KR" dirty="0">
               <a:solidFill>
                 <a:schemeClr val="tx1"/>
               </a:solidFill>
@@ -3182,7 +4375,7 @@
           </a:p>
           <a:p>
             <a:r>
-              <a:rPr lang="en-US" altLang="ko-KR" dirty="0" smtClean="0">
+              <a:rPr lang="en-US" altLang="ko-KR" dirty="0">
                 <a:solidFill>
                   <a:schemeClr val="tx1"/>
                 </a:solidFill>
@@ -3190,7 +4383,7 @@
               <a:t>- </a:t>
             </a:r>
             <a:r>
-              <a:rPr lang="ko-KR" altLang="en-US" dirty="0" err="1" smtClean="0">
+              <a:rPr lang="ko-KR" altLang="en-US" dirty="0" err="1">
                 <a:solidFill>
                   <a:schemeClr val="tx1"/>
                 </a:solidFill>
@@ -3198,14 +4391,14 @@
               <a:t>애셋과</a:t>
             </a:r>
             <a:r>
-              <a:rPr lang="ko-KR" altLang="en-US" dirty="0" smtClean="0">
+              <a:rPr lang="ko-KR" altLang="en-US" dirty="0">
                 <a:solidFill>
                   <a:schemeClr val="tx1"/>
                 </a:solidFill>
               </a:rPr>
               <a:t> 모델링 찾는 중</a:t>
             </a:r>
-            <a:endParaRPr lang="en-US" altLang="ko-KR" dirty="0" smtClean="0">
+            <a:endParaRPr lang="en-US" altLang="ko-KR" dirty="0">
               <a:solidFill>
                 <a:schemeClr val="tx1"/>
               </a:solidFill>
@@ -3223,17 +4416,10 @@
   <p:clrMapOvr>
     <a:masterClrMapping/>
   </p:clrMapOvr>
-  <p:timing>
-    <p:tnLst>
-      <p:par>
-        <p:cTn id="1" dur="indefinite" restart="never" nodeType="tmRoot"/>
-      </p:par>
-    </p:tnLst>
-  </p:timing>
 </p:sld>
 </file>
 
-<file path=ppt/slides/slide11.xml><?xml version="1.0" encoding="utf-8"?>
+<file path=ppt/slides/slide14.xml><?xml version="1.0" encoding="utf-8"?>
 <p:sld xmlns:a="http://schemas.openxmlformats.org/drawingml/2006/main" xmlns:r="http://schemas.openxmlformats.org/officeDocument/2006/relationships" xmlns:p="http://schemas.openxmlformats.org/presentationml/2006/main">
   <p:cSld>
     <p:spTree>
@@ -3267,10 +4453,9 @@
           <a:p>
             <a:pPr algn="l"/>
             <a:r>
-              <a:rPr lang="ko-KR" altLang="en-US" dirty="0" smtClean="0"/>
+              <a:rPr lang="ko-KR" altLang="en-US" dirty="0"/>
               <a:t>마무리</a:t>
             </a:r>
-            <a:endParaRPr lang="ko-KR" altLang="en-US" dirty="0"/>
           </a:p>
         </p:txBody>
       </p:sp>
@@ -3292,20 +4477,19 @@
           <a:lstStyle/>
           <a:p>
             <a:r>
-              <a:rPr lang="ko-KR" altLang="en-US" dirty="0" smtClean="0"/>
+              <a:rPr lang="ko-KR" altLang="en-US" dirty="0"/>
               <a:t>오픈 소스</a:t>
             </a:r>
-            <a:endParaRPr lang="en-US" altLang="ko-KR" dirty="0" smtClean="0"/>
+            <a:endParaRPr lang="en-US" altLang="ko-KR" dirty="0"/>
           </a:p>
           <a:p>
             <a:pPr marL="0" indent="0">
               <a:buNone/>
             </a:pPr>
             <a:r>
-              <a:rPr lang="en-US" altLang="ko-KR" dirty="0" smtClean="0"/>
+              <a:rPr lang="en-US" altLang="ko-KR" dirty="0"/>
               <a:t>       </a:t>
             </a:r>
-            <a:endParaRPr lang="en-US" altLang="ko-KR" dirty="0" smtClean="0"/>
           </a:p>
           <a:p>
             <a:pPr marL="0" indent="0">
@@ -3317,24 +4501,54 @@
             <a:pPr marL="0" indent="0">
               <a:buNone/>
             </a:pPr>
-            <a:endParaRPr lang="en-US" altLang="ko-KR" dirty="0" smtClean="0"/>
+            <a:endParaRPr lang="en-US" altLang="ko-KR" dirty="0"/>
           </a:p>
           <a:p>
             <a:pPr marL="0" indent="0">
               <a:buNone/>
             </a:pPr>
             <a:r>
-              <a:rPr lang="en-US" altLang="ko-KR" dirty="0" smtClean="0"/>
+              <a:rPr lang="en-US" altLang="ko-KR" dirty="0"/>
               <a:t> </a:t>
             </a:r>
             <a:r>
-              <a:rPr lang="ko-KR" altLang="en-US" dirty="0" smtClean="0"/>
+              <a:rPr lang="ko-KR" altLang="en-US" dirty="0"/>
               <a:t> </a:t>
             </a:r>
-            <a:endParaRPr lang="en-US" altLang="ko-KR" dirty="0" smtClean="0"/>
-          </a:p>
-        </p:txBody>
-      </p:sp>
+            <a:endParaRPr lang="en-US" altLang="ko-KR" dirty="0"/>
+          </a:p>
+        </p:txBody>
+      </p:sp>
+      <p:pic>
+        <p:nvPicPr>
+          <p:cNvPr id="4" name="그림 3">
+            <a:extLst>
+              <a:ext uri="{FF2B5EF4-FFF2-40B4-BE49-F238E27FC236}">
+                <a16:creationId xmlns:a16="http://schemas.microsoft.com/office/drawing/2014/main" id="{579F698B-8F7E-4094-B107-EEFC8D23D17B}"/>
+              </a:ext>
+            </a:extLst>
+          </p:cNvPr>
+          <p:cNvPicPr>
+            <a:picLocks noChangeAspect="1"/>
+          </p:cNvPicPr>
+          <p:nvPr/>
+        </p:nvPicPr>
+        <p:blipFill>
+          <a:blip r:embed="rId2"/>
+          <a:stretch>
+            <a:fillRect/>
+          </a:stretch>
+        </p:blipFill>
+        <p:spPr>
+          <a:xfrm>
+            <a:off x="583661" y="2354522"/>
+            <a:ext cx="8546306" cy="3874692"/>
+          </a:xfrm>
+          <a:prstGeom prst="rect">
+            <a:avLst/>
+          </a:prstGeom>
+        </p:spPr>
+      </p:pic>
     </p:spTree>
     <p:extLst>
       <p:ext uri="{BB962C8B-B14F-4D97-AF65-F5344CB8AC3E}">
@@ -3345,13 +4559,208 @@
   <p:clrMapOvr>
     <a:masterClrMapping/>
   </p:clrMapOvr>
-  <p:timing>
-    <p:tnLst>
-      <p:par>
-        <p:cTn id="1" dur="indefinite" restart="never" nodeType="tmRoot"/>
-      </p:par>
-    </p:tnLst>
-  </p:timing>
+</p:sld>
+</file>
+
+<file path=ppt/slides/slide15.xml><?xml version="1.0" encoding="utf-8"?>
+<p:sld xmlns:a="http://schemas.openxmlformats.org/drawingml/2006/main" xmlns:r="http://schemas.openxmlformats.org/officeDocument/2006/relationships" xmlns:p="http://schemas.openxmlformats.org/presentationml/2006/main">
+  <p:cSld>
+    <p:spTree>
+      <p:nvGrpSpPr>
+        <p:cNvPr id="1" name=""/>
+        <p:cNvGrpSpPr/>
+        <p:nvPr/>
+      </p:nvGrpSpPr>
+      <p:grpSpPr>
+        <a:xfrm>
+          <a:off x="0" y="0"/>
+          <a:ext cx="0" cy="0"/>
+          <a:chOff x="0" y="0"/>
+          <a:chExt cx="0" cy="0"/>
+        </a:xfrm>
+      </p:grpSpPr>
+      <p:sp>
+        <p:nvSpPr>
+          <p:cNvPr id="2" name="제목 1"/>
+          <p:cNvSpPr>
+            <a:spLocks noGrp="1"/>
+          </p:cNvSpPr>
+          <p:nvPr>
+            <p:ph type="title"/>
+          </p:nvPr>
+        </p:nvSpPr>
+        <p:spPr/>
+        <p:txBody>
+          <a:bodyPr/>
+          <a:lstStyle/>
+          <a:p>
+            <a:pPr algn="l"/>
+            <a:r>
+              <a:rPr lang="ko-KR" altLang="en-US" dirty="0"/>
+              <a:t>마무리</a:t>
+            </a:r>
+          </a:p>
+        </p:txBody>
+      </p:sp>
+      <p:sp>
+        <p:nvSpPr>
+          <p:cNvPr id="3" name="내용 개체 틀 2"/>
+          <p:cNvSpPr>
+            <a:spLocks noGrp="1"/>
+          </p:cNvSpPr>
+          <p:nvPr>
+            <p:ph idx="1"/>
+          </p:nvPr>
+        </p:nvSpPr>
+        <p:spPr/>
+        <p:txBody>
+          <a:bodyPr>
+            <a:normAutofit/>
+          </a:bodyPr>
+          <a:lstStyle/>
+          <a:p>
+            <a:r>
+              <a:rPr lang="ko-KR" altLang="en-US" dirty="0"/>
+              <a:t>오픈 소스</a:t>
+            </a:r>
+            <a:endParaRPr lang="en-US" altLang="ko-KR" dirty="0"/>
+          </a:p>
+          <a:p>
+            <a:pPr marL="0" indent="0">
+              <a:buNone/>
+            </a:pPr>
+            <a:r>
+              <a:rPr lang="en-US" altLang="ko-KR" dirty="0"/>
+              <a:t>       </a:t>
+            </a:r>
+          </a:p>
+          <a:p>
+            <a:pPr marL="0" indent="0">
+              <a:buNone/>
+            </a:pPr>
+            <a:endParaRPr lang="en-US" altLang="ko-KR" dirty="0"/>
+          </a:p>
+          <a:p>
+            <a:pPr marL="0" indent="0">
+              <a:buNone/>
+            </a:pPr>
+            <a:endParaRPr lang="en-US" altLang="ko-KR" dirty="0"/>
+          </a:p>
+          <a:p>
+            <a:pPr marL="0" indent="0">
+              <a:buNone/>
+            </a:pPr>
+            <a:r>
+              <a:rPr lang="en-US" altLang="ko-KR" dirty="0"/>
+              <a:t> </a:t>
+            </a:r>
+            <a:r>
+              <a:rPr lang="ko-KR" altLang="en-US" dirty="0"/>
+              <a:t> </a:t>
+            </a:r>
+            <a:endParaRPr lang="en-US" altLang="ko-KR" dirty="0"/>
+          </a:p>
+        </p:txBody>
+      </p:sp>
+      <p:pic>
+        <p:nvPicPr>
+          <p:cNvPr id="6" name="그림 5">
+            <a:extLst>
+              <a:ext uri="{FF2B5EF4-FFF2-40B4-BE49-F238E27FC236}">
+                <a16:creationId xmlns:a16="http://schemas.microsoft.com/office/drawing/2014/main" id="{A89A5E5A-7452-4494-A8F2-CFF654FAB177}"/>
+              </a:ext>
+            </a:extLst>
+          </p:cNvPr>
+          <p:cNvPicPr>
+            <a:picLocks noChangeAspect="1"/>
+          </p:cNvPicPr>
+          <p:nvPr/>
+        </p:nvPicPr>
+        <p:blipFill>
+          <a:blip r:embed="rId2"/>
+          <a:stretch>
+            <a:fillRect/>
+          </a:stretch>
+        </p:blipFill>
+        <p:spPr>
+          <a:xfrm>
+            <a:off x="482765" y="2205337"/>
+            <a:ext cx="8884971" cy="4273420"/>
+          </a:xfrm>
+          <a:prstGeom prst="rect">
+            <a:avLst/>
+          </a:prstGeom>
+        </p:spPr>
+      </p:pic>
+    </p:spTree>
+    <p:extLst>
+      <p:ext uri="{BB962C8B-B14F-4D97-AF65-F5344CB8AC3E}">
+        <p14:creationId xmlns:p14="http://schemas.microsoft.com/office/powerpoint/2010/main" val="1308315854"/>
+      </p:ext>
+    </p:extLst>
+  </p:cSld>
+  <p:clrMapOvr>
+    <a:masterClrMapping/>
+  </p:clrMapOvr>
+</p:sld>
+</file>
+
+<file path=ppt/slides/slide16.xml><?xml version="1.0" encoding="utf-8"?>
+<p:sld xmlns:a="http://schemas.openxmlformats.org/drawingml/2006/main" xmlns:r="http://schemas.openxmlformats.org/officeDocument/2006/relationships" xmlns:p="http://schemas.openxmlformats.org/presentationml/2006/main">
+  <p:cSld>
+    <p:spTree>
+      <p:nvGrpSpPr>
+        <p:cNvPr id="1" name=""/>
+        <p:cNvGrpSpPr/>
+        <p:nvPr/>
+      </p:nvGrpSpPr>
+      <p:grpSpPr>
+        <a:xfrm>
+          <a:off x="0" y="0"/>
+          <a:ext cx="0" cy="0"/>
+          <a:chOff x="0" y="0"/>
+          <a:chExt cx="0" cy="0"/>
+        </a:xfrm>
+      </p:grpSpPr>
+      <p:sp>
+        <p:nvSpPr>
+          <p:cNvPr id="2" name="제목 1"/>
+          <p:cNvSpPr>
+            <a:spLocks noGrp="1"/>
+          </p:cNvSpPr>
+          <p:nvPr>
+            <p:ph type="title"/>
+          </p:nvPr>
+        </p:nvSpPr>
+        <p:spPr>
+          <a:xfrm>
+            <a:off x="901054" y="3429000"/>
+            <a:ext cx="8623663" cy="1325563"/>
+          </a:xfrm>
+        </p:spPr>
+        <p:txBody>
+          <a:bodyPr/>
+          <a:lstStyle/>
+          <a:p>
+            <a:pPr algn="l"/>
+            <a:r>
+              <a:rPr lang="ko-KR" altLang="en-US"/>
+              <a:t>감사합니다</a:t>
+            </a:r>
+            <a:endParaRPr lang="ko-KR" altLang="en-US" dirty="0"/>
+          </a:p>
+        </p:txBody>
+      </p:sp>
+    </p:spTree>
+    <p:extLst>
+      <p:ext uri="{BB962C8B-B14F-4D97-AF65-F5344CB8AC3E}">
+        <p14:creationId xmlns:p14="http://schemas.microsoft.com/office/powerpoint/2010/main" val="667439871"/>
+      </p:ext>
+    </p:extLst>
+  </p:cSld>
+  <p:clrMapOvr>
+    <a:masterClrMapping/>
+  </p:clrMapOvr>
 </p:sld>
 </file>
 
@@ -3388,7 +4797,7 @@
           <a:lstStyle/>
           <a:p>
             <a:r>
-              <a:rPr lang="ko-KR" altLang="en-US" dirty="0" smtClean="0"/>
+              <a:rPr lang="ko-KR" altLang="en-US" dirty="0"/>
               <a:t>목차</a:t>
             </a:r>
             <a:endParaRPr lang="en-US" dirty="0"/>
@@ -3413,24 +4822,24 @@
           <a:lstStyle/>
           <a:p>
             <a:r>
-              <a:rPr lang="ko-KR" altLang="en-US" dirty="0" smtClean="0"/>
+              <a:rPr lang="ko-KR" altLang="en-US" dirty="0"/>
               <a:t>개요</a:t>
             </a:r>
-            <a:endParaRPr lang="en-US" altLang="ko-KR" dirty="0" smtClean="0"/>
+            <a:endParaRPr lang="en-US" altLang="ko-KR" dirty="0"/>
           </a:p>
           <a:p>
             <a:pPr marL="0" indent="0">
               <a:buNone/>
             </a:pPr>
             <a:r>
-              <a:rPr lang="en-US" altLang="ko-KR" sz="2000" dirty="0" smtClean="0"/>
+              <a:rPr lang="en-US" altLang="ko-KR" sz="2000" dirty="0"/>
               <a:t> - </a:t>
             </a:r>
             <a:r>
-              <a:rPr lang="ko-KR" altLang="en-US" sz="2000" dirty="0" smtClean="0"/>
+              <a:rPr lang="ko-KR" altLang="en-US" sz="2000" dirty="0"/>
               <a:t>주제 및 장르</a:t>
             </a:r>
-            <a:endParaRPr lang="en-US" altLang="ko-KR" sz="2000" dirty="0" smtClean="0"/>
+            <a:endParaRPr lang="en-US" altLang="ko-KR" sz="2000" dirty="0"/>
           </a:p>
           <a:p>
             <a:pPr marL="0" indent="0">
@@ -3438,89 +4847,85 @@
             </a:pPr>
             <a:r>
               <a:rPr lang="en-US" altLang="ko-KR" sz="2000" dirty="0"/>
+              <a:t> - </a:t>
+            </a:r>
+            <a:r>
+              <a:rPr lang="ko-KR" altLang="en-US" sz="2000" dirty="0"/>
+              <a:t>게임 구성</a:t>
+            </a:r>
+            <a:endParaRPr lang="en-US" altLang="ko-KR" sz="2000" dirty="0"/>
+          </a:p>
+          <a:p>
+            <a:pPr marL="0" indent="0">
+              <a:buNone/>
+            </a:pPr>
+            <a:endParaRPr lang="en-US" altLang="ko-KR" sz="2000" dirty="0"/>
+          </a:p>
+          <a:p>
+            <a:r>
+              <a:rPr lang="ko-KR" altLang="en-US" dirty="0"/>
+              <a:t>개발 과정</a:t>
+            </a:r>
+            <a:endParaRPr lang="en-US" altLang="ko-KR" dirty="0"/>
+          </a:p>
+          <a:p>
+            <a:pPr marL="0" indent="0">
+              <a:buNone/>
+            </a:pPr>
+            <a:r>
+              <a:rPr lang="en-US" altLang="ko-KR" dirty="0"/>
               <a:t> </a:t>
             </a:r>
             <a:r>
-              <a:rPr lang="en-US" altLang="ko-KR" sz="2000" dirty="0" smtClean="0"/>
+              <a:rPr lang="en-US" altLang="ko-KR" sz="2000" dirty="0"/>
               <a:t>- </a:t>
             </a:r>
             <a:r>
-              <a:rPr lang="ko-KR" altLang="en-US" sz="2000" dirty="0" smtClean="0"/>
-              <a:t>게임 구성</a:t>
-            </a:r>
-            <a:endParaRPr lang="en-US" altLang="ko-KR" sz="2000" dirty="0" smtClean="0"/>
+              <a:rPr lang="ko-KR" altLang="en-US" sz="2000" dirty="0"/>
+              <a:t>개발 현황 </a:t>
+            </a:r>
+            <a:endParaRPr lang="en-US" altLang="ko-KR" sz="2000" dirty="0"/>
           </a:p>
           <a:p>
             <a:pPr marL="0" indent="0">
               <a:buNone/>
             </a:pPr>
-            <a:endParaRPr lang="en-US" altLang="ko-KR" sz="2000" dirty="0" smtClean="0"/>
-          </a:p>
-          <a:p>
-            <a:r>
-              <a:rPr lang="ko-KR" altLang="en-US" dirty="0" smtClean="0"/>
-              <a:t>개발 과정</a:t>
-            </a:r>
-            <a:endParaRPr lang="en-US" altLang="ko-KR" dirty="0" smtClean="0"/>
+            <a:r>
+              <a:rPr lang="en-US" altLang="ko-KR" sz="2000" dirty="0"/>
+              <a:t> - </a:t>
+            </a:r>
+            <a:r>
+              <a:rPr lang="ko-KR" altLang="en-US" sz="2000" dirty="0"/>
+              <a:t>개발 예정</a:t>
+            </a:r>
+            <a:endParaRPr lang="en-US" altLang="ko-KR" sz="2000" dirty="0"/>
           </a:p>
           <a:p>
             <a:pPr marL="0" indent="0">
               <a:buNone/>
             </a:pPr>
-            <a:r>
-              <a:rPr lang="en-US" altLang="ko-KR" dirty="0" smtClean="0"/>
-              <a:t> </a:t>
-            </a:r>
-            <a:r>
-              <a:rPr lang="en-US" altLang="ko-KR" sz="2000" dirty="0" smtClean="0"/>
-              <a:t>- </a:t>
-            </a:r>
-            <a:r>
-              <a:rPr lang="ko-KR" altLang="en-US" sz="2000" dirty="0" smtClean="0"/>
-              <a:t>개발 현황 </a:t>
-            </a:r>
-            <a:endParaRPr lang="en-US" altLang="ko-KR" sz="2000" dirty="0" smtClean="0"/>
+            <a:endParaRPr lang="en-US" altLang="ko-KR" sz="2000" dirty="0"/>
+          </a:p>
+          <a:p>
+            <a:r>
+              <a:rPr lang="ko-KR" altLang="en-US" dirty="0"/>
+              <a:t>마무리</a:t>
+            </a:r>
+            <a:endParaRPr lang="en-US" altLang="ko-KR" dirty="0"/>
           </a:p>
           <a:p>
             <a:pPr marL="0" indent="0">
               <a:buNone/>
             </a:pPr>
             <a:r>
-              <a:rPr lang="en-US" altLang="ko-KR" sz="2000" dirty="0" smtClean="0"/>
+              <a:rPr lang="en-US" altLang="ko-KR" sz="2000" dirty="0"/>
               <a:t> - </a:t>
             </a:r>
             <a:r>
-              <a:rPr lang="ko-KR" altLang="en-US" sz="2000" dirty="0" smtClean="0"/>
-              <a:t>개발 예정</a:t>
-            </a:r>
-            <a:endParaRPr lang="en-US" altLang="ko-KR" sz="2000" dirty="0" smtClean="0"/>
-          </a:p>
-          <a:p>
-            <a:pPr marL="0" indent="0">
-              <a:buNone/>
-            </a:pPr>
-            <a:endParaRPr lang="en-US" altLang="ko-KR" sz="2000" dirty="0" smtClean="0"/>
-          </a:p>
-          <a:p>
-            <a:r>
-              <a:rPr lang="ko-KR" altLang="en-US" dirty="0" smtClean="0"/>
-              <a:t>마무리</a:t>
-            </a:r>
-            <a:endParaRPr lang="en-US" altLang="ko-KR" dirty="0" smtClean="0"/>
-          </a:p>
-          <a:p>
-            <a:pPr marL="0" indent="0">
-              <a:buNone/>
-            </a:pPr>
-            <a:r>
-              <a:rPr lang="en-US" altLang="ko-KR" sz="2000" dirty="0" smtClean="0"/>
-              <a:t> - </a:t>
-            </a:r>
-            <a:r>
-              <a:rPr lang="ko-KR" altLang="en-US" sz="2000" dirty="0" smtClean="0"/>
+              <a:rPr lang="ko-KR" altLang="en-US" sz="2000" dirty="0"/>
               <a:t>오픈소스</a:t>
             </a:r>
-            <a:endParaRPr lang="en-US" altLang="ko-KR" sz="2000" dirty="0" smtClean="0"/>
+            <a:endParaRPr lang="en-US" altLang="ko-KR" sz="2000" dirty="0"/>
           </a:p>
         </p:txBody>
       </p:sp>
@@ -3534,13 +4939,6 @@
   <p:clrMapOvr>
     <a:masterClrMapping/>
   </p:clrMapOvr>
-  <p:timing>
-    <p:tnLst>
-      <p:par>
-        <p:cTn id="1" dur="indefinite" restart="never" nodeType="tmRoot"/>
-      </p:par>
-    </p:tnLst>
-  </p:timing>
 </p:sld>
 </file>
 
@@ -3578,10 +4976,9 @@
           <a:p>
             <a:pPr algn="l"/>
             <a:r>
-              <a:rPr lang="ko-KR" altLang="en-US" dirty="0" smtClean="0"/>
+              <a:rPr lang="ko-KR" altLang="en-US" dirty="0"/>
               <a:t>개요</a:t>
             </a:r>
-            <a:endParaRPr lang="ko-KR" altLang="en-US" dirty="0"/>
           </a:p>
         </p:txBody>
       </p:sp>
@@ -3601,37 +4998,37 @@
           <a:lstStyle/>
           <a:p>
             <a:r>
-              <a:rPr lang="ko-KR" altLang="en-US" dirty="0" smtClean="0"/>
+              <a:rPr lang="ko-KR" altLang="en-US" dirty="0"/>
               <a:t>주제 및 장르</a:t>
             </a:r>
-            <a:endParaRPr lang="en-US" altLang="ko-KR" dirty="0" smtClean="0"/>
+            <a:endParaRPr lang="en-US" altLang="ko-KR" dirty="0"/>
           </a:p>
           <a:p>
             <a:pPr marL="0" indent="0">
               <a:buNone/>
             </a:pPr>
             <a:r>
-              <a:rPr lang="en-US" altLang="ko-KR" dirty="0" smtClean="0"/>
+              <a:rPr lang="en-US" altLang="ko-KR" dirty="0"/>
               <a:t> - 3d </a:t>
             </a:r>
             <a:r>
-              <a:rPr lang="ko-KR" altLang="en-US" dirty="0" smtClean="0"/>
+              <a:rPr lang="ko-KR" altLang="en-US" dirty="0"/>
               <a:t>액션 </a:t>
             </a:r>
             <a:r>
-              <a:rPr lang="en-US" altLang="ko-KR" dirty="0" smtClean="0"/>
+              <a:rPr lang="en-US" altLang="ko-KR" dirty="0"/>
               <a:t>+ </a:t>
             </a:r>
             <a:r>
-              <a:rPr lang="ko-KR" altLang="en-US" dirty="0" err="1" smtClean="0"/>
+              <a:rPr lang="ko-KR" altLang="en-US" dirty="0" err="1"/>
               <a:t>핵앤</a:t>
             </a:r>
             <a:r>
-              <a:rPr lang="ko-KR" altLang="en-US" dirty="0" smtClean="0"/>
+              <a:rPr lang="ko-KR" altLang="en-US" dirty="0"/>
               <a:t> 슬래시 </a:t>
             </a:r>
             <a:r>
-              <a:rPr lang="en-US" altLang="ko-KR" dirty="0" smtClean="0"/>
+              <a:rPr lang="en-US" altLang="ko-KR" dirty="0"/>
               <a:t>+ RPG + </a:t>
             </a:r>
             <a:r>
@@ -3796,18 +5193,18 @@
               <a:buChar char="-"/>
             </a:pPr>
             <a:r>
-              <a:rPr lang="en-US" altLang="ko-KR" dirty="0" smtClean="0"/>
+              <a:rPr lang="en-US" altLang="ko-KR" dirty="0"/>
               <a:t>3D </a:t>
             </a:r>
             <a:r>
-              <a:rPr lang="ko-KR" altLang="en-US" dirty="0" smtClean="0"/>
+              <a:rPr lang="ko-KR" altLang="en-US" dirty="0"/>
               <a:t>장르 중 비교적 접근이 쉬운 </a:t>
             </a:r>
             <a:r>
-              <a:rPr lang="ko-KR" altLang="en-US" dirty="0" err="1" smtClean="0"/>
+              <a:rPr lang="ko-KR" altLang="en-US" dirty="0" err="1"/>
               <a:t>복셀</a:t>
             </a:r>
-            <a:endParaRPr lang="en-US" altLang="ko-KR" dirty="0" smtClean="0"/>
+            <a:endParaRPr lang="en-US" altLang="ko-KR" dirty="0"/>
           </a:p>
           <a:p>
             <a:pPr marL="285750" indent="-285750">
@@ -3815,10 +5212,10 @@
               <a:buChar char="-"/>
             </a:pPr>
             <a:r>
-              <a:rPr lang="ko-KR" altLang="en-US" dirty="0" smtClean="0"/>
+              <a:rPr lang="ko-KR" altLang="en-US" dirty="0"/>
               <a:t>현재 유행중인 핵 앤 슬래시 장르</a:t>
             </a:r>
-            <a:endParaRPr lang="en-US" altLang="ko-KR" dirty="0" smtClean="0"/>
+            <a:endParaRPr lang="en-US" altLang="ko-KR" dirty="0"/>
           </a:p>
           <a:p>
             <a:pPr marL="285750" indent="-285750">
@@ -3826,14 +5223,14 @@
               <a:buChar char="-"/>
             </a:pPr>
             <a:r>
-              <a:rPr lang="en-US" altLang="ko-KR" dirty="0" smtClean="0"/>
+              <a:rPr lang="en-US" altLang="ko-KR" dirty="0"/>
               <a:t>RPG</a:t>
             </a:r>
             <a:r>
-              <a:rPr lang="ko-KR" altLang="en-US" dirty="0" smtClean="0"/>
+              <a:rPr lang="ko-KR" altLang="en-US" dirty="0"/>
               <a:t>의 성장 요소도 포함</a:t>
             </a:r>
-            <a:endParaRPr lang="en-US" altLang="ko-KR" dirty="0" smtClean="0"/>
+            <a:endParaRPr lang="en-US" altLang="ko-KR" dirty="0"/>
           </a:p>
         </p:txBody>
       </p:sp>
@@ -3847,13 +5244,6 @@
   <p:clrMapOvr>
     <a:masterClrMapping/>
   </p:clrMapOvr>
-  <p:timing>
-    <p:tnLst>
-      <p:par>
-        <p:cTn id="1" dur="indefinite" restart="never" nodeType="tmRoot"/>
-      </p:par>
-    </p:tnLst>
-  </p:timing>
 </p:sld>
 </file>
 
@@ -3891,10 +5281,643 @@
           <a:p>
             <a:pPr algn="l"/>
             <a:r>
-              <a:rPr lang="ko-KR" altLang="en-US" dirty="0" smtClean="0"/>
+              <a:rPr lang="ko-KR" altLang="en-US" dirty="0"/>
+              <a:t>개요</a:t>
+            </a:r>
+          </a:p>
+        </p:txBody>
+      </p:sp>
+      <p:sp>
+        <p:nvSpPr>
+          <p:cNvPr id="3" name="내용 개체 틀 2"/>
+          <p:cNvSpPr>
+            <a:spLocks noGrp="1"/>
+          </p:cNvSpPr>
+          <p:nvPr>
+            <p:ph idx="1"/>
+          </p:nvPr>
+        </p:nvSpPr>
+        <p:spPr/>
+        <p:txBody>
+          <a:bodyPr/>
+          <a:lstStyle/>
+          <a:p>
+            <a:r>
+              <a:rPr lang="ko-KR" altLang="en-US" dirty="0"/>
+              <a:t>주제 및 장르</a:t>
+            </a:r>
+            <a:endParaRPr lang="en-US" altLang="ko-KR" dirty="0"/>
+          </a:p>
+        </p:txBody>
+      </p:sp>
+      <p:sp>
+        <p:nvSpPr>
+          <p:cNvPr id="4" name="TextBox 3"/>
+          <p:cNvSpPr txBox="1"/>
+          <p:nvPr/>
+        </p:nvSpPr>
+        <p:spPr>
+          <a:xfrm>
+            <a:off x="404942" y="2281211"/>
+            <a:ext cx="8807151" cy="1477328"/>
+          </a:xfrm>
+          <a:prstGeom prst="rect">
+            <a:avLst/>
+          </a:prstGeom>
+          <a:noFill/>
+        </p:spPr>
+        <p:txBody>
+          <a:bodyPr wrap="square" rtlCol="0">
+            <a:spAutoFit/>
+          </a:bodyPr>
+          <a:lstStyle/>
+          <a:p>
+            <a:pPr marL="285750" indent="-285750">
+              <a:buFontTx/>
+              <a:buChar char="-"/>
+            </a:pPr>
+            <a:r>
+              <a:rPr lang="ko-KR" altLang="en-US" dirty="0"/>
+              <a:t>게임의 필요한 </a:t>
+            </a:r>
+            <a:r>
+              <a:rPr lang="en-US" altLang="ko-KR" dirty="0"/>
+              <a:t>Asset </a:t>
+            </a:r>
+            <a:r>
+              <a:rPr lang="ko-KR" altLang="en-US" dirty="0"/>
+              <a:t>을 찾던 과정에서 한국어 강의와 </a:t>
+            </a:r>
+            <a:r>
+              <a:rPr lang="en-US" altLang="ko-KR" dirty="0"/>
+              <a:t>3D </a:t>
+            </a:r>
+            <a:r>
+              <a:rPr lang="ko-KR" altLang="en-US" dirty="0"/>
+              <a:t>모델</a:t>
+            </a:r>
+            <a:r>
+              <a:rPr lang="en-US" altLang="ko-KR" dirty="0"/>
+              <a:t>, UI, </a:t>
+            </a:r>
+            <a:r>
+              <a:rPr lang="ko-KR" altLang="en-US" dirty="0"/>
+              <a:t>이미지가 포함된 </a:t>
+            </a:r>
+            <a:r>
+              <a:rPr lang="ko-KR" altLang="en-US" dirty="0" err="1"/>
+              <a:t>에셋</a:t>
+            </a:r>
+            <a:r>
+              <a:rPr lang="ko-KR" altLang="en-US" dirty="0"/>
+              <a:t> 패키지를 </a:t>
+            </a:r>
+            <a:r>
+              <a:rPr lang="ko-KR" altLang="en-US" dirty="0" err="1"/>
+              <a:t>찾게됨</a:t>
+            </a:r>
+            <a:endParaRPr lang="ko-KR" altLang="en-US" dirty="0"/>
+          </a:p>
+          <a:p>
+            <a:pPr marL="285750" indent="-285750">
+              <a:buFontTx/>
+              <a:buChar char="-"/>
+            </a:pPr>
+            <a:r>
+              <a:rPr lang="ko-KR" altLang="en-US" dirty="0"/>
+              <a:t>이 </a:t>
+            </a:r>
+            <a:r>
+              <a:rPr lang="ko-KR" altLang="en-US" dirty="0" err="1"/>
+              <a:t>에셋</a:t>
+            </a:r>
+            <a:r>
+              <a:rPr lang="ko-KR" altLang="en-US" dirty="0"/>
+              <a:t> 패키지의 </a:t>
+            </a:r>
+            <a:r>
+              <a:rPr lang="en-US" altLang="ko-KR" dirty="0"/>
+              <a:t>3D </a:t>
+            </a:r>
+            <a:r>
+              <a:rPr lang="ko-KR" altLang="en-US" dirty="0"/>
+              <a:t>모델과 </a:t>
+            </a:r>
+            <a:r>
+              <a:rPr lang="en-US" altLang="ko-KR" dirty="0"/>
+              <a:t>UI, </a:t>
+            </a:r>
+            <a:r>
+              <a:rPr lang="ko-KR" altLang="en-US" dirty="0"/>
+              <a:t>이미지를 강의에 참고</a:t>
+            </a:r>
+            <a:endParaRPr lang="en-US" altLang="ko-KR" dirty="0"/>
+          </a:p>
+          <a:p>
+            <a:endParaRPr lang="en-US" altLang="ko-KR" dirty="0"/>
+          </a:p>
+          <a:p>
+            <a:pPr marL="285750" indent="-285750">
+              <a:buFontTx/>
+              <a:buChar char="-"/>
+            </a:pPr>
+            <a:endParaRPr lang="en-US" altLang="ko-KR" dirty="0"/>
+          </a:p>
+        </p:txBody>
+      </p:sp>
+      <p:pic>
+        <p:nvPicPr>
+          <p:cNvPr id="6" name="그림 5">
+            <a:extLst>
+              <a:ext uri="{FF2B5EF4-FFF2-40B4-BE49-F238E27FC236}">
+                <a16:creationId xmlns:a16="http://schemas.microsoft.com/office/drawing/2014/main" id="{F089A934-9524-4CFF-A849-EA68FE725DFD}"/>
+              </a:ext>
+            </a:extLst>
+          </p:cNvPr>
+          <p:cNvPicPr>
+            <a:picLocks noChangeAspect="1"/>
+          </p:cNvPicPr>
+          <p:nvPr/>
+        </p:nvPicPr>
+        <p:blipFill>
+          <a:blip r:embed="rId2"/>
+          <a:stretch>
+            <a:fillRect/>
+          </a:stretch>
+        </p:blipFill>
+        <p:spPr>
+          <a:xfrm>
+            <a:off x="846307" y="3122769"/>
+            <a:ext cx="7415545" cy="3362032"/>
+          </a:xfrm>
+          <a:prstGeom prst="rect">
+            <a:avLst/>
+          </a:prstGeom>
+        </p:spPr>
+      </p:pic>
+    </p:spTree>
+    <p:extLst>
+      <p:ext uri="{BB962C8B-B14F-4D97-AF65-F5344CB8AC3E}">
+        <p14:creationId xmlns:p14="http://schemas.microsoft.com/office/powerpoint/2010/main" val="2938161434"/>
+      </p:ext>
+    </p:extLst>
+  </p:cSld>
+  <p:clrMapOvr>
+    <a:masterClrMapping/>
+  </p:clrMapOvr>
+</p:sld>
+</file>
+
+<file path=ppt/slides/slide5.xml><?xml version="1.0" encoding="utf-8"?>
+<p:sld xmlns:a="http://schemas.openxmlformats.org/drawingml/2006/main" xmlns:r="http://schemas.openxmlformats.org/officeDocument/2006/relationships" xmlns:p="http://schemas.openxmlformats.org/presentationml/2006/main">
+  <p:cSld>
+    <p:spTree>
+      <p:nvGrpSpPr>
+        <p:cNvPr id="1" name=""/>
+        <p:cNvGrpSpPr/>
+        <p:nvPr/>
+      </p:nvGrpSpPr>
+      <p:grpSpPr>
+        <a:xfrm>
+          <a:off x="0" y="0"/>
+          <a:ext cx="0" cy="0"/>
+          <a:chOff x="0" y="0"/>
+          <a:chExt cx="0" cy="0"/>
+        </a:xfrm>
+      </p:grpSpPr>
+      <p:sp>
+        <p:nvSpPr>
+          <p:cNvPr id="2" name="제목 1"/>
+          <p:cNvSpPr>
+            <a:spLocks noGrp="1"/>
+          </p:cNvSpPr>
+          <p:nvPr>
+            <p:ph type="title"/>
+          </p:nvPr>
+        </p:nvSpPr>
+        <p:spPr/>
+        <p:txBody>
+          <a:bodyPr/>
+          <a:lstStyle/>
+          <a:p>
+            <a:pPr algn="l"/>
+            <a:r>
+              <a:rPr lang="ko-KR" altLang="en-US" dirty="0"/>
+              <a:t>개요</a:t>
+            </a:r>
+          </a:p>
+        </p:txBody>
+      </p:sp>
+      <p:sp>
+        <p:nvSpPr>
+          <p:cNvPr id="3" name="내용 개체 틀 2"/>
+          <p:cNvSpPr>
+            <a:spLocks noGrp="1"/>
+          </p:cNvSpPr>
+          <p:nvPr>
+            <p:ph idx="1"/>
+          </p:nvPr>
+        </p:nvSpPr>
+        <p:spPr/>
+        <p:txBody>
+          <a:bodyPr/>
+          <a:lstStyle/>
+          <a:p>
+            <a:r>
+              <a:rPr lang="ko-KR" altLang="en-US" dirty="0"/>
+              <a:t>게임구성</a:t>
+            </a:r>
+            <a:endParaRPr lang="en-US" altLang="ko-KR" dirty="0"/>
+          </a:p>
+        </p:txBody>
+      </p:sp>
+      <p:sp>
+        <p:nvSpPr>
+          <p:cNvPr id="4" name="TextBox 3"/>
+          <p:cNvSpPr txBox="1"/>
+          <p:nvPr/>
+        </p:nvSpPr>
+        <p:spPr>
+          <a:xfrm>
+            <a:off x="404942" y="2281211"/>
+            <a:ext cx="8807151" cy="4247317"/>
+          </a:xfrm>
+          <a:prstGeom prst="rect">
+            <a:avLst/>
+          </a:prstGeom>
+          <a:noFill/>
+        </p:spPr>
+        <p:txBody>
+          <a:bodyPr wrap="square" rtlCol="0">
+            <a:spAutoFit/>
+          </a:bodyPr>
+          <a:lstStyle/>
+          <a:p>
+            <a:pPr marL="285750" indent="-285750">
+              <a:buFontTx/>
+              <a:buChar char="-"/>
+            </a:pPr>
+            <a:r>
+              <a:rPr lang="ko-KR" altLang="en-US" b="1" dirty="0" err="1"/>
+              <a:t>핵앤슬래시</a:t>
+            </a:r>
+            <a:r>
+              <a:rPr lang="ko-KR" altLang="en-US" b="1" dirty="0"/>
+              <a:t> 장르</a:t>
+            </a:r>
+            <a:endParaRPr lang="en-US" altLang="ko-KR" b="1" dirty="0"/>
+          </a:p>
+          <a:p>
+            <a:r>
+              <a:rPr lang="ko-KR" altLang="en-US" dirty="0"/>
+              <a:t>적들이 계속 플레이어를 쫓아옴</a:t>
+            </a:r>
+            <a:endParaRPr lang="en-US" altLang="ko-KR" dirty="0"/>
+          </a:p>
+          <a:p>
+            <a:r>
+              <a:rPr lang="ko-KR" altLang="en-US" dirty="0"/>
+              <a:t>적이 죽으면 탄약</a:t>
+            </a:r>
+            <a:r>
+              <a:rPr lang="en-US" altLang="ko-KR" dirty="0"/>
+              <a:t>, </a:t>
+            </a:r>
+            <a:r>
+              <a:rPr lang="ko-KR" altLang="en-US" dirty="0"/>
+              <a:t>체력</a:t>
+            </a:r>
+            <a:r>
+              <a:rPr lang="en-US" altLang="ko-KR" dirty="0"/>
+              <a:t> </a:t>
+            </a:r>
+            <a:r>
+              <a:rPr lang="ko-KR" altLang="en-US" dirty="0"/>
+              <a:t>등의 아이템을 드랍</a:t>
+            </a:r>
+            <a:endParaRPr lang="en-US" altLang="ko-KR" dirty="0"/>
+          </a:p>
+          <a:p>
+            <a:r>
+              <a:rPr lang="en-US" altLang="ko-KR" dirty="0"/>
+              <a:t>-   </a:t>
+            </a:r>
+            <a:r>
+              <a:rPr lang="en-US" altLang="ko-KR" b="1" dirty="0"/>
+              <a:t>3D Action</a:t>
+            </a:r>
+          </a:p>
+          <a:p>
+            <a:r>
+              <a:rPr lang="ko-KR" altLang="en-US" dirty="0"/>
+              <a:t>플레이어가 해머</a:t>
+            </a:r>
+            <a:r>
+              <a:rPr lang="en-US" altLang="ko-KR" dirty="0"/>
+              <a:t>, </a:t>
+            </a:r>
+            <a:r>
+              <a:rPr lang="ko-KR" altLang="en-US" dirty="0"/>
+              <a:t>권총과 같은 무기를 들고 적을 죽임</a:t>
+            </a:r>
+            <a:endParaRPr lang="en-US" altLang="ko-KR" dirty="0"/>
+          </a:p>
+          <a:p>
+            <a:r>
+              <a:rPr lang="ko-KR" altLang="en-US" dirty="0"/>
+              <a:t>구르기</a:t>
+            </a:r>
+            <a:r>
+              <a:rPr lang="en-US" altLang="ko-KR" dirty="0"/>
+              <a:t>, </a:t>
+            </a:r>
+            <a:r>
+              <a:rPr lang="ko-KR" altLang="en-US" dirty="0"/>
+              <a:t>점프</a:t>
+            </a:r>
+            <a:r>
+              <a:rPr lang="en-US" altLang="ko-KR" dirty="0"/>
+              <a:t> </a:t>
+            </a:r>
+            <a:r>
+              <a:rPr lang="ko-KR" altLang="en-US" dirty="0"/>
+              <a:t>등 다양한 액션</a:t>
+            </a:r>
+            <a:endParaRPr lang="en-US" altLang="ko-KR" dirty="0"/>
+          </a:p>
+          <a:p>
+            <a:r>
+              <a:rPr lang="ko-KR" altLang="en-US" dirty="0"/>
+              <a:t>플레이어가 다양한 스킬 사용</a:t>
+            </a:r>
+            <a:endParaRPr lang="en-US" altLang="ko-KR" dirty="0"/>
+          </a:p>
+          <a:p>
+            <a:pPr marL="285750" indent="-285750">
+              <a:buFontTx/>
+              <a:buChar char="-"/>
+            </a:pPr>
+            <a:r>
+              <a:rPr lang="en-US" altLang="ko-KR" b="1" dirty="0"/>
+              <a:t>RPG</a:t>
+            </a:r>
+          </a:p>
+          <a:p>
+            <a:r>
+              <a:rPr lang="ko-KR" altLang="en-US" dirty="0"/>
+              <a:t>플레이어가 적을 죽이면 경험치 획득</a:t>
+            </a:r>
+            <a:endParaRPr lang="en-US" altLang="ko-KR" dirty="0"/>
+          </a:p>
+          <a:p>
+            <a:r>
+              <a:rPr lang="ko-KR" altLang="en-US" dirty="0"/>
+              <a:t>일정 경험치 이상 획득 시 </a:t>
+            </a:r>
+            <a:r>
+              <a:rPr lang="ko-KR" altLang="en-US" dirty="0" err="1"/>
+              <a:t>레벨업</a:t>
+            </a:r>
+            <a:endParaRPr lang="en-US" altLang="ko-KR" dirty="0"/>
+          </a:p>
+          <a:p>
+            <a:r>
+              <a:rPr lang="ko-KR" altLang="en-US" dirty="0"/>
+              <a:t>레벨이 증가하면 원하는 플레이어의 능력치 증가 가능</a:t>
+            </a:r>
+            <a:endParaRPr lang="en-US" altLang="ko-KR" dirty="0"/>
+          </a:p>
+          <a:p>
+            <a:r>
+              <a:rPr lang="ko-KR" altLang="en-US" dirty="0"/>
+              <a:t>일정 조건 </a:t>
+            </a:r>
+            <a:r>
+              <a:rPr lang="ko-KR" altLang="en-US" dirty="0" err="1"/>
+              <a:t>달성시</a:t>
+            </a:r>
+            <a:r>
+              <a:rPr lang="ko-KR" altLang="en-US" dirty="0"/>
+              <a:t> 스킬이 해금되는 성장 요소</a:t>
+            </a:r>
+            <a:endParaRPr lang="en-US" altLang="ko-KR" dirty="0"/>
+          </a:p>
+          <a:p>
+            <a:pPr marL="285750" indent="-285750">
+              <a:buFontTx/>
+              <a:buChar char="-"/>
+            </a:pPr>
+            <a:r>
+              <a:rPr lang="ko-KR" altLang="en-US" b="1" dirty="0" err="1"/>
+              <a:t>복셀</a:t>
+            </a:r>
+            <a:endParaRPr lang="en-US" altLang="ko-KR" b="1" dirty="0"/>
+          </a:p>
+          <a:p>
+            <a:r>
+              <a:rPr lang="ko-KR" altLang="en-US" dirty="0" err="1"/>
+              <a:t>복셀</a:t>
+            </a:r>
+            <a:r>
+              <a:rPr lang="en-US" altLang="ko-KR" dirty="0"/>
+              <a:t>3D Asset</a:t>
+            </a:r>
+            <a:r>
+              <a:rPr lang="ko-KR" altLang="en-US" dirty="0"/>
+              <a:t>을 활용하여 맵</a:t>
+            </a:r>
+            <a:r>
+              <a:rPr lang="en-US" altLang="ko-KR" dirty="0"/>
+              <a:t>, </a:t>
+            </a:r>
+            <a:r>
+              <a:rPr lang="ko-KR" altLang="en-US" dirty="0"/>
+              <a:t>플레이어</a:t>
+            </a:r>
+            <a:r>
+              <a:rPr lang="en-US" altLang="ko-KR" dirty="0"/>
+              <a:t>, </a:t>
+            </a:r>
+            <a:r>
+              <a:rPr lang="ko-KR" altLang="en-US" dirty="0"/>
+              <a:t>적 등 다양한 </a:t>
+            </a:r>
+            <a:r>
+              <a:rPr lang="ko-KR" altLang="en-US" dirty="0" err="1"/>
+              <a:t>스프라이트</a:t>
+            </a:r>
+            <a:r>
+              <a:rPr lang="ko-KR" altLang="en-US" dirty="0"/>
+              <a:t> 사용</a:t>
+            </a:r>
+            <a:endParaRPr lang="en-US" altLang="ko-KR" dirty="0"/>
+          </a:p>
+          <a:p>
+            <a:pPr marL="285750" indent="-285750">
+              <a:buFontTx/>
+              <a:buChar char="-"/>
+            </a:pPr>
+            <a:endParaRPr lang="en-US" altLang="ko-KR" dirty="0"/>
+          </a:p>
+        </p:txBody>
+      </p:sp>
+      <p:pic>
+        <p:nvPicPr>
+          <p:cNvPr id="7" name="그림 6">
+            <a:extLst>
+              <a:ext uri="{FF2B5EF4-FFF2-40B4-BE49-F238E27FC236}">
+                <a16:creationId xmlns:a16="http://schemas.microsoft.com/office/drawing/2014/main" id="{AFFB50B7-F4DE-4450-9A17-E30AF0398791}"/>
+              </a:ext>
+            </a:extLst>
+          </p:cNvPr>
+          <p:cNvPicPr>
+            <a:picLocks noChangeAspect="1"/>
+          </p:cNvPicPr>
+          <p:nvPr/>
+        </p:nvPicPr>
+        <p:blipFill>
+          <a:blip r:embed="rId2"/>
+          <a:stretch>
+            <a:fillRect/>
+          </a:stretch>
+        </p:blipFill>
+        <p:spPr>
+          <a:xfrm>
+            <a:off x="5503119" y="1355540"/>
+            <a:ext cx="2288736" cy="1653495"/>
+          </a:xfrm>
+          <a:prstGeom prst="rect">
+            <a:avLst/>
+          </a:prstGeom>
+        </p:spPr>
+      </p:pic>
+      <p:pic>
+        <p:nvPicPr>
+          <p:cNvPr id="9" name="그림 8">
+            <a:extLst>
+              <a:ext uri="{FF2B5EF4-FFF2-40B4-BE49-F238E27FC236}">
+                <a16:creationId xmlns:a16="http://schemas.microsoft.com/office/drawing/2014/main" id="{95436107-5959-433E-A504-C604FD9D12E6}"/>
+              </a:ext>
+            </a:extLst>
+          </p:cNvPr>
+          <p:cNvPicPr>
+            <a:picLocks noChangeAspect="1"/>
+          </p:cNvPicPr>
+          <p:nvPr/>
+        </p:nvPicPr>
+        <p:blipFill>
+          <a:blip r:embed="rId3"/>
+          <a:stretch>
+            <a:fillRect/>
+          </a:stretch>
+        </p:blipFill>
+        <p:spPr>
+          <a:xfrm>
+            <a:off x="7919078" y="1369166"/>
+            <a:ext cx="2431152" cy="1626244"/>
+          </a:xfrm>
+          <a:prstGeom prst="rect">
+            <a:avLst/>
+          </a:prstGeom>
+        </p:spPr>
+      </p:pic>
+      <p:pic>
+        <p:nvPicPr>
+          <p:cNvPr id="1026" name="Picture 2" descr="철 망치 royalty-free 3d model - Preview no. 1">
+            <a:extLst>
+              <a:ext uri="{FF2B5EF4-FFF2-40B4-BE49-F238E27FC236}">
+                <a16:creationId xmlns:a16="http://schemas.microsoft.com/office/drawing/2014/main" id="{29706DA1-1A7A-4E7F-AD67-093D8B29F186}"/>
+              </a:ext>
+            </a:extLst>
+          </p:cNvPr>
+          <p:cNvPicPr>
+            <a:picLocks noChangeAspect="1" noChangeArrowheads="1"/>
+          </p:cNvPicPr>
+          <p:nvPr/>
+        </p:nvPicPr>
+        <p:blipFill>
+          <a:blip r:embed="rId4" cstate="print">
+            <a:extLst>
+              <a:ext uri="{28A0092B-C50C-407E-A947-70E740481C1C}">
+                <a14:useLocalDpi xmlns:a14="http://schemas.microsoft.com/office/drawing/2010/main" val="0"/>
+              </a:ext>
+            </a:extLst>
+          </a:blip>
+          <a:srcRect/>
+          <a:stretch>
+            <a:fillRect/>
+          </a:stretch>
+        </p:blipFill>
+        <p:spPr bwMode="auto">
+          <a:xfrm>
+            <a:off x="7261029" y="3107958"/>
+            <a:ext cx="2067796" cy="2067796"/>
+          </a:xfrm>
+          <a:prstGeom prst="rect">
+            <a:avLst/>
+          </a:prstGeom>
+          <a:noFill/>
+          <a:extLst>
+            <a:ext uri="{909E8E84-426E-40DD-AFC4-6F175D3DCCD1}">
+              <a14:hiddenFill xmlns:a14="http://schemas.microsoft.com/office/drawing/2010/main">
+                <a:solidFill>
+                  <a:srgbClr val="FFFFFF"/>
+                </a:solidFill>
+              </a14:hiddenFill>
+            </a:ext>
+          </a:extLst>
+        </p:spPr>
+      </p:pic>
+    </p:spTree>
+    <p:extLst>
+      <p:ext uri="{BB962C8B-B14F-4D97-AF65-F5344CB8AC3E}">
+        <p14:creationId xmlns:p14="http://schemas.microsoft.com/office/powerpoint/2010/main" val="1855519017"/>
+      </p:ext>
+    </p:extLst>
+  </p:cSld>
+  <p:clrMapOvr>
+    <a:masterClrMapping/>
+  </p:clrMapOvr>
+</p:sld>
+</file>
+
+<file path=ppt/slides/slide6.xml><?xml version="1.0" encoding="utf-8"?>
+<p:sld xmlns:a="http://schemas.openxmlformats.org/drawingml/2006/main" xmlns:r="http://schemas.openxmlformats.org/officeDocument/2006/relationships" xmlns:p="http://schemas.openxmlformats.org/presentationml/2006/main">
+  <p:cSld>
+    <p:spTree>
+      <p:nvGrpSpPr>
+        <p:cNvPr id="1" name=""/>
+        <p:cNvGrpSpPr/>
+        <p:nvPr/>
+      </p:nvGrpSpPr>
+      <p:grpSpPr>
+        <a:xfrm>
+          <a:off x="0" y="0"/>
+          <a:ext cx="0" cy="0"/>
+          <a:chOff x="0" y="0"/>
+          <a:chExt cx="0" cy="0"/>
+        </a:xfrm>
+      </p:grpSpPr>
+      <p:sp>
+        <p:nvSpPr>
+          <p:cNvPr id="2" name="제목 1"/>
+          <p:cNvSpPr>
+            <a:spLocks noGrp="1"/>
+          </p:cNvSpPr>
+          <p:nvPr>
+            <p:ph type="title"/>
+          </p:nvPr>
+        </p:nvSpPr>
+        <p:spPr/>
+        <p:txBody>
+          <a:bodyPr/>
+          <a:lstStyle/>
+          <a:p>
+            <a:pPr algn="l"/>
+            <a:r>
+              <a:rPr lang="ko-KR" altLang="en-US" dirty="0"/>
               <a:t>개발 과정</a:t>
             </a:r>
-            <a:endParaRPr lang="ko-KR" altLang="en-US" dirty="0"/>
           </a:p>
         </p:txBody>
       </p:sp>
@@ -3914,10 +5937,10 @@
           <a:lstStyle/>
           <a:p>
             <a:r>
-              <a:rPr lang="ko-KR" altLang="en-US" dirty="0" smtClean="0"/>
+              <a:rPr lang="ko-KR" altLang="en-US" dirty="0"/>
               <a:t>개발 현황</a:t>
             </a:r>
-            <a:endParaRPr lang="en-US" altLang="ko-KR" dirty="0" smtClean="0"/>
+            <a:endParaRPr lang="en-US" altLang="ko-KR" dirty="0"/>
           </a:p>
         </p:txBody>
       </p:sp>
@@ -3972,18 +5995,18 @@
               <a:buChar char="-"/>
             </a:pPr>
             <a:r>
-              <a:rPr lang="ko-KR" altLang="en-US" dirty="0" smtClean="0"/>
+              <a:rPr lang="ko-KR" altLang="en-US" dirty="0"/>
               <a:t>유튜브 강의 </a:t>
             </a:r>
             <a:r>
-              <a:rPr lang="en-US" altLang="ko-KR" dirty="0" smtClean="0"/>
+              <a:rPr lang="en-US" altLang="ko-KR" dirty="0"/>
               <a:t>“Quad Action” </a:t>
             </a:r>
             <a:r>
-              <a:rPr lang="ko-KR" altLang="en-US" dirty="0" smtClean="0"/>
+              <a:rPr lang="ko-KR" altLang="en-US" dirty="0"/>
               <a:t>따라서 구현</a:t>
             </a:r>
-            <a:endParaRPr lang="en-US" altLang="ko-KR" dirty="0" smtClean="0"/>
+            <a:endParaRPr lang="en-US" altLang="ko-KR" dirty="0"/>
           </a:p>
           <a:p>
             <a:pPr marL="285750" indent="-285750">
@@ -3991,10 +6014,10 @@
               <a:buChar char="-"/>
             </a:pPr>
             <a:r>
-              <a:rPr lang="ko-KR" altLang="en-US" dirty="0" smtClean="0"/>
+              <a:rPr lang="ko-KR" altLang="en-US" dirty="0"/>
               <a:t>필요한 부분만 프로젝트에 사용 예정</a:t>
             </a:r>
-            <a:endParaRPr lang="en-US" altLang="ko-KR" dirty="0" smtClean="0"/>
+            <a:endParaRPr lang="en-US" altLang="ko-KR" dirty="0"/>
           </a:p>
           <a:p>
             <a:pPr marL="285750" indent="-285750">
@@ -4002,22 +6025,21 @@
               <a:buChar char="-"/>
             </a:pPr>
             <a:r>
-              <a:rPr lang="ko-KR" altLang="en-US" dirty="0" smtClean="0"/>
+              <a:rPr lang="ko-KR" altLang="en-US" dirty="0"/>
               <a:t>추가로 사용할 모델링</a:t>
             </a:r>
             <a:r>
-              <a:rPr lang="en-US" altLang="ko-KR" dirty="0" smtClean="0"/>
+              <a:rPr lang="en-US" altLang="ko-KR" dirty="0"/>
               <a:t>, </a:t>
             </a:r>
             <a:r>
-              <a:rPr lang="ko-KR" altLang="en-US" dirty="0" err="1" smtClean="0"/>
+              <a:rPr lang="ko-KR" altLang="en-US" dirty="0" err="1"/>
               <a:t>에셋</a:t>
             </a:r>
             <a:r>
-              <a:rPr lang="ko-KR" altLang="en-US" dirty="0" smtClean="0"/>
+              <a:rPr lang="ko-KR" altLang="en-US" dirty="0"/>
               <a:t> 찾는 중</a:t>
             </a:r>
-            <a:endParaRPr lang="ko-KR" altLang="en-US" dirty="0"/>
           </a:p>
         </p:txBody>
       </p:sp>
@@ -4102,46 +6124,12 @@
               <a:buChar char="-"/>
             </a:pPr>
             <a:r>
-              <a:rPr lang="ko-KR" altLang="en-US" dirty="0" smtClean="0">
+              <a:rPr lang="ko-KR" altLang="en-US" dirty="0">
                 <a:solidFill>
                   <a:schemeClr val="tx1"/>
                 </a:solidFill>
               </a:rPr>
               <a:t>프로젝트에 사용할 내용</a:t>
-            </a:r>
-            <a:endParaRPr lang="en-US" altLang="ko-KR" dirty="0" smtClean="0">
-              <a:solidFill>
-                <a:schemeClr val="tx1"/>
-              </a:solidFill>
-            </a:endParaRPr>
-          </a:p>
-          <a:p>
-            <a:pPr marL="285750" indent="-285750">
-              <a:buFontTx/>
-              <a:buChar char="-"/>
-            </a:pPr>
-            <a:endParaRPr lang="en-US" altLang="ko-KR" dirty="0" smtClean="0">
-              <a:solidFill>
-                <a:schemeClr val="tx1"/>
-              </a:solidFill>
-            </a:endParaRPr>
-          </a:p>
-          <a:p>
-            <a:r>
-              <a:rPr lang="en-US" altLang="ko-KR" dirty="0" smtClean="0">
-                <a:solidFill>
-                  <a:schemeClr val="tx1"/>
-                </a:solidFill>
-              </a:rPr>
-              <a:t> 1. </a:t>
-            </a:r>
-            <a:r>
-              <a:rPr lang="ko-KR" altLang="en-US" dirty="0" smtClean="0">
-                <a:solidFill>
-                  <a:schemeClr val="tx1"/>
-                </a:solidFill>
-              </a:rPr>
-              <a:t>모델링</a:t>
             </a:r>
             <a:endParaRPr lang="en-US" altLang="ko-KR" dirty="0">
               <a:solidFill>
@@ -4150,23 +6138,11 @@
             </a:endParaRPr>
           </a:p>
           <a:p>
-            <a:r>
-              <a:rPr lang="en-US" altLang="ko-KR" dirty="0" smtClean="0">
-                <a:solidFill>
-                  <a:schemeClr val="tx1"/>
-                </a:solidFill>
-              </a:rPr>
-              <a:t> 2. </a:t>
-            </a:r>
-            <a:r>
-              <a:rPr lang="ko-KR" altLang="en-US" dirty="0" smtClean="0">
-                <a:solidFill>
-                  <a:schemeClr val="tx1"/>
-                </a:solidFill>
-              </a:rPr>
-              <a:t>애니메이션</a:t>
-            </a:r>
-            <a:endParaRPr lang="en-US" altLang="ko-KR" dirty="0" smtClean="0">
+            <a:pPr marL="285750" indent="-285750">
+              <a:buFontTx/>
+              <a:buChar char="-"/>
+            </a:pPr>
+            <a:endParaRPr lang="en-US" altLang="ko-KR" dirty="0">
               <a:solidFill>
                 <a:schemeClr val="tx1"/>
               </a:solidFill>
@@ -4179,18 +6155,56 @@
                   <a:schemeClr val="tx1"/>
                 </a:solidFill>
               </a:rPr>
-              <a:t> </a:t>
-            </a:r>
-            <a:r>
-              <a:rPr lang="en-US" altLang="ko-KR" dirty="0" smtClean="0">
+              <a:t> 1. </a:t>
+            </a:r>
+            <a:r>
+              <a:rPr lang="ko-KR" altLang="en-US" dirty="0">
                 <a:solidFill>
                   <a:schemeClr val="tx1"/>
                 </a:solidFill>
               </a:rPr>
-              <a:t>3. UI </a:t>
-            </a:r>
-            <a:r>
-              <a:rPr lang="ko-KR" altLang="en-US" dirty="0" err="1" smtClean="0">
+              <a:t>모델링</a:t>
+            </a:r>
+            <a:endParaRPr lang="en-US" altLang="ko-KR" dirty="0">
+              <a:solidFill>
+                <a:schemeClr val="tx1"/>
+              </a:solidFill>
+            </a:endParaRPr>
+          </a:p>
+          <a:p>
+            <a:r>
+              <a:rPr lang="en-US" altLang="ko-KR" dirty="0">
+                <a:solidFill>
+                  <a:schemeClr val="tx1"/>
+                </a:solidFill>
+              </a:rPr>
+              <a:t> 2. </a:t>
+            </a:r>
+            <a:r>
+              <a:rPr lang="ko-KR" altLang="en-US" dirty="0">
+                <a:solidFill>
+                  <a:schemeClr val="tx1"/>
+                </a:solidFill>
+              </a:rPr>
+              <a:t>애니메이션</a:t>
+            </a:r>
+            <a:endParaRPr lang="en-US" altLang="ko-KR" dirty="0">
+              <a:solidFill>
+                <a:schemeClr val="tx1"/>
+              </a:solidFill>
+            </a:endParaRPr>
+          </a:p>
+          <a:p>
+            <a:r>
+              <a:rPr lang="en-US" altLang="ko-KR" dirty="0">
+                <a:solidFill>
+                  <a:schemeClr val="tx1"/>
+                </a:solidFill>
+              </a:rPr>
+              <a:t> 3. UI </a:t>
+            </a:r>
+            <a:r>
+              <a:rPr lang="ko-KR" altLang="en-US" dirty="0" err="1">
                 <a:solidFill>
                   <a:schemeClr val="tx1"/>
                 </a:solidFill>
@@ -4215,17 +6229,10 @@
   <p:clrMapOvr>
     <a:masterClrMapping/>
   </p:clrMapOvr>
-  <p:timing>
-    <p:tnLst>
-      <p:par>
-        <p:cTn id="1" dur="indefinite" restart="never" nodeType="tmRoot"/>
-      </p:par>
-    </p:tnLst>
-  </p:timing>
 </p:sld>
 </file>
 
-<file path=ppt/slides/slide5.xml><?xml version="1.0" encoding="utf-8"?>
+<file path=ppt/slides/slide7.xml><?xml version="1.0" encoding="utf-8"?>
 <p:sld xmlns:a="http://schemas.openxmlformats.org/drawingml/2006/main" xmlns:r="http://schemas.openxmlformats.org/officeDocument/2006/relationships" xmlns:p="http://schemas.openxmlformats.org/presentationml/2006/main">
   <p:cSld>
     <p:spTree>
@@ -4259,10 +6266,9 @@
           <a:p>
             <a:pPr algn="l"/>
             <a:r>
-              <a:rPr lang="ko-KR" altLang="en-US" dirty="0" smtClean="0"/>
+              <a:rPr lang="ko-KR" altLang="en-US" dirty="0"/>
               <a:t>개발 과정</a:t>
             </a:r>
-            <a:endParaRPr lang="ko-KR" altLang="en-US" dirty="0"/>
           </a:p>
         </p:txBody>
       </p:sp>
@@ -4282,10 +6288,10 @@
           <a:lstStyle/>
           <a:p>
             <a:r>
-              <a:rPr lang="ko-KR" altLang="en-US" dirty="0" smtClean="0"/>
+              <a:rPr lang="ko-KR" altLang="en-US" dirty="0"/>
               <a:t>개발 현황</a:t>
             </a:r>
-            <a:endParaRPr lang="en-US" altLang="ko-KR" dirty="0" smtClean="0"/>
+            <a:endParaRPr lang="en-US" altLang="ko-KR" dirty="0"/>
           </a:p>
         </p:txBody>
       </p:sp>
@@ -4360,15 +6366,15 @@
           <a:lstStyle/>
           <a:p>
             <a:r>
-              <a:rPr lang="en-US" altLang="ko-KR" dirty="0" smtClean="0"/>
+              <a:rPr lang="en-US" altLang="ko-KR" dirty="0"/>
               <a:t>- </a:t>
             </a:r>
             <a:r>
-              <a:rPr lang="ko-KR" altLang="en-US" dirty="0" smtClean="0"/>
+              <a:rPr lang="ko-KR" altLang="en-US" dirty="0"/>
               <a:t>완성된 화면</a:t>
             </a:r>
             <a:r>
-              <a:rPr lang="en-US" altLang="ko-KR" dirty="0" smtClean="0"/>
+              <a:rPr lang="en-US" altLang="ko-KR" dirty="0"/>
               <a:t>(Unity)</a:t>
             </a:r>
             <a:endParaRPr lang="ko-KR" altLang="en-US" dirty="0"/>
@@ -4398,15 +6404,15 @@
           <a:lstStyle/>
           <a:p>
             <a:r>
-              <a:rPr lang="en-US" altLang="ko-KR" dirty="0" smtClean="0"/>
+              <a:rPr lang="en-US" altLang="ko-KR" dirty="0"/>
               <a:t>- </a:t>
             </a:r>
             <a:r>
-              <a:rPr lang="ko-KR" altLang="en-US" dirty="0" smtClean="0"/>
+              <a:rPr lang="ko-KR" altLang="en-US" dirty="0"/>
               <a:t>완성된 화면</a:t>
             </a:r>
             <a:r>
-              <a:rPr lang="en-US" altLang="ko-KR" dirty="0" smtClean="0"/>
+              <a:rPr lang="en-US" altLang="ko-KR" dirty="0"/>
               <a:t>(Script)</a:t>
             </a:r>
             <a:endParaRPr lang="ko-KR" altLang="en-US" dirty="0"/>
@@ -4423,17 +6429,10 @@
   <p:clrMapOvr>
     <a:masterClrMapping/>
   </p:clrMapOvr>
-  <p:timing>
-    <p:tnLst>
-      <p:par>
-        <p:cTn id="1" dur="indefinite" restart="never" nodeType="tmRoot"/>
-      </p:par>
-    </p:tnLst>
-  </p:timing>
 </p:sld>
 </file>
 
-<file path=ppt/slides/slide6.xml><?xml version="1.0" encoding="utf-8"?>
+<file path=ppt/slides/slide8.xml><?xml version="1.0" encoding="utf-8"?>
 <p:sld xmlns:a="http://schemas.openxmlformats.org/drawingml/2006/main" xmlns:r="http://schemas.openxmlformats.org/officeDocument/2006/relationships" xmlns:p="http://schemas.openxmlformats.org/presentationml/2006/main">
   <p:cSld>
     <p:spTree>
@@ -4467,10 +6466,9 @@
           <a:p>
             <a:pPr algn="l"/>
             <a:r>
-              <a:rPr lang="ko-KR" altLang="en-US" dirty="0" smtClean="0"/>
+              <a:rPr lang="ko-KR" altLang="en-US" dirty="0"/>
               <a:t>개발 과정</a:t>
             </a:r>
-            <a:endParaRPr lang="ko-KR" altLang="en-US" dirty="0"/>
           </a:p>
         </p:txBody>
       </p:sp>
@@ -4490,46 +6488,46 @@
           <a:lstStyle/>
           <a:p>
             <a:r>
-              <a:rPr lang="ko-KR" altLang="en-US" dirty="0" smtClean="0"/>
+              <a:rPr lang="ko-KR" altLang="en-US" dirty="0"/>
               <a:t>개발 예정</a:t>
             </a:r>
-            <a:endParaRPr lang="en-US" altLang="ko-KR" dirty="0" smtClean="0"/>
+            <a:endParaRPr lang="en-US" altLang="ko-KR" dirty="0"/>
           </a:p>
           <a:p>
             <a:pPr marL="0" indent="0">
               <a:buNone/>
             </a:pPr>
             <a:r>
-              <a:rPr lang="en-US" altLang="ko-KR" dirty="0" smtClean="0"/>
+              <a:rPr lang="en-US" altLang="ko-KR" dirty="0"/>
               <a:t> 1. </a:t>
             </a:r>
             <a:r>
-              <a:rPr lang="ko-KR" altLang="en-US" dirty="0" smtClean="0"/>
+              <a:rPr lang="ko-KR" altLang="en-US" dirty="0"/>
               <a:t>스킬</a:t>
             </a:r>
-            <a:endParaRPr lang="en-US" altLang="ko-KR" dirty="0" smtClean="0"/>
+            <a:endParaRPr lang="en-US" altLang="ko-KR" dirty="0"/>
           </a:p>
           <a:p>
             <a:pPr marL="0" indent="0">
               <a:buNone/>
             </a:pPr>
             <a:r>
-              <a:rPr lang="en-US" altLang="ko-KR" sz="2400" dirty="0" smtClean="0"/>
+              <a:rPr lang="en-US" altLang="ko-KR" sz="2400" dirty="0"/>
               <a:t>    - </a:t>
             </a:r>
             <a:r>
-              <a:rPr lang="ko-KR" altLang="en-US" sz="2400" dirty="0" smtClean="0"/>
+              <a:rPr lang="ko-KR" altLang="en-US" sz="2400" dirty="0"/>
               <a:t>총</a:t>
             </a:r>
             <a:r>
-              <a:rPr lang="en-US" altLang="ko-KR" sz="2400" dirty="0" smtClean="0"/>
-              <a:t> 3</a:t>
-            </a:r>
-            <a:r>
-              <a:rPr lang="ko-KR" altLang="en-US" sz="2400" dirty="0" smtClean="0"/>
+              <a:rPr lang="en-US" altLang="ko-KR" sz="2400" dirty="0"/>
+              <a:t> 4</a:t>
+            </a:r>
+            <a:r>
+              <a:rPr lang="ko-KR" altLang="en-US" sz="2400" dirty="0"/>
               <a:t>개의 스킬 추가 예정</a:t>
             </a:r>
-            <a:endParaRPr lang="en-US" altLang="ko-KR" sz="2400" dirty="0" smtClean="0"/>
+            <a:endParaRPr lang="en-US" altLang="ko-KR" sz="2400" dirty="0"/>
           </a:p>
           <a:p>
             <a:pPr marL="0" indent="0">
@@ -4537,11 +6535,7 @@
             </a:pPr>
             <a:r>
               <a:rPr lang="en-US" altLang="ko-KR" sz="2400" dirty="0"/>
-              <a:t> </a:t>
-            </a:r>
-            <a:r>
-              <a:rPr lang="en-US" altLang="ko-KR" sz="2400" dirty="0" smtClean="0"/>
-              <a:t>   </a:t>
+              <a:t>    </a:t>
             </a:r>
           </a:p>
         </p:txBody>
@@ -4651,10 +6645,10 @@
           <a:lstStyle/>
           <a:p>
             <a:r>
-              <a:rPr lang="ko-KR" altLang="en-US" dirty="0" smtClean="0"/>
+              <a:rPr lang="ko-KR" altLang="en-US" dirty="0"/>
               <a:t>미사일 발사</a:t>
             </a:r>
-            <a:endParaRPr lang="en-US" altLang="ko-KR" dirty="0" smtClean="0"/>
+            <a:endParaRPr lang="en-US" altLang="ko-KR" dirty="0"/>
           </a:p>
           <a:p>
             <a:pPr marL="285750" indent="-285750">
@@ -4662,10 +6656,10 @@
               <a:buChar char="-"/>
             </a:pPr>
             <a:r>
-              <a:rPr lang="ko-KR" altLang="en-US" dirty="0" smtClean="0"/>
+              <a:rPr lang="ko-KR" altLang="en-US" dirty="0"/>
               <a:t>플레이어가 보는 방향으로 미사일 발사</a:t>
             </a:r>
-            <a:endParaRPr lang="en-US" altLang="ko-KR" dirty="0" smtClean="0"/>
+            <a:endParaRPr lang="en-US" altLang="ko-KR" dirty="0"/>
           </a:p>
           <a:p>
             <a:pPr marL="285750" indent="-285750">
@@ -4673,10 +6667,10 @@
               <a:buChar char="-"/>
             </a:pPr>
             <a:r>
-              <a:rPr lang="ko-KR" altLang="en-US" dirty="0" smtClean="0"/>
+              <a:rPr lang="ko-KR" altLang="en-US" dirty="0"/>
               <a:t>적이나 벽에 부딪힐 시 폭발</a:t>
             </a:r>
-            <a:endParaRPr lang="en-US" altLang="ko-KR" dirty="0" smtClean="0"/>
+            <a:endParaRPr lang="en-US" altLang="ko-KR" dirty="0"/>
           </a:p>
           <a:p>
             <a:pPr marL="285750" indent="-285750">
@@ -4684,18 +6678,17 @@
               <a:buChar char="-"/>
             </a:pPr>
             <a:r>
-              <a:rPr lang="ko-KR" altLang="en-US" dirty="0" smtClean="0"/>
+              <a:rPr lang="ko-KR" altLang="en-US" dirty="0"/>
               <a:t>키보드 </a:t>
             </a:r>
             <a:r>
-              <a:rPr lang="en-US" altLang="ko-KR" dirty="0" smtClean="0"/>
+              <a:rPr lang="en-US" altLang="ko-KR" dirty="0"/>
               <a:t>‘Q’</a:t>
             </a:r>
             <a:r>
-              <a:rPr lang="ko-KR" altLang="en-US" dirty="0" smtClean="0"/>
+              <a:rPr lang="ko-KR" altLang="en-US" dirty="0"/>
               <a:t>에 매핑할 예정</a:t>
             </a:r>
-            <a:endParaRPr lang="ko-KR" altLang="en-US" dirty="0"/>
           </a:p>
         </p:txBody>
       </p:sp>
@@ -4722,40 +6715,39 @@
           <a:lstStyle/>
           <a:p>
             <a:r>
-              <a:rPr lang="ko-KR" altLang="en-US" dirty="0" smtClean="0"/>
+              <a:rPr lang="ko-KR" altLang="en-US" dirty="0"/>
               <a:t>수류탄 투척</a:t>
             </a:r>
-            <a:endParaRPr lang="en-US" altLang="ko-KR" dirty="0" smtClean="0"/>
-          </a:p>
-          <a:p>
-            <a:r>
-              <a:rPr lang="en-US" altLang="ko-KR" dirty="0" smtClean="0"/>
+            <a:endParaRPr lang="en-US" altLang="ko-KR" dirty="0"/>
+          </a:p>
+          <a:p>
+            <a:r>
+              <a:rPr lang="en-US" altLang="ko-KR" dirty="0"/>
               <a:t>- </a:t>
             </a:r>
             <a:r>
-              <a:rPr lang="ko-KR" altLang="en-US" dirty="0" smtClean="0"/>
+              <a:rPr lang="ko-KR" altLang="en-US" dirty="0"/>
               <a:t>강의에 있던 내용을 재활용</a:t>
             </a:r>
-            <a:endParaRPr lang="en-US" altLang="ko-KR" dirty="0" smtClean="0"/>
-          </a:p>
-          <a:p>
-            <a:r>
-              <a:rPr lang="en-US" altLang="ko-KR" dirty="0" smtClean="0"/>
+            <a:endParaRPr lang="en-US" altLang="ko-KR" dirty="0"/>
+          </a:p>
+          <a:p>
+            <a:r>
+              <a:rPr lang="en-US" altLang="ko-KR" dirty="0"/>
               <a:t>- </a:t>
             </a:r>
             <a:r>
-              <a:rPr lang="ko-KR" altLang="en-US" dirty="0" smtClean="0"/>
+              <a:rPr lang="ko-KR" altLang="en-US" dirty="0"/>
               <a:t>마우스 </a:t>
             </a:r>
             <a:r>
-              <a:rPr lang="ko-KR" altLang="en-US" dirty="0" err="1" smtClean="0"/>
+              <a:rPr lang="ko-KR" altLang="en-US" dirty="0" err="1"/>
               <a:t>우클릭으로</a:t>
             </a:r>
             <a:r>
-              <a:rPr lang="ko-KR" altLang="en-US" dirty="0" smtClean="0"/>
+              <a:rPr lang="ko-KR" altLang="en-US" dirty="0"/>
               <a:t> 투척</a:t>
             </a:r>
-            <a:endParaRPr lang="ko-KR" altLang="en-US" dirty="0"/>
           </a:p>
         </p:txBody>
       </p:sp>
@@ -4769,17 +6761,10 @@
   <p:clrMapOvr>
     <a:masterClrMapping/>
   </p:clrMapOvr>
-  <p:timing>
-    <p:tnLst>
-      <p:par>
-        <p:cTn id="1" dur="indefinite" restart="never" nodeType="tmRoot"/>
-      </p:par>
-    </p:tnLst>
-  </p:timing>
 </p:sld>
 </file>
 
-<file path=ppt/slides/slide7.xml><?xml version="1.0" encoding="utf-8"?>
+<file path=ppt/slides/slide9.xml><?xml version="1.0" encoding="utf-8"?>
 <p:sld xmlns:a="http://schemas.openxmlformats.org/drawingml/2006/main" xmlns:r="http://schemas.openxmlformats.org/officeDocument/2006/relationships" xmlns:p="http://schemas.openxmlformats.org/presentationml/2006/main">
   <p:cSld>
     <p:spTree>
@@ -4813,10 +6798,9 @@
           <a:p>
             <a:pPr algn="l"/>
             <a:r>
-              <a:rPr lang="ko-KR" altLang="en-US" dirty="0" smtClean="0"/>
+              <a:rPr lang="ko-KR" altLang="en-US" dirty="0"/>
               <a:t>개발 과정</a:t>
             </a:r>
-            <a:endParaRPr lang="ko-KR" altLang="en-US" dirty="0"/>
           </a:p>
         </p:txBody>
       </p:sp>
@@ -4836,31 +6820,31 @@
           <a:lstStyle/>
           <a:p>
             <a:r>
-              <a:rPr lang="ko-KR" altLang="en-US" dirty="0" smtClean="0"/>
+              <a:rPr lang="ko-KR" altLang="en-US" dirty="0"/>
               <a:t>개발 예정</a:t>
             </a:r>
-            <a:endParaRPr lang="en-US" altLang="ko-KR" dirty="0" smtClean="0"/>
+            <a:endParaRPr lang="en-US" altLang="ko-KR" dirty="0"/>
           </a:p>
           <a:p>
             <a:pPr marL="0" indent="0">
               <a:buNone/>
             </a:pPr>
             <a:r>
-              <a:rPr lang="en-US" altLang="ko-KR" dirty="0" smtClean="0"/>
+              <a:rPr lang="en-US" altLang="ko-KR" dirty="0"/>
               <a:t> 1. </a:t>
             </a:r>
             <a:r>
-              <a:rPr lang="ko-KR" altLang="en-US" dirty="0" smtClean="0"/>
+              <a:rPr lang="ko-KR" altLang="en-US" dirty="0"/>
               <a:t>스킬</a:t>
             </a:r>
-            <a:endParaRPr lang="en-US" altLang="ko-KR" dirty="0" smtClean="0"/>
+            <a:endParaRPr lang="en-US" altLang="ko-KR" dirty="0"/>
           </a:p>
           <a:p>
             <a:pPr marL="0" indent="0">
               <a:buNone/>
             </a:pPr>
             <a:r>
-              <a:rPr lang="en-US" altLang="ko-KR" sz="2400" dirty="0" smtClean="0"/>
+              <a:rPr lang="en-US" altLang="ko-KR" sz="2400" dirty="0"/>
               <a:t>    </a:t>
             </a:r>
           </a:p>
@@ -4930,63 +6914,63 @@
           <a:lstStyle/>
           <a:p>
             <a:r>
-              <a:rPr lang="ko-KR" altLang="en-US" dirty="0" err="1" smtClean="0"/>
+              <a:rPr lang="ko-KR" altLang="en-US" dirty="0" err="1"/>
               <a:t>전탄</a:t>
             </a:r>
             <a:r>
-              <a:rPr lang="ko-KR" altLang="en-US" dirty="0" smtClean="0"/>
+              <a:rPr lang="ko-KR" altLang="en-US" dirty="0"/>
               <a:t> 발사</a:t>
             </a:r>
-            <a:endParaRPr lang="en-US" altLang="ko-KR" dirty="0" smtClean="0"/>
-          </a:p>
-          <a:p>
-            <a:r>
-              <a:rPr lang="en-US" altLang="ko-KR" dirty="0" smtClean="0"/>
+            <a:endParaRPr lang="en-US" altLang="ko-KR" dirty="0"/>
+          </a:p>
+          <a:p>
+            <a:r>
+              <a:rPr lang="en-US" altLang="ko-KR" dirty="0"/>
               <a:t>- </a:t>
             </a:r>
             <a:r>
-              <a:rPr lang="ko-KR" altLang="en-US" dirty="0" smtClean="0"/>
+              <a:rPr lang="ko-KR" altLang="en-US" dirty="0"/>
               <a:t>플레이어가 보는 방향으로 많은 탄을 발사</a:t>
             </a:r>
-            <a:endParaRPr lang="en-US" altLang="ko-KR" dirty="0" smtClean="0"/>
-          </a:p>
-          <a:p>
-            <a:r>
-              <a:rPr lang="en-US" altLang="ko-KR" dirty="0" smtClean="0"/>
+            <a:endParaRPr lang="en-US" altLang="ko-KR" dirty="0"/>
+          </a:p>
+          <a:p>
+            <a:r>
+              <a:rPr lang="en-US" altLang="ko-KR" dirty="0"/>
               <a:t>- </a:t>
             </a:r>
             <a:r>
-              <a:rPr lang="ko-KR" altLang="en-US" dirty="0" smtClean="0"/>
+              <a:rPr lang="ko-KR" altLang="en-US" dirty="0"/>
               <a:t>추가 </a:t>
             </a:r>
             <a:r>
-              <a:rPr lang="ko-KR" altLang="en-US" dirty="0" err="1" smtClean="0"/>
+              <a:rPr lang="ko-KR" altLang="en-US" dirty="0" err="1"/>
               <a:t>에셋을</a:t>
             </a:r>
             <a:r>
-              <a:rPr lang="ko-KR" altLang="en-US" dirty="0" smtClean="0"/>
+              <a:rPr lang="ko-KR" altLang="en-US" dirty="0"/>
               <a:t> 이용해 총기를 더할 예정</a:t>
             </a:r>
-            <a:endParaRPr lang="en-US" altLang="ko-KR" dirty="0" smtClean="0"/>
-          </a:p>
-          <a:p>
-            <a:r>
-              <a:rPr lang="en-US" altLang="ko-KR" dirty="0" smtClean="0"/>
+            <a:endParaRPr lang="en-US" altLang="ko-KR" dirty="0"/>
+          </a:p>
+          <a:p>
+            <a:r>
+              <a:rPr lang="en-US" altLang="ko-KR" dirty="0"/>
               <a:t>- </a:t>
             </a:r>
             <a:r>
-              <a:rPr lang="ko-KR" altLang="en-US" dirty="0" smtClean="0"/>
+              <a:rPr lang="ko-KR" altLang="en-US" dirty="0"/>
               <a:t>키보드 </a:t>
             </a:r>
             <a:r>
-              <a:rPr lang="en-US" altLang="ko-KR" dirty="0" smtClean="0"/>
+              <a:rPr lang="en-US" altLang="ko-KR" dirty="0"/>
               <a:t>‘E’</a:t>
             </a:r>
             <a:r>
-              <a:rPr lang="ko-KR" altLang="en-US" dirty="0" smtClean="0"/>
+              <a:rPr lang="ko-KR" altLang="en-US" dirty="0"/>
               <a:t>에 매핑 예정</a:t>
             </a:r>
-            <a:endParaRPr lang="en-US" altLang="ko-KR" dirty="0" smtClean="0"/>
+            <a:endParaRPr lang="en-US" altLang="ko-KR" dirty="0"/>
           </a:p>
         </p:txBody>
       </p:sp>
@@ -5067,7 +7051,7 @@
           <a:lstStyle/>
           <a:p>
             <a:r>
-              <a:rPr lang="en-US" altLang="ko-KR" dirty="0" smtClean="0">
+              <a:rPr lang="en-US" altLang="ko-KR" dirty="0">
                 <a:solidFill>
                   <a:schemeClr val="tx1"/>
                 </a:solidFill>
@@ -5075,7 +7059,7 @@
               <a:t>- 3</a:t>
             </a:r>
             <a:r>
-              <a:rPr lang="ko-KR" altLang="en-US" dirty="0" smtClean="0">
+              <a:rPr lang="ko-KR" altLang="en-US" dirty="0">
                 <a:solidFill>
                   <a:schemeClr val="tx1"/>
                 </a:solidFill>
@@ -5083,7 +7067,7 @@
               <a:t>가지 스킬은 새로운 </a:t>
             </a:r>
             <a:r>
-              <a:rPr lang="ko-KR" altLang="en-US" dirty="0" err="1" smtClean="0">
+              <a:rPr lang="ko-KR" altLang="en-US" dirty="0" err="1">
                 <a:solidFill>
                   <a:schemeClr val="tx1"/>
                 </a:solidFill>
@@ -5091,7 +7075,7 @@
               <a:t>에셋과</a:t>
             </a:r>
             <a:r>
-              <a:rPr lang="ko-KR" altLang="en-US" dirty="0" smtClean="0">
+              <a:rPr lang="ko-KR" altLang="en-US" dirty="0">
                 <a:solidFill>
                   <a:schemeClr val="tx1"/>
                 </a:solidFill>
@@ -5099,7 +7083,7 @@
               <a:t> </a:t>
             </a:r>
             <a:r>
-              <a:rPr lang="en-US" altLang="ko-KR" dirty="0" smtClean="0">
+              <a:rPr lang="en-US" altLang="ko-KR" dirty="0">
                 <a:solidFill>
                   <a:schemeClr val="tx1"/>
                 </a:solidFill>
@@ -5107,14 +7091,14 @@
               <a:t>UI</a:t>
             </a:r>
             <a:r>
-              <a:rPr lang="ko-KR" altLang="en-US" dirty="0" smtClean="0">
+              <a:rPr lang="ko-KR" altLang="en-US" dirty="0">
                 <a:solidFill>
                   <a:schemeClr val="tx1"/>
                 </a:solidFill>
               </a:rPr>
               <a:t>를 찾아 만들 예정</a:t>
             </a:r>
-            <a:endParaRPr lang="en-US" altLang="ko-KR" dirty="0" smtClean="0">
+            <a:endParaRPr lang="en-US" altLang="ko-KR" dirty="0">
               <a:solidFill>
                 <a:schemeClr val="tx1"/>
               </a:solidFill>
@@ -5133,7 +7117,7 @@
           </a:p>
           <a:p>
             <a:r>
-              <a:rPr lang="en-US" altLang="ko-KR" dirty="0" smtClean="0">
+              <a:rPr lang="en-US" altLang="ko-KR" dirty="0">
                 <a:solidFill>
                   <a:schemeClr val="tx1"/>
                 </a:solidFill>
@@ -5141,7 +7125,7 @@
               <a:t>- </a:t>
             </a:r>
             <a:r>
-              <a:rPr lang="ko-KR" altLang="en-US" dirty="0" smtClean="0">
+              <a:rPr lang="ko-KR" altLang="en-US" dirty="0">
                 <a:solidFill>
                   <a:schemeClr val="tx1"/>
                 </a:solidFill>
@@ -5149,7 +7133,7 @@
               <a:t>스킬 해금과 </a:t>
             </a:r>
             <a:r>
-              <a:rPr lang="ko-KR" altLang="en-US" dirty="0" err="1" smtClean="0">
+              <a:rPr lang="ko-KR" altLang="en-US" dirty="0" err="1">
                 <a:solidFill>
                   <a:schemeClr val="tx1"/>
                 </a:solidFill>
@@ -5157,14 +7141,14 @@
               <a:t>쿨타임</a:t>
             </a:r>
             <a:r>
-              <a:rPr lang="ko-KR" altLang="en-US" dirty="0" smtClean="0">
+              <a:rPr lang="ko-KR" altLang="en-US" dirty="0">
                 <a:solidFill>
                   <a:schemeClr val="tx1"/>
                 </a:solidFill>
               </a:rPr>
               <a:t> 등 </a:t>
             </a:r>
-            <a:endParaRPr lang="en-US" altLang="ko-KR" dirty="0" smtClean="0">
+            <a:endParaRPr lang="en-US" altLang="ko-KR" dirty="0">
               <a:solidFill>
                 <a:schemeClr val="tx1"/>
               </a:solidFill>
@@ -5172,7 +7156,7 @@
           </a:p>
           <a:p>
             <a:r>
-              <a:rPr lang="ko-KR" altLang="en-US" dirty="0" err="1" smtClean="0">
+              <a:rPr lang="ko-KR" altLang="en-US" dirty="0" err="1">
                 <a:solidFill>
                   <a:schemeClr val="tx1"/>
                 </a:solidFill>
@@ -5180,14 +7164,14 @@
               <a:t>로직</a:t>
             </a:r>
             <a:r>
-              <a:rPr lang="ko-KR" altLang="en-US" dirty="0" smtClean="0">
+              <a:rPr lang="ko-KR" altLang="en-US" dirty="0">
                 <a:solidFill>
                   <a:schemeClr val="tx1"/>
                 </a:solidFill>
               </a:rPr>
               <a:t> 구현은 스크립트로 할 예정</a:t>
             </a:r>
-            <a:endParaRPr lang="en-US" altLang="ko-KR" dirty="0" smtClean="0">
+            <a:endParaRPr lang="en-US" altLang="ko-KR" dirty="0">
               <a:solidFill>
                 <a:schemeClr val="tx1"/>
               </a:solidFill>
@@ -5205,921 +7189,6 @@
   <p:clrMapOvr>
     <a:masterClrMapping/>
   </p:clrMapOvr>
-  <p:timing>
-    <p:tnLst>
-      <p:par>
-        <p:cTn id="1" dur="indefinite" restart="never" nodeType="tmRoot"/>
-      </p:par>
-    </p:tnLst>
-  </p:timing>
-</p:sld>
-</file>
-
-<file path=ppt/slides/slide8.xml><?xml version="1.0" encoding="utf-8"?>
-<p:sld xmlns:a="http://schemas.openxmlformats.org/drawingml/2006/main" xmlns:r="http://schemas.openxmlformats.org/officeDocument/2006/relationships" xmlns:p="http://schemas.openxmlformats.org/presentationml/2006/main">
-  <p:cSld>
-    <p:spTree>
-      <p:nvGrpSpPr>
-        <p:cNvPr id="1" name=""/>
-        <p:cNvGrpSpPr/>
-        <p:nvPr/>
-      </p:nvGrpSpPr>
-      <p:grpSpPr>
-        <a:xfrm>
-          <a:off x="0" y="0"/>
-          <a:ext cx="0" cy="0"/>
-          <a:chOff x="0" y="0"/>
-          <a:chExt cx="0" cy="0"/>
-        </a:xfrm>
-      </p:grpSpPr>
-      <p:sp>
-        <p:nvSpPr>
-          <p:cNvPr id="2" name="제목 1"/>
-          <p:cNvSpPr>
-            <a:spLocks noGrp="1"/>
-          </p:cNvSpPr>
-          <p:nvPr>
-            <p:ph type="title"/>
-          </p:nvPr>
-        </p:nvSpPr>
-        <p:spPr/>
-        <p:txBody>
-          <a:bodyPr/>
-          <a:lstStyle/>
-          <a:p>
-            <a:pPr algn="l"/>
-            <a:r>
-              <a:rPr lang="ko-KR" altLang="en-US" dirty="0" smtClean="0"/>
-              <a:t>개발 과정</a:t>
-            </a:r>
-            <a:endParaRPr lang="ko-KR" altLang="en-US" dirty="0"/>
-          </a:p>
-        </p:txBody>
-      </p:sp>
-      <p:sp>
-        <p:nvSpPr>
-          <p:cNvPr id="3" name="내용 개체 틀 2"/>
-          <p:cNvSpPr>
-            <a:spLocks noGrp="1"/>
-          </p:cNvSpPr>
-          <p:nvPr>
-            <p:ph idx="1"/>
-          </p:nvPr>
-        </p:nvSpPr>
-        <p:spPr/>
-        <p:txBody>
-          <a:bodyPr>
-            <a:normAutofit/>
-          </a:bodyPr>
-          <a:lstStyle/>
-          <a:p>
-            <a:r>
-              <a:rPr lang="ko-KR" altLang="en-US" dirty="0" smtClean="0"/>
-              <a:t>개발 예정</a:t>
-            </a:r>
-            <a:endParaRPr lang="en-US" altLang="ko-KR" dirty="0" smtClean="0"/>
-          </a:p>
-          <a:p>
-            <a:pPr marL="0" indent="0">
-              <a:buNone/>
-            </a:pPr>
-            <a:r>
-              <a:rPr lang="en-US" altLang="ko-KR" dirty="0" smtClean="0"/>
-              <a:t>2. </a:t>
-            </a:r>
-            <a:r>
-              <a:rPr lang="ko-KR" altLang="en-US" dirty="0" smtClean="0"/>
-              <a:t>성장 요소</a:t>
-            </a:r>
-            <a:endParaRPr lang="en-US" altLang="ko-KR" dirty="0" smtClean="0"/>
-          </a:p>
-          <a:p>
-            <a:pPr marL="0" indent="0">
-              <a:buNone/>
-            </a:pPr>
-            <a:r>
-              <a:rPr lang="en-US" altLang="ko-KR" dirty="0" smtClean="0"/>
-              <a:t>    - </a:t>
-            </a:r>
-            <a:r>
-              <a:rPr lang="ko-KR" altLang="en-US" dirty="0" smtClean="0"/>
-              <a:t>레벨</a:t>
-            </a:r>
-            <a:endParaRPr lang="en-US" altLang="ko-KR" dirty="0" smtClean="0"/>
-          </a:p>
-          <a:p>
-            <a:pPr marL="0" indent="0">
-              <a:buNone/>
-            </a:pPr>
-            <a:endParaRPr lang="en-US" altLang="ko-KR" dirty="0" smtClean="0"/>
-          </a:p>
-          <a:p>
-            <a:pPr marL="0" indent="0">
-              <a:buNone/>
-            </a:pPr>
-            <a:r>
-              <a:rPr lang="en-US" altLang="ko-KR" dirty="0"/>
-              <a:t> </a:t>
-            </a:r>
-            <a:r>
-              <a:rPr lang="en-US" altLang="ko-KR" dirty="0" smtClean="0"/>
-              <a:t>  </a:t>
-            </a:r>
-          </a:p>
-          <a:p>
-            <a:pPr marL="0" indent="0">
-              <a:buNone/>
-            </a:pPr>
-            <a:endParaRPr lang="en-US" altLang="ko-KR" dirty="0"/>
-          </a:p>
-          <a:p>
-            <a:pPr marL="0" indent="0">
-              <a:buNone/>
-            </a:pPr>
-            <a:endParaRPr lang="en-US" altLang="ko-KR" dirty="0" smtClean="0"/>
-          </a:p>
-          <a:p>
-            <a:pPr marL="0" indent="0">
-              <a:buNone/>
-            </a:pPr>
-            <a:r>
-              <a:rPr lang="en-US" altLang="ko-KR" dirty="0" smtClean="0"/>
-              <a:t> </a:t>
-            </a:r>
-            <a:r>
-              <a:rPr lang="ko-KR" altLang="en-US" dirty="0" smtClean="0"/>
-              <a:t> </a:t>
-            </a:r>
-            <a:endParaRPr lang="en-US" altLang="ko-KR" dirty="0" smtClean="0"/>
-          </a:p>
-        </p:txBody>
-      </p:sp>
-      <p:pic>
-        <p:nvPicPr>
-          <p:cNvPr id="4" name="그림 3"/>
-          <p:cNvPicPr>
-            <a:picLocks noChangeAspect="1"/>
-          </p:cNvPicPr>
-          <p:nvPr/>
-        </p:nvPicPr>
-        <p:blipFill>
-          <a:blip r:embed="rId2"/>
-          <a:stretch>
-            <a:fillRect/>
-          </a:stretch>
-        </p:blipFill>
-        <p:spPr>
-          <a:xfrm>
-            <a:off x="995362" y="3263540"/>
-            <a:ext cx="2858808" cy="1793762"/>
-          </a:xfrm>
-          <a:prstGeom prst="rect">
-            <a:avLst/>
-          </a:prstGeom>
-        </p:spPr>
-      </p:pic>
-      <p:sp>
-        <p:nvSpPr>
-          <p:cNvPr id="5" name="TextBox 4"/>
-          <p:cNvSpPr txBox="1"/>
-          <p:nvPr/>
-        </p:nvSpPr>
-        <p:spPr>
-          <a:xfrm>
-            <a:off x="774700" y="5127808"/>
-            <a:ext cx="4711700" cy="1200329"/>
-          </a:xfrm>
-          <a:prstGeom prst="rect">
-            <a:avLst/>
-          </a:prstGeom>
-          <a:noFill/>
-        </p:spPr>
-        <p:txBody>
-          <a:bodyPr wrap="square" rtlCol="0">
-            <a:spAutoFit/>
-          </a:bodyPr>
-          <a:lstStyle/>
-          <a:p>
-            <a:r>
-              <a:rPr lang="ko-KR" altLang="en-US" dirty="0" err="1" smtClean="0"/>
-              <a:t>레벨업</a:t>
-            </a:r>
-            <a:r>
-              <a:rPr lang="ko-KR" altLang="en-US" dirty="0" smtClean="0"/>
-              <a:t> 시스템</a:t>
-            </a:r>
-            <a:endParaRPr lang="en-US" altLang="ko-KR" dirty="0" smtClean="0"/>
-          </a:p>
-          <a:p>
-            <a:r>
-              <a:rPr lang="en-US" altLang="ko-KR" dirty="0"/>
-              <a:t> </a:t>
-            </a:r>
-            <a:r>
-              <a:rPr lang="en-US" altLang="ko-KR" dirty="0" smtClean="0"/>
-              <a:t>- </a:t>
-            </a:r>
-            <a:r>
-              <a:rPr lang="ko-KR" altLang="en-US" dirty="0" smtClean="0"/>
-              <a:t>적을 처치할 시 경험치를 획득해 </a:t>
-            </a:r>
-            <a:r>
-              <a:rPr lang="ko-KR" altLang="en-US" dirty="0" err="1" smtClean="0"/>
-              <a:t>레벨업</a:t>
-            </a:r>
-            <a:endParaRPr lang="en-US" altLang="ko-KR" dirty="0" smtClean="0"/>
-          </a:p>
-          <a:p>
-            <a:r>
-              <a:rPr lang="en-US" altLang="ko-KR" dirty="0"/>
-              <a:t> </a:t>
-            </a:r>
-            <a:r>
-              <a:rPr lang="en-US" altLang="ko-KR" dirty="0" smtClean="0"/>
-              <a:t>- </a:t>
-            </a:r>
-            <a:r>
-              <a:rPr lang="ko-KR" altLang="en-US" dirty="0" err="1" smtClean="0"/>
-              <a:t>레벨업</a:t>
-            </a:r>
-            <a:r>
-              <a:rPr lang="ko-KR" altLang="en-US" dirty="0" smtClean="0"/>
-              <a:t> 시 </a:t>
-            </a:r>
-            <a:r>
-              <a:rPr lang="en-US" altLang="ko-KR" dirty="0" smtClean="0"/>
-              <a:t>‘</a:t>
-            </a:r>
-            <a:r>
-              <a:rPr lang="ko-KR" altLang="en-US" dirty="0" err="1" smtClean="0"/>
-              <a:t>스탯</a:t>
-            </a:r>
-            <a:r>
-              <a:rPr lang="en-US" altLang="ko-KR" dirty="0" smtClean="0"/>
-              <a:t>’</a:t>
-            </a:r>
-            <a:r>
-              <a:rPr lang="ko-KR" altLang="en-US" dirty="0" smtClean="0"/>
-              <a:t>을 분배 할 수 있음</a:t>
-            </a:r>
-            <a:endParaRPr lang="en-US" altLang="ko-KR" dirty="0" smtClean="0"/>
-          </a:p>
-          <a:p>
-            <a:r>
-              <a:rPr lang="en-US" altLang="ko-KR" dirty="0"/>
-              <a:t> </a:t>
-            </a:r>
-            <a:r>
-              <a:rPr lang="en-US" altLang="ko-KR" dirty="0" smtClean="0"/>
-              <a:t>- ‘</a:t>
-            </a:r>
-            <a:r>
-              <a:rPr lang="ko-KR" altLang="en-US" dirty="0" err="1" smtClean="0"/>
-              <a:t>스탯</a:t>
-            </a:r>
-            <a:r>
-              <a:rPr lang="en-US" altLang="ko-KR" dirty="0" smtClean="0"/>
-              <a:t>’</a:t>
-            </a:r>
-            <a:r>
-              <a:rPr lang="ko-KR" altLang="en-US" dirty="0" smtClean="0"/>
-              <a:t>은 체력</a:t>
-            </a:r>
-            <a:r>
-              <a:rPr lang="en-US" altLang="ko-KR" dirty="0" smtClean="0"/>
-              <a:t>, </a:t>
-            </a:r>
-            <a:r>
-              <a:rPr lang="ko-KR" altLang="en-US" dirty="0" smtClean="0"/>
-              <a:t>근접</a:t>
-            </a:r>
-            <a:r>
-              <a:rPr lang="en-US" altLang="ko-KR" dirty="0" smtClean="0"/>
-              <a:t>, </a:t>
-            </a:r>
-            <a:r>
-              <a:rPr lang="ko-KR" altLang="en-US" dirty="0" smtClean="0"/>
-              <a:t>원거리 공격력 </a:t>
-            </a:r>
-            <a:r>
-              <a:rPr lang="en-US" altLang="ko-KR" dirty="0" smtClean="0"/>
-              <a:t>3</a:t>
-            </a:r>
-            <a:r>
-              <a:rPr lang="ko-KR" altLang="en-US" dirty="0" smtClean="0"/>
-              <a:t>가지</a:t>
-            </a:r>
-            <a:r>
-              <a:rPr lang="en-US" altLang="ko-KR" dirty="0" smtClean="0"/>
-              <a:t> </a:t>
-            </a:r>
-          </a:p>
-        </p:txBody>
-      </p:sp>
-      <p:pic>
-        <p:nvPicPr>
-          <p:cNvPr id="6" name="Picture 2" descr="File:Arrow east.svg - Wikimedia Commons"/>
-          <p:cNvPicPr>
-            <a:picLocks noChangeAspect="1" noChangeArrowheads="1"/>
-          </p:cNvPicPr>
-          <p:nvPr/>
-        </p:nvPicPr>
-        <p:blipFill>
-          <a:blip r:embed="rId3" cstate="print">
-            <a:extLst>
-              <a:ext uri="{28A0092B-C50C-407E-A947-70E740481C1C}">
-                <a14:useLocalDpi xmlns:a14="http://schemas.microsoft.com/office/drawing/2010/main" val="0"/>
-              </a:ext>
-            </a:extLst>
-          </a:blip>
-          <a:srcRect/>
-          <a:stretch>
-            <a:fillRect/>
-          </a:stretch>
-        </p:blipFill>
-        <p:spPr bwMode="auto">
-          <a:xfrm>
-            <a:off x="4817759" y="3760787"/>
-            <a:ext cx="1110233" cy="449263"/>
-          </a:xfrm>
-          <a:prstGeom prst="rect">
-            <a:avLst/>
-          </a:prstGeom>
-          <a:noFill/>
-          <a:extLst>
-            <a:ext uri="{909E8E84-426E-40DD-AFC4-6F175D3DCCD1}">
-              <a14:hiddenFill xmlns:a14="http://schemas.microsoft.com/office/drawing/2010/main">
-                <a:solidFill>
-                  <a:srgbClr val="FFFFFF"/>
-                </a:solidFill>
-              </a14:hiddenFill>
-            </a:ext>
-          </a:extLst>
-        </p:spPr>
-      </p:pic>
-      <p:sp>
-        <p:nvSpPr>
-          <p:cNvPr id="7" name="직사각형 6"/>
-          <p:cNvSpPr/>
-          <p:nvPr/>
-        </p:nvSpPr>
-        <p:spPr>
-          <a:xfrm>
-            <a:off x="6076819" y="2738828"/>
-            <a:ext cx="3031762" cy="2517384"/>
-          </a:xfrm>
-          <a:prstGeom prst="rect">
-            <a:avLst/>
-          </a:prstGeom>
-        </p:spPr>
-        <p:style>
-          <a:lnRef idx="2">
-            <a:schemeClr val="accent4">
-              <a:shade val="50000"/>
-            </a:schemeClr>
-          </a:lnRef>
-          <a:fillRef idx="1">
-            <a:schemeClr val="accent4"/>
-          </a:fillRef>
-          <a:effectRef idx="0">
-            <a:schemeClr val="accent4"/>
-          </a:effectRef>
-          <a:fontRef idx="minor">
-            <a:schemeClr val="lt1"/>
-          </a:fontRef>
-        </p:style>
-        <p:txBody>
-          <a:bodyPr rtlCol="0" anchor="ctr"/>
-          <a:lstStyle/>
-          <a:p>
-            <a:r>
-              <a:rPr lang="en-US" altLang="ko-KR" dirty="0" smtClean="0">
-                <a:solidFill>
-                  <a:schemeClr val="tx1"/>
-                </a:solidFill>
-              </a:rPr>
-              <a:t>- </a:t>
-            </a:r>
-            <a:r>
-              <a:rPr lang="ko-KR" altLang="en-US" dirty="0" err="1" smtClean="0">
-                <a:solidFill>
-                  <a:schemeClr val="tx1"/>
-                </a:solidFill>
-              </a:rPr>
-              <a:t>레벨업은</a:t>
-            </a:r>
-            <a:r>
-              <a:rPr lang="ko-KR" altLang="en-US" dirty="0" smtClean="0">
-                <a:solidFill>
-                  <a:schemeClr val="tx1"/>
-                </a:solidFill>
-              </a:rPr>
-              <a:t> </a:t>
-            </a:r>
-            <a:r>
-              <a:rPr lang="ko-KR" altLang="en-US" dirty="0" err="1" smtClean="0">
-                <a:solidFill>
-                  <a:schemeClr val="tx1"/>
-                </a:solidFill>
-              </a:rPr>
-              <a:t>로직과</a:t>
-            </a:r>
-            <a:r>
-              <a:rPr lang="ko-KR" altLang="en-US" dirty="0" smtClean="0">
-                <a:solidFill>
-                  <a:schemeClr val="tx1"/>
-                </a:solidFill>
-              </a:rPr>
-              <a:t> </a:t>
-            </a:r>
-            <a:r>
-              <a:rPr lang="en-US" altLang="ko-KR" dirty="0" smtClean="0">
-                <a:solidFill>
-                  <a:schemeClr val="tx1"/>
-                </a:solidFill>
-              </a:rPr>
-              <a:t>UI</a:t>
-            </a:r>
-            <a:r>
-              <a:rPr lang="ko-KR" altLang="en-US" dirty="0" smtClean="0">
-                <a:solidFill>
-                  <a:schemeClr val="tx1"/>
-                </a:solidFill>
-              </a:rPr>
-              <a:t>로만 구현</a:t>
-            </a:r>
-            <a:endParaRPr lang="en-US" altLang="ko-KR" dirty="0" smtClean="0">
-              <a:solidFill>
-                <a:schemeClr val="tx1"/>
-              </a:solidFill>
-            </a:endParaRPr>
-          </a:p>
-          <a:p>
-            <a:endParaRPr lang="en-US" altLang="ko-KR" dirty="0" smtClean="0">
-              <a:solidFill>
-                <a:schemeClr val="tx1"/>
-              </a:solidFill>
-            </a:endParaRPr>
-          </a:p>
-          <a:p>
-            <a:r>
-              <a:rPr lang="en-US" altLang="ko-KR" dirty="0" smtClean="0">
-                <a:solidFill>
-                  <a:schemeClr val="tx1"/>
-                </a:solidFill>
-              </a:rPr>
-              <a:t>- UI</a:t>
-            </a:r>
-            <a:r>
-              <a:rPr lang="ko-KR" altLang="en-US" dirty="0" smtClean="0">
-                <a:solidFill>
-                  <a:schemeClr val="tx1"/>
-                </a:solidFill>
-              </a:rPr>
-              <a:t>는 강의에서 사용한 스프라이트를 재활용</a:t>
-            </a:r>
-            <a:endParaRPr lang="en-US" altLang="ko-KR" dirty="0" smtClean="0">
-              <a:solidFill>
-                <a:schemeClr val="tx1"/>
-              </a:solidFill>
-            </a:endParaRPr>
-          </a:p>
-        </p:txBody>
-      </p:sp>
-    </p:spTree>
-    <p:extLst>
-      <p:ext uri="{BB962C8B-B14F-4D97-AF65-F5344CB8AC3E}">
-        <p14:creationId xmlns:p14="http://schemas.microsoft.com/office/powerpoint/2010/main" val="1312683499"/>
-      </p:ext>
-    </p:extLst>
-  </p:cSld>
-  <p:clrMapOvr>
-    <a:masterClrMapping/>
-  </p:clrMapOvr>
-  <p:timing>
-    <p:tnLst>
-      <p:par>
-        <p:cTn id="1" dur="indefinite" restart="never" nodeType="tmRoot"/>
-      </p:par>
-    </p:tnLst>
-  </p:timing>
-</p:sld>
-</file>
-
-<file path=ppt/slides/slide9.xml><?xml version="1.0" encoding="utf-8"?>
-<p:sld xmlns:a="http://schemas.openxmlformats.org/drawingml/2006/main" xmlns:r="http://schemas.openxmlformats.org/officeDocument/2006/relationships" xmlns:p="http://schemas.openxmlformats.org/presentationml/2006/main">
-  <p:cSld>
-    <p:spTree>
-      <p:nvGrpSpPr>
-        <p:cNvPr id="1" name=""/>
-        <p:cNvGrpSpPr/>
-        <p:nvPr/>
-      </p:nvGrpSpPr>
-      <p:grpSpPr>
-        <a:xfrm>
-          <a:off x="0" y="0"/>
-          <a:ext cx="0" cy="0"/>
-          <a:chOff x="0" y="0"/>
-          <a:chExt cx="0" cy="0"/>
-        </a:xfrm>
-      </p:grpSpPr>
-      <p:sp>
-        <p:nvSpPr>
-          <p:cNvPr id="2" name="제목 1"/>
-          <p:cNvSpPr>
-            <a:spLocks noGrp="1"/>
-          </p:cNvSpPr>
-          <p:nvPr>
-            <p:ph type="title"/>
-          </p:nvPr>
-        </p:nvSpPr>
-        <p:spPr/>
-        <p:txBody>
-          <a:bodyPr/>
-          <a:lstStyle/>
-          <a:p>
-            <a:pPr algn="l"/>
-            <a:r>
-              <a:rPr lang="ko-KR" altLang="en-US" dirty="0" smtClean="0"/>
-              <a:t>개발 과정</a:t>
-            </a:r>
-            <a:endParaRPr lang="ko-KR" altLang="en-US" dirty="0"/>
-          </a:p>
-        </p:txBody>
-      </p:sp>
-      <p:sp>
-        <p:nvSpPr>
-          <p:cNvPr id="3" name="내용 개체 틀 2"/>
-          <p:cNvSpPr>
-            <a:spLocks noGrp="1"/>
-          </p:cNvSpPr>
-          <p:nvPr>
-            <p:ph idx="1"/>
-          </p:nvPr>
-        </p:nvSpPr>
-        <p:spPr/>
-        <p:txBody>
-          <a:bodyPr>
-            <a:normAutofit/>
-          </a:bodyPr>
-          <a:lstStyle/>
-          <a:p>
-            <a:r>
-              <a:rPr lang="ko-KR" altLang="en-US" dirty="0" smtClean="0"/>
-              <a:t>개발 예정</a:t>
-            </a:r>
-            <a:endParaRPr lang="en-US" altLang="ko-KR" dirty="0" smtClean="0"/>
-          </a:p>
-          <a:p>
-            <a:pPr marL="0" indent="0">
-              <a:buNone/>
-            </a:pPr>
-            <a:r>
-              <a:rPr lang="en-US" altLang="ko-KR" dirty="0" smtClean="0"/>
-              <a:t>2. </a:t>
-            </a:r>
-            <a:r>
-              <a:rPr lang="ko-KR" altLang="en-US" dirty="0" smtClean="0"/>
-              <a:t>성장 요소</a:t>
-            </a:r>
-            <a:endParaRPr lang="en-US" altLang="ko-KR" dirty="0" smtClean="0"/>
-          </a:p>
-          <a:p>
-            <a:pPr marL="0" indent="0">
-              <a:buNone/>
-            </a:pPr>
-            <a:r>
-              <a:rPr lang="en-US" altLang="ko-KR" dirty="0" smtClean="0"/>
-              <a:t>    - </a:t>
-            </a:r>
-            <a:r>
-              <a:rPr lang="ko-KR" altLang="en-US" dirty="0" smtClean="0"/>
-              <a:t>스킬</a:t>
-            </a:r>
-            <a:endParaRPr lang="en-US" altLang="ko-KR" dirty="0" smtClean="0"/>
-          </a:p>
-          <a:p>
-            <a:pPr marL="0" indent="0">
-              <a:buNone/>
-            </a:pPr>
-            <a:r>
-              <a:rPr lang="en-US" altLang="ko-KR" dirty="0"/>
-              <a:t> </a:t>
-            </a:r>
-            <a:r>
-              <a:rPr lang="en-US" altLang="ko-KR" dirty="0" smtClean="0"/>
-              <a:t>  </a:t>
-            </a:r>
-          </a:p>
-          <a:p>
-            <a:pPr marL="0" indent="0">
-              <a:buNone/>
-            </a:pPr>
-            <a:endParaRPr lang="en-US" altLang="ko-KR" dirty="0"/>
-          </a:p>
-          <a:p>
-            <a:pPr marL="0" indent="0">
-              <a:buNone/>
-            </a:pPr>
-            <a:endParaRPr lang="en-US" altLang="ko-KR" dirty="0" smtClean="0"/>
-          </a:p>
-          <a:p>
-            <a:pPr marL="0" indent="0">
-              <a:buNone/>
-            </a:pPr>
-            <a:r>
-              <a:rPr lang="en-US" altLang="ko-KR" dirty="0" smtClean="0"/>
-              <a:t> </a:t>
-            </a:r>
-            <a:r>
-              <a:rPr lang="ko-KR" altLang="en-US" dirty="0" smtClean="0"/>
-              <a:t> </a:t>
-            </a:r>
-            <a:endParaRPr lang="en-US" altLang="ko-KR" dirty="0" smtClean="0"/>
-          </a:p>
-        </p:txBody>
-      </p:sp>
-      <p:sp>
-        <p:nvSpPr>
-          <p:cNvPr id="5" name="TextBox 4"/>
-          <p:cNvSpPr txBox="1"/>
-          <p:nvPr/>
-        </p:nvSpPr>
-        <p:spPr>
-          <a:xfrm>
-            <a:off x="3920150" y="5288227"/>
-            <a:ext cx="4711700" cy="1200329"/>
-          </a:xfrm>
-          <a:prstGeom prst="rect">
-            <a:avLst/>
-          </a:prstGeom>
-          <a:noFill/>
-        </p:spPr>
-        <p:txBody>
-          <a:bodyPr wrap="square" rtlCol="0">
-            <a:spAutoFit/>
-          </a:bodyPr>
-          <a:lstStyle/>
-          <a:p>
-            <a:r>
-              <a:rPr lang="ko-KR" altLang="en-US" dirty="0" smtClean="0"/>
-              <a:t>스킬 획득</a:t>
-            </a:r>
-            <a:endParaRPr lang="en-US" altLang="ko-KR" dirty="0" smtClean="0"/>
-          </a:p>
-          <a:p>
-            <a:r>
-              <a:rPr lang="en-US" altLang="ko-KR" dirty="0" smtClean="0"/>
-              <a:t> </a:t>
-            </a:r>
-            <a:r>
-              <a:rPr lang="en-US" altLang="ko-KR" dirty="0" smtClean="0"/>
-              <a:t>- </a:t>
-            </a:r>
-            <a:r>
-              <a:rPr lang="ko-KR" altLang="en-US" dirty="0" smtClean="0"/>
-              <a:t>적을 죽여서 스킬을 해금하는 형태</a:t>
-            </a:r>
-            <a:endParaRPr lang="en-US" altLang="ko-KR" dirty="0" smtClean="0"/>
-          </a:p>
-          <a:p>
-            <a:r>
-              <a:rPr lang="en-US" altLang="ko-KR" dirty="0"/>
-              <a:t> </a:t>
-            </a:r>
-            <a:r>
-              <a:rPr lang="en-US" altLang="ko-KR" dirty="0" smtClean="0"/>
-              <a:t>- </a:t>
-            </a:r>
-            <a:r>
-              <a:rPr lang="ko-KR" altLang="en-US" dirty="0" smtClean="0"/>
-              <a:t>일정 조건 </a:t>
-            </a:r>
-            <a:r>
-              <a:rPr lang="ko-KR" altLang="en-US" dirty="0" err="1" smtClean="0"/>
-              <a:t>달성시</a:t>
-            </a:r>
-            <a:r>
-              <a:rPr lang="ko-KR" altLang="en-US" dirty="0" smtClean="0"/>
-              <a:t> 스킬이 해금</a:t>
-            </a:r>
-            <a:endParaRPr lang="en-US" altLang="ko-KR" dirty="0" smtClean="0"/>
-          </a:p>
-          <a:p>
-            <a:r>
-              <a:rPr lang="en-US" altLang="ko-KR" dirty="0"/>
-              <a:t> </a:t>
-            </a:r>
-            <a:r>
-              <a:rPr lang="en-US" altLang="ko-KR" dirty="0" smtClean="0"/>
-              <a:t>- </a:t>
-            </a:r>
-            <a:r>
-              <a:rPr lang="ko-KR" altLang="en-US" dirty="0" err="1" smtClean="0"/>
-              <a:t>쿨타임</a:t>
-            </a:r>
-            <a:r>
-              <a:rPr lang="ko-KR" altLang="en-US" dirty="0" smtClean="0"/>
-              <a:t> 적용</a:t>
-            </a:r>
-            <a:endParaRPr lang="en-US" altLang="ko-KR" dirty="0" smtClean="0"/>
-          </a:p>
-        </p:txBody>
-      </p:sp>
-      <p:pic>
-        <p:nvPicPr>
-          <p:cNvPr id="6" name="Picture 2" descr="File:Arrow east.svg - Wikimedia Commons"/>
-          <p:cNvPicPr>
-            <a:picLocks noChangeAspect="1" noChangeArrowheads="1"/>
-          </p:cNvPicPr>
-          <p:nvPr/>
-        </p:nvPicPr>
-        <p:blipFill>
-          <a:blip r:embed="rId2" cstate="print">
-            <a:extLst>
-              <a:ext uri="{28A0092B-C50C-407E-A947-70E740481C1C}">
-                <a14:useLocalDpi xmlns:a14="http://schemas.microsoft.com/office/drawing/2010/main" val="0"/>
-              </a:ext>
-            </a:extLst>
-          </a:blip>
-          <a:srcRect/>
-          <a:stretch>
-            <a:fillRect/>
-          </a:stretch>
-        </p:blipFill>
-        <p:spPr bwMode="auto">
-          <a:xfrm>
-            <a:off x="3920150" y="3328312"/>
-            <a:ext cx="1110233" cy="449263"/>
-          </a:xfrm>
-          <a:prstGeom prst="rect">
-            <a:avLst/>
-          </a:prstGeom>
-          <a:noFill/>
-          <a:extLst>
-            <a:ext uri="{909E8E84-426E-40DD-AFC4-6F175D3DCCD1}">
-              <a14:hiddenFill xmlns:a14="http://schemas.microsoft.com/office/drawing/2010/main">
-                <a:solidFill>
-                  <a:srgbClr val="FFFFFF"/>
-                </a:solidFill>
-              </a14:hiddenFill>
-            </a:ext>
-          </a:extLst>
-        </p:spPr>
-      </p:pic>
-      <p:sp>
-        <p:nvSpPr>
-          <p:cNvPr id="7" name="직사각형 6"/>
-          <p:cNvSpPr/>
-          <p:nvPr/>
-        </p:nvSpPr>
-        <p:spPr>
-          <a:xfrm>
-            <a:off x="5179210" y="2306353"/>
-            <a:ext cx="3031762" cy="2517384"/>
-          </a:xfrm>
-          <a:prstGeom prst="rect">
-            <a:avLst/>
-          </a:prstGeom>
-        </p:spPr>
-        <p:style>
-          <a:lnRef idx="2">
-            <a:schemeClr val="accent4">
-              <a:shade val="50000"/>
-            </a:schemeClr>
-          </a:lnRef>
-          <a:fillRef idx="1">
-            <a:schemeClr val="accent4"/>
-          </a:fillRef>
-          <a:effectRef idx="0">
-            <a:schemeClr val="accent4"/>
-          </a:effectRef>
-          <a:fontRef idx="minor">
-            <a:schemeClr val="lt1"/>
-          </a:fontRef>
-        </p:style>
-        <p:txBody>
-          <a:bodyPr rtlCol="0" anchor="ctr"/>
-          <a:lstStyle/>
-          <a:p>
-            <a:endParaRPr lang="en-US" altLang="ko-KR" dirty="0" smtClean="0">
-              <a:solidFill>
-                <a:schemeClr val="tx1"/>
-              </a:solidFill>
-            </a:endParaRPr>
-          </a:p>
-          <a:p>
-            <a:r>
-              <a:rPr lang="en-US" altLang="ko-KR" dirty="0" smtClean="0">
-                <a:solidFill>
-                  <a:schemeClr val="tx1"/>
-                </a:solidFill>
-              </a:rPr>
-              <a:t>- </a:t>
-            </a:r>
-            <a:r>
-              <a:rPr lang="ko-KR" altLang="en-US" dirty="0" smtClean="0">
-                <a:solidFill>
-                  <a:schemeClr val="tx1"/>
-                </a:solidFill>
-              </a:rPr>
-              <a:t>마찬가지로 </a:t>
-            </a:r>
-            <a:r>
-              <a:rPr lang="en-US" altLang="ko-KR" dirty="0" smtClean="0">
-                <a:solidFill>
-                  <a:schemeClr val="tx1"/>
-                </a:solidFill>
-              </a:rPr>
-              <a:t>UI</a:t>
-            </a:r>
-            <a:r>
-              <a:rPr lang="ko-KR" altLang="en-US" dirty="0" smtClean="0">
-                <a:solidFill>
-                  <a:schemeClr val="tx1"/>
-                </a:solidFill>
-              </a:rPr>
-              <a:t>는 재활용</a:t>
-            </a:r>
-            <a:endParaRPr lang="en-US" altLang="ko-KR" dirty="0" smtClean="0">
-              <a:solidFill>
-                <a:schemeClr val="tx1"/>
-              </a:solidFill>
-            </a:endParaRPr>
-          </a:p>
-          <a:p>
-            <a:endParaRPr lang="en-US" altLang="ko-KR" dirty="0" smtClean="0">
-              <a:solidFill>
-                <a:schemeClr val="tx1"/>
-              </a:solidFill>
-            </a:endParaRPr>
-          </a:p>
-          <a:p>
-            <a:r>
-              <a:rPr lang="en-US" altLang="ko-KR" dirty="0" smtClean="0">
-                <a:solidFill>
-                  <a:schemeClr val="tx1"/>
-                </a:solidFill>
-              </a:rPr>
-              <a:t>- </a:t>
-            </a:r>
-            <a:r>
-              <a:rPr lang="ko-KR" altLang="en-US" dirty="0" smtClean="0">
-                <a:solidFill>
-                  <a:schemeClr val="tx1"/>
-                </a:solidFill>
-              </a:rPr>
-              <a:t>스킬 이미지 등은 찾는 중</a:t>
-            </a:r>
-            <a:endParaRPr lang="en-US" altLang="ko-KR" dirty="0" smtClean="0">
-              <a:solidFill>
-                <a:schemeClr val="tx1"/>
-              </a:solidFill>
-            </a:endParaRPr>
-          </a:p>
-        </p:txBody>
-      </p:sp>
-      <p:pic>
-        <p:nvPicPr>
-          <p:cNvPr id="8" name="그림 7"/>
-          <p:cNvPicPr>
-            <a:picLocks noChangeAspect="1"/>
-          </p:cNvPicPr>
-          <p:nvPr/>
-        </p:nvPicPr>
-        <p:blipFill>
-          <a:blip r:embed="rId3"/>
-          <a:stretch>
-            <a:fillRect/>
-          </a:stretch>
-        </p:blipFill>
-        <p:spPr>
-          <a:xfrm>
-            <a:off x="937793" y="3337344"/>
-            <a:ext cx="2449507" cy="3254649"/>
-          </a:xfrm>
-          <a:prstGeom prst="rect">
-            <a:avLst/>
-          </a:prstGeom>
-        </p:spPr>
-      </p:pic>
-    </p:spTree>
-    <p:extLst>
-      <p:ext uri="{BB962C8B-B14F-4D97-AF65-F5344CB8AC3E}">
-        <p14:creationId xmlns:p14="http://schemas.microsoft.com/office/powerpoint/2010/main" val="1778123335"/>
-      </p:ext>
-    </p:extLst>
-  </p:cSld>
-  <p:clrMapOvr>
-    <a:masterClrMapping/>
-  </p:clrMapOvr>
-  <p:timing>
-    <p:tnLst>
-      <p:par>
-        <p:cTn id="1" dur="indefinite" restart="never" nodeType="tmRoot"/>
-      </p:par>
-    </p:tnLst>
-  </p:timing>
 </p:sld>
 </file>
 

--- a/게임 프로그래밍.pptx
+++ b/게임 프로그래밍.pptx
@@ -20,7 +20,8 @@
     <p:sldId id="265" r:id="rId14"/>
     <p:sldId id="266" r:id="rId15"/>
     <p:sldId id="270" r:id="rId16"/>
-    <p:sldId id="271" r:id="rId17"/>
+    <p:sldId id="272" r:id="rId17"/>
+    <p:sldId id="271" r:id="rId18"/>
   </p:sldIdLst>
   <p:sldSz cx="12192000" cy="6858000"/>
   <p:notesSz cx="6858000" cy="9144000"/>
@@ -4662,36 +4663,351 @@
           </a:p>
         </p:txBody>
       </p:sp>
-      <p:pic>
-        <p:nvPicPr>
-          <p:cNvPr id="6" name="그림 5">
+      <p:graphicFrame>
+        <p:nvGraphicFramePr>
+          <p:cNvPr id="4" name="표 4">
             <a:extLst>
               <a:ext uri="{FF2B5EF4-FFF2-40B4-BE49-F238E27FC236}">
-                <a16:creationId xmlns:a16="http://schemas.microsoft.com/office/drawing/2014/main" id="{A89A5E5A-7452-4494-A8F2-CFF654FAB177}"/>
+                <a16:creationId xmlns:a16="http://schemas.microsoft.com/office/drawing/2014/main" id="{62A67789-16F3-442F-9424-A01B1748B1F7}"/>
               </a:ext>
             </a:extLst>
           </p:cNvPr>
-          <p:cNvPicPr>
-            <a:picLocks noChangeAspect="1"/>
-          </p:cNvPicPr>
-          <p:nvPr/>
-        </p:nvPicPr>
-        <p:blipFill>
-          <a:blip r:embed="rId2"/>
-          <a:stretch>
-            <a:fillRect/>
-          </a:stretch>
-        </p:blipFill>
-        <p:spPr>
-          <a:xfrm>
-            <a:off x="482765" y="2205337"/>
-            <a:ext cx="8884971" cy="4273420"/>
-          </a:xfrm>
-          <a:prstGeom prst="rect">
-            <a:avLst/>
-          </a:prstGeom>
-        </p:spPr>
-      </p:pic>
+          <p:cNvGraphicFramePr>
+            <a:graphicFrameLocks noGrp="1"/>
+          </p:cNvGraphicFramePr>
+          <p:nvPr>
+            <p:extLst>
+              <p:ext uri="{D42A27DB-BD31-4B8C-83A1-F6EECF244321}">
+                <p14:modId xmlns:p14="http://schemas.microsoft.com/office/powerpoint/2010/main" val="2625929948"/>
+              </p:ext>
+            </p:extLst>
+          </p:nvPr>
+        </p:nvGraphicFramePr>
+        <p:xfrm>
+          <a:off x="404943" y="2373548"/>
+          <a:ext cx="8997064" cy="4212080"/>
+        </p:xfrm>
+        <a:graphic>
+          <a:graphicData uri="http://schemas.openxmlformats.org/drawingml/2006/table">
+            <a:tbl>
+              <a:tblPr firstRow="1" bandRow="1">
+                <a:tableStyleId>{E8B1032C-EA38-4F05-BA0D-38AFFFC7BED3}</a:tableStyleId>
+              </a:tblPr>
+              <a:tblGrid>
+                <a:gridCol w="1871914">
+                  <a:extLst>
+                    <a:ext uri="{9D8B030D-6E8A-4147-A177-3AD203B41FA5}">
+                      <a16:colId xmlns:a16="http://schemas.microsoft.com/office/drawing/2014/main" val="3755851914"/>
+                    </a:ext>
+                  </a:extLst>
+                </a:gridCol>
+                <a:gridCol w="7125150">
+                  <a:extLst>
+                    <a:ext uri="{9D8B030D-6E8A-4147-A177-3AD203B41FA5}">
+                      <a16:colId xmlns:a16="http://schemas.microsoft.com/office/drawing/2014/main" val="4005765456"/>
+                    </a:ext>
+                  </a:extLst>
+                </a:gridCol>
+              </a:tblGrid>
+              <a:tr h="526510">
+                <a:tc>
+                  <a:txBody>
+                    <a:bodyPr/>
+                    <a:lstStyle/>
+                    <a:p>
+                      <a:pPr algn="ctr" latinLnBrk="1"/>
+                      <a:r>
+                        <a:rPr lang="en-US" altLang="ko-KR" b="1" dirty="0"/>
+                        <a:t>1</a:t>
+                      </a:r>
+                      <a:r>
+                        <a:rPr lang="ko-KR" altLang="en-US" b="1" dirty="0"/>
+                        <a:t>주차</a:t>
+                      </a:r>
+                    </a:p>
+                  </a:txBody>
+                  <a:tcPr/>
+                </a:tc>
+                <a:tc>
+                  <a:txBody>
+                    <a:bodyPr/>
+                    <a:lstStyle/>
+                    <a:p>
+                      <a:pPr latinLnBrk="1"/>
+                      <a:r>
+                        <a:rPr lang="ko-KR" altLang="en-US" b="0" dirty="0"/>
+                        <a:t>장르와 게임 요소 선정</a:t>
+                      </a:r>
+                    </a:p>
+                  </a:txBody>
+                  <a:tcPr/>
+                </a:tc>
+                <a:extLst>
+                  <a:ext uri="{0D108BD9-81ED-4DB2-BD59-A6C34878D82A}">
+                    <a16:rowId xmlns:a16="http://schemas.microsoft.com/office/drawing/2014/main" val="1658439148"/>
+                  </a:ext>
+                </a:extLst>
+              </a:tr>
+              <a:tr h="526510">
+                <a:tc>
+                  <a:txBody>
+                    <a:bodyPr/>
+                    <a:lstStyle/>
+                    <a:p>
+                      <a:pPr algn="ctr" latinLnBrk="1"/>
+                      <a:r>
+                        <a:rPr lang="en-US" altLang="ko-KR" b="1" dirty="0"/>
+                        <a:t>2</a:t>
+                      </a:r>
+                      <a:r>
+                        <a:rPr lang="ko-KR" altLang="en-US" b="1" dirty="0"/>
+                        <a:t>주차</a:t>
+                      </a:r>
+                    </a:p>
+                  </a:txBody>
+                  <a:tcPr/>
+                </a:tc>
+                <a:tc>
+                  <a:txBody>
+                    <a:bodyPr/>
+                    <a:lstStyle/>
+                    <a:p>
+                      <a:pPr latinLnBrk="1"/>
+                      <a:r>
+                        <a:rPr lang="en-US" altLang="ko-KR"/>
+                        <a:t> </a:t>
+                      </a:r>
+                      <a:endParaRPr lang="ko-KR" altLang="en-US" dirty="0"/>
+                    </a:p>
+                  </a:txBody>
+                  <a:tcPr/>
+                </a:tc>
+                <a:extLst>
+                  <a:ext uri="{0D108BD9-81ED-4DB2-BD59-A6C34878D82A}">
+                    <a16:rowId xmlns:a16="http://schemas.microsoft.com/office/drawing/2014/main" val="3346496316"/>
+                  </a:ext>
+                </a:extLst>
+              </a:tr>
+              <a:tr h="526510">
+                <a:tc>
+                  <a:txBody>
+                    <a:bodyPr/>
+                    <a:lstStyle/>
+                    <a:p>
+                      <a:pPr algn="ctr" latinLnBrk="1"/>
+                      <a:r>
+                        <a:rPr lang="en-US" altLang="ko-KR" b="1" dirty="0"/>
+                        <a:t>3</a:t>
+                      </a:r>
+                      <a:r>
+                        <a:rPr lang="ko-KR" altLang="en-US" b="1" dirty="0"/>
+                        <a:t>주차</a:t>
+                      </a:r>
+                    </a:p>
+                  </a:txBody>
+                  <a:tcPr/>
+                </a:tc>
+                <a:tc>
+                  <a:txBody>
+                    <a:bodyPr/>
+                    <a:lstStyle/>
+                    <a:p>
+                      <a:pPr latinLnBrk="1"/>
+                      <a:endParaRPr lang="ko-KR" altLang="en-US" dirty="0"/>
+                    </a:p>
+                  </a:txBody>
+                  <a:tcPr/>
+                </a:tc>
+                <a:extLst>
+                  <a:ext uri="{0D108BD9-81ED-4DB2-BD59-A6C34878D82A}">
+                    <a16:rowId xmlns:a16="http://schemas.microsoft.com/office/drawing/2014/main" val="3568675155"/>
+                  </a:ext>
+                </a:extLst>
+              </a:tr>
+              <a:tr h="526510">
+                <a:tc>
+                  <a:txBody>
+                    <a:bodyPr/>
+                    <a:lstStyle/>
+                    <a:p>
+                      <a:pPr algn="ctr" latinLnBrk="1"/>
+                      <a:r>
+                        <a:rPr lang="en-US" altLang="ko-KR" b="1" dirty="0"/>
+                        <a:t>4</a:t>
+                      </a:r>
+                      <a:r>
+                        <a:rPr lang="ko-KR" altLang="en-US" b="1" dirty="0"/>
+                        <a:t>주차</a:t>
+                      </a:r>
+                    </a:p>
+                  </a:txBody>
+                  <a:tcPr/>
+                </a:tc>
+                <a:tc>
+                  <a:txBody>
+                    <a:bodyPr/>
+                    <a:lstStyle/>
+                    <a:p>
+                      <a:pPr latinLnBrk="1"/>
+                      <a:endParaRPr lang="ko-KR" altLang="en-US" dirty="0"/>
+                    </a:p>
+                  </a:txBody>
+                  <a:tcPr/>
+                </a:tc>
+                <a:extLst>
+                  <a:ext uri="{0D108BD9-81ED-4DB2-BD59-A6C34878D82A}">
+                    <a16:rowId xmlns:a16="http://schemas.microsoft.com/office/drawing/2014/main" val="271701878"/>
+                  </a:ext>
+                </a:extLst>
+              </a:tr>
+              <a:tr h="526510">
+                <a:tc>
+                  <a:txBody>
+                    <a:bodyPr/>
+                    <a:lstStyle/>
+                    <a:p>
+                      <a:pPr algn="ctr" latinLnBrk="1"/>
+                      <a:r>
+                        <a:rPr lang="en-US" altLang="ko-KR" b="1" dirty="0"/>
+                        <a:t>5</a:t>
+                      </a:r>
+                      <a:r>
+                        <a:rPr lang="ko-KR" altLang="en-US" b="1" dirty="0"/>
+                        <a:t>주차</a:t>
+                      </a:r>
+                    </a:p>
+                  </a:txBody>
+                  <a:tcPr/>
+                </a:tc>
+                <a:tc>
+                  <a:txBody>
+                    <a:bodyPr/>
+                    <a:lstStyle/>
+                    <a:p>
+                      <a:pPr latinLnBrk="1"/>
+                      <a:endParaRPr lang="ko-KR" altLang="en-US" dirty="0"/>
+                    </a:p>
+                  </a:txBody>
+                  <a:tcPr/>
+                </a:tc>
+                <a:extLst>
+                  <a:ext uri="{0D108BD9-81ED-4DB2-BD59-A6C34878D82A}">
+                    <a16:rowId xmlns:a16="http://schemas.microsoft.com/office/drawing/2014/main" val="2062237095"/>
+                  </a:ext>
+                </a:extLst>
+              </a:tr>
+              <a:tr h="526510">
+                <a:tc>
+                  <a:txBody>
+                    <a:bodyPr/>
+                    <a:lstStyle/>
+                    <a:p>
+                      <a:pPr algn="ctr" latinLnBrk="1"/>
+                      <a:r>
+                        <a:rPr lang="en-US" altLang="ko-KR" b="1" dirty="0"/>
+                        <a:t>6</a:t>
+                      </a:r>
+                      <a:r>
+                        <a:rPr lang="ko-KR" altLang="en-US" b="1" dirty="0"/>
+                        <a:t>주차</a:t>
+                      </a:r>
+                    </a:p>
+                  </a:txBody>
+                  <a:tcPr/>
+                </a:tc>
+                <a:tc>
+                  <a:txBody>
+                    <a:bodyPr/>
+                    <a:lstStyle/>
+                    <a:p>
+                      <a:pPr latinLnBrk="1"/>
+                      <a:endParaRPr lang="ko-KR" altLang="en-US" dirty="0"/>
+                    </a:p>
+                  </a:txBody>
+                  <a:tcPr/>
+                </a:tc>
+                <a:extLst>
+                  <a:ext uri="{0D108BD9-81ED-4DB2-BD59-A6C34878D82A}">
+                    <a16:rowId xmlns:a16="http://schemas.microsoft.com/office/drawing/2014/main" val="551882378"/>
+                  </a:ext>
+                </a:extLst>
+              </a:tr>
+              <a:tr h="526510">
+                <a:tc>
+                  <a:txBody>
+                    <a:bodyPr/>
+                    <a:lstStyle/>
+                    <a:p>
+                      <a:pPr algn="ctr" latinLnBrk="1"/>
+                      <a:r>
+                        <a:rPr lang="en-US" altLang="ko-KR" b="1" dirty="0"/>
+                        <a:t>7</a:t>
+                      </a:r>
+                      <a:r>
+                        <a:rPr lang="ko-KR" altLang="en-US" b="1" dirty="0"/>
+                        <a:t>주차</a:t>
+                      </a:r>
+                    </a:p>
+                  </a:txBody>
+                  <a:tcPr/>
+                </a:tc>
+                <a:tc>
+                  <a:txBody>
+                    <a:bodyPr/>
+                    <a:lstStyle/>
+                    <a:p>
+                      <a:pPr latinLnBrk="1"/>
+                      <a:endParaRPr lang="ko-KR" altLang="en-US" dirty="0"/>
+                    </a:p>
+                  </a:txBody>
+                  <a:tcPr/>
+                </a:tc>
+                <a:extLst>
+                  <a:ext uri="{0D108BD9-81ED-4DB2-BD59-A6C34878D82A}">
+                    <a16:rowId xmlns:a16="http://schemas.microsoft.com/office/drawing/2014/main" val="335736800"/>
+                  </a:ext>
+                </a:extLst>
+              </a:tr>
+              <a:tr h="526510">
+                <a:tc>
+                  <a:txBody>
+                    <a:bodyPr/>
+                    <a:lstStyle/>
+                    <a:p>
+                      <a:pPr algn="ctr" latinLnBrk="1"/>
+                      <a:r>
+                        <a:rPr lang="en-US" altLang="ko-KR" b="1" dirty="0"/>
+                        <a:t>8</a:t>
+                      </a:r>
+                      <a:r>
+                        <a:rPr lang="ko-KR" altLang="en-US" b="1" dirty="0"/>
+                        <a:t>주차</a:t>
+                      </a:r>
+                    </a:p>
+                  </a:txBody>
+                  <a:tcPr/>
+                </a:tc>
+                <a:tc>
+                  <a:txBody>
+                    <a:bodyPr/>
+                    <a:lstStyle/>
+                    <a:p>
+                      <a:pPr latinLnBrk="1"/>
+                      <a:endParaRPr lang="ko-KR" altLang="en-US" dirty="0"/>
+                    </a:p>
+                  </a:txBody>
+                  <a:tcPr/>
+                </a:tc>
+                <a:extLst>
+                  <a:ext uri="{0D108BD9-81ED-4DB2-BD59-A6C34878D82A}">
+                    <a16:rowId xmlns:a16="http://schemas.microsoft.com/office/drawing/2014/main" val="2883825621"/>
+                  </a:ext>
+                </a:extLst>
+              </a:tr>
+            </a:tbl>
+          </a:graphicData>
+        </a:graphic>
+      </p:graphicFrame>
     </p:spTree>
     <p:extLst>
       <p:ext uri="{BB962C8B-B14F-4D97-AF65-F5344CB8AC3E}">
@@ -4706,6 +5022,453 @@
 </file>
 
 <file path=ppt/slides/slide16.xml><?xml version="1.0" encoding="utf-8"?>
+<p:sld xmlns:a="http://schemas.openxmlformats.org/drawingml/2006/main" xmlns:r="http://schemas.openxmlformats.org/officeDocument/2006/relationships" xmlns:p="http://schemas.openxmlformats.org/presentationml/2006/main">
+  <p:cSld>
+    <p:spTree>
+      <p:nvGrpSpPr>
+        <p:cNvPr id="1" name=""/>
+        <p:cNvGrpSpPr/>
+        <p:nvPr/>
+      </p:nvGrpSpPr>
+      <p:grpSpPr>
+        <a:xfrm>
+          <a:off x="0" y="0"/>
+          <a:ext cx="0" cy="0"/>
+          <a:chOff x="0" y="0"/>
+          <a:chExt cx="0" cy="0"/>
+        </a:xfrm>
+      </p:grpSpPr>
+      <p:sp>
+        <p:nvSpPr>
+          <p:cNvPr id="2" name="제목 1"/>
+          <p:cNvSpPr>
+            <a:spLocks noGrp="1"/>
+          </p:cNvSpPr>
+          <p:nvPr>
+            <p:ph type="title"/>
+          </p:nvPr>
+        </p:nvSpPr>
+        <p:spPr/>
+        <p:txBody>
+          <a:bodyPr/>
+          <a:lstStyle/>
+          <a:p>
+            <a:pPr algn="l"/>
+            <a:r>
+              <a:rPr lang="ko-KR" altLang="en-US" dirty="0"/>
+              <a:t>마무리</a:t>
+            </a:r>
+          </a:p>
+        </p:txBody>
+      </p:sp>
+      <p:sp>
+        <p:nvSpPr>
+          <p:cNvPr id="3" name="내용 개체 틀 2"/>
+          <p:cNvSpPr>
+            <a:spLocks noGrp="1"/>
+          </p:cNvSpPr>
+          <p:nvPr>
+            <p:ph idx="1"/>
+          </p:nvPr>
+        </p:nvSpPr>
+        <p:spPr/>
+        <p:txBody>
+          <a:bodyPr>
+            <a:normAutofit/>
+          </a:bodyPr>
+          <a:lstStyle/>
+          <a:p>
+            <a:r>
+              <a:rPr lang="ko-KR" altLang="en-US" dirty="0"/>
+              <a:t>오픈 소스</a:t>
+            </a:r>
+            <a:endParaRPr lang="en-US" altLang="ko-KR" dirty="0"/>
+          </a:p>
+          <a:p>
+            <a:pPr marL="0" indent="0">
+              <a:buNone/>
+            </a:pPr>
+            <a:r>
+              <a:rPr lang="en-US" altLang="ko-KR" dirty="0"/>
+              <a:t>       </a:t>
+            </a:r>
+          </a:p>
+          <a:p>
+            <a:pPr marL="0" indent="0">
+              <a:buNone/>
+            </a:pPr>
+            <a:endParaRPr lang="en-US" altLang="ko-KR" dirty="0"/>
+          </a:p>
+          <a:p>
+            <a:pPr marL="0" indent="0">
+              <a:buNone/>
+            </a:pPr>
+            <a:endParaRPr lang="en-US" altLang="ko-KR" dirty="0"/>
+          </a:p>
+          <a:p>
+            <a:pPr marL="0" indent="0">
+              <a:buNone/>
+            </a:pPr>
+            <a:r>
+              <a:rPr lang="en-US" altLang="ko-KR" dirty="0"/>
+              <a:t> </a:t>
+            </a:r>
+            <a:r>
+              <a:rPr lang="ko-KR" altLang="en-US" dirty="0"/>
+              <a:t> </a:t>
+            </a:r>
+            <a:endParaRPr lang="en-US" altLang="ko-KR" dirty="0"/>
+          </a:p>
+        </p:txBody>
+      </p:sp>
+      <p:graphicFrame>
+        <p:nvGraphicFramePr>
+          <p:cNvPr id="4" name="표 4">
+            <a:extLst>
+              <a:ext uri="{FF2B5EF4-FFF2-40B4-BE49-F238E27FC236}">
+                <a16:creationId xmlns:a16="http://schemas.microsoft.com/office/drawing/2014/main" id="{62A67789-16F3-442F-9424-A01B1748B1F7}"/>
+              </a:ext>
+            </a:extLst>
+          </p:cNvPr>
+          <p:cNvGraphicFramePr>
+            <a:graphicFrameLocks noGrp="1"/>
+          </p:cNvGraphicFramePr>
+          <p:nvPr>
+            <p:extLst>
+              <p:ext uri="{D42A27DB-BD31-4B8C-83A1-F6EECF244321}">
+                <p14:modId xmlns:p14="http://schemas.microsoft.com/office/powerpoint/2010/main" val="2017997772"/>
+              </p:ext>
+            </p:extLst>
+          </p:nvPr>
+        </p:nvGraphicFramePr>
+        <p:xfrm>
+          <a:off x="404943" y="2373548"/>
+          <a:ext cx="8997064" cy="4212080"/>
+        </p:xfrm>
+        <a:graphic>
+          <a:graphicData uri="http://schemas.openxmlformats.org/drawingml/2006/table">
+            <a:tbl>
+              <a:tblPr firstRow="1" bandRow="1">
+                <a:tableStyleId>{E8B1032C-EA38-4F05-BA0D-38AFFFC7BED3}</a:tableStyleId>
+              </a:tblPr>
+              <a:tblGrid>
+                <a:gridCol w="1871914">
+                  <a:extLst>
+                    <a:ext uri="{9D8B030D-6E8A-4147-A177-3AD203B41FA5}">
+                      <a16:colId xmlns:a16="http://schemas.microsoft.com/office/drawing/2014/main" val="3755851914"/>
+                    </a:ext>
+                  </a:extLst>
+                </a:gridCol>
+                <a:gridCol w="7125150">
+                  <a:extLst>
+                    <a:ext uri="{9D8B030D-6E8A-4147-A177-3AD203B41FA5}">
+                      <a16:colId xmlns:a16="http://schemas.microsoft.com/office/drawing/2014/main" val="4005765456"/>
+                    </a:ext>
+                  </a:extLst>
+                </a:gridCol>
+              </a:tblGrid>
+              <a:tr h="526510">
+                <a:tc>
+                  <a:txBody>
+                    <a:bodyPr/>
+                    <a:lstStyle/>
+                    <a:p>
+                      <a:pPr algn="ctr" latinLnBrk="1"/>
+                      <a:r>
+                        <a:rPr lang="en-US" altLang="ko-KR" b="1" dirty="0"/>
+                        <a:t>9</a:t>
+                      </a:r>
+                      <a:r>
+                        <a:rPr lang="ko-KR" altLang="en-US" b="1" dirty="0"/>
+                        <a:t>주차</a:t>
+                      </a:r>
+                    </a:p>
+                  </a:txBody>
+                  <a:tcPr/>
+                </a:tc>
+                <a:tc>
+                  <a:txBody>
+                    <a:bodyPr/>
+                    <a:lstStyle/>
+                    <a:p>
+                      <a:pPr latinLnBrk="1"/>
+                      <a:endParaRPr lang="ko-KR" altLang="en-US" dirty="0"/>
+                    </a:p>
+                  </a:txBody>
+                  <a:tcPr/>
+                </a:tc>
+                <a:extLst>
+                  <a:ext uri="{0D108BD9-81ED-4DB2-BD59-A6C34878D82A}">
+                    <a16:rowId xmlns:a16="http://schemas.microsoft.com/office/drawing/2014/main" val="1658439148"/>
+                  </a:ext>
+                </a:extLst>
+              </a:tr>
+              <a:tr h="526510">
+                <a:tc>
+                  <a:txBody>
+                    <a:bodyPr/>
+                    <a:lstStyle/>
+                    <a:p>
+                      <a:pPr algn="ctr" latinLnBrk="1"/>
+                      <a:r>
+                        <a:rPr lang="en-US" altLang="ko-KR" b="1" dirty="0"/>
+                        <a:t>10</a:t>
+                      </a:r>
+                      <a:r>
+                        <a:rPr lang="ko-KR" altLang="en-US" b="1" dirty="0"/>
+                        <a:t>주차</a:t>
+                      </a:r>
+                    </a:p>
+                  </a:txBody>
+                  <a:tcPr/>
+                </a:tc>
+                <a:tc>
+                  <a:txBody>
+                    <a:bodyPr/>
+                    <a:lstStyle/>
+                    <a:p>
+                      <a:pPr latinLnBrk="1"/>
+                      <a:endParaRPr lang="ko-KR" altLang="en-US" dirty="0"/>
+                    </a:p>
+                  </a:txBody>
+                  <a:tcPr/>
+                </a:tc>
+                <a:extLst>
+                  <a:ext uri="{0D108BD9-81ED-4DB2-BD59-A6C34878D82A}">
+                    <a16:rowId xmlns:a16="http://schemas.microsoft.com/office/drawing/2014/main" val="3346496316"/>
+                  </a:ext>
+                </a:extLst>
+              </a:tr>
+              <a:tr h="526510">
+                <a:tc>
+                  <a:txBody>
+                    <a:bodyPr/>
+                    <a:lstStyle/>
+                    <a:p>
+                      <a:pPr algn="ctr" latinLnBrk="1"/>
+                      <a:r>
+                        <a:rPr lang="en-US" altLang="ko-KR" b="1" dirty="0"/>
+                        <a:t>11</a:t>
+                      </a:r>
+                      <a:r>
+                        <a:rPr lang="ko-KR" altLang="en-US" b="1" dirty="0"/>
+                        <a:t>주차</a:t>
+                      </a:r>
+                    </a:p>
+                  </a:txBody>
+                  <a:tcPr/>
+                </a:tc>
+                <a:tc>
+                  <a:txBody>
+                    <a:bodyPr/>
+                    <a:lstStyle/>
+                    <a:p>
+                      <a:pPr latinLnBrk="1"/>
+                      <a:endParaRPr lang="ko-KR" altLang="en-US" dirty="0"/>
+                    </a:p>
+                  </a:txBody>
+                  <a:tcPr/>
+                </a:tc>
+                <a:extLst>
+                  <a:ext uri="{0D108BD9-81ED-4DB2-BD59-A6C34878D82A}">
+                    <a16:rowId xmlns:a16="http://schemas.microsoft.com/office/drawing/2014/main" val="3568675155"/>
+                  </a:ext>
+                </a:extLst>
+              </a:tr>
+              <a:tr h="526510">
+                <a:tc>
+                  <a:txBody>
+                    <a:bodyPr/>
+                    <a:lstStyle/>
+                    <a:p>
+                      <a:pPr algn="ctr" latinLnBrk="1"/>
+                      <a:r>
+                        <a:rPr lang="en-US" altLang="ko-KR" b="1" dirty="0"/>
+                        <a:t>12</a:t>
+                      </a:r>
+                      <a:r>
+                        <a:rPr lang="ko-KR" altLang="en-US" b="1" dirty="0"/>
+                        <a:t>주차</a:t>
+                      </a:r>
+                    </a:p>
+                  </a:txBody>
+                  <a:tcPr/>
+                </a:tc>
+                <a:tc>
+                  <a:txBody>
+                    <a:bodyPr/>
+                    <a:lstStyle/>
+                    <a:p>
+                      <a:pPr latinLnBrk="1"/>
+                      <a:endParaRPr lang="ko-KR" altLang="en-US" dirty="0"/>
+                    </a:p>
+                  </a:txBody>
+                  <a:tcPr/>
+                </a:tc>
+                <a:extLst>
+                  <a:ext uri="{0D108BD9-81ED-4DB2-BD59-A6C34878D82A}">
+                    <a16:rowId xmlns:a16="http://schemas.microsoft.com/office/drawing/2014/main" val="271701878"/>
+                  </a:ext>
+                </a:extLst>
+              </a:tr>
+              <a:tr h="526510">
+                <a:tc>
+                  <a:txBody>
+                    <a:bodyPr/>
+                    <a:lstStyle/>
+                    <a:p>
+                      <a:pPr algn="ctr" latinLnBrk="1"/>
+                      <a:r>
+                        <a:rPr lang="en-US" altLang="ko-KR" b="1" dirty="0"/>
+                        <a:t>13</a:t>
+                      </a:r>
+                      <a:r>
+                        <a:rPr lang="ko-KR" altLang="en-US" b="1" dirty="0"/>
+                        <a:t>주차</a:t>
+                      </a:r>
+                    </a:p>
+                  </a:txBody>
+                  <a:tcPr/>
+                </a:tc>
+                <a:tc>
+                  <a:txBody>
+                    <a:bodyPr/>
+                    <a:lstStyle/>
+                    <a:p>
+                      <a:pPr latinLnBrk="1"/>
+                      <a:endParaRPr lang="ko-KR" altLang="en-US" dirty="0"/>
+                    </a:p>
+                  </a:txBody>
+                  <a:tcPr/>
+                </a:tc>
+                <a:extLst>
+                  <a:ext uri="{0D108BD9-81ED-4DB2-BD59-A6C34878D82A}">
+                    <a16:rowId xmlns:a16="http://schemas.microsoft.com/office/drawing/2014/main" val="2062237095"/>
+                  </a:ext>
+                </a:extLst>
+              </a:tr>
+              <a:tr h="526510">
+                <a:tc>
+                  <a:txBody>
+                    <a:bodyPr/>
+                    <a:lstStyle/>
+                    <a:p>
+                      <a:pPr algn="ctr" latinLnBrk="1"/>
+                      <a:r>
+                        <a:rPr lang="en-US" altLang="ko-KR" b="1" dirty="0"/>
+                        <a:t>14</a:t>
+                      </a:r>
+                      <a:r>
+                        <a:rPr lang="ko-KR" altLang="en-US" b="1" dirty="0"/>
+                        <a:t>주차</a:t>
+                      </a:r>
+                    </a:p>
+                  </a:txBody>
+                  <a:tcPr/>
+                </a:tc>
+                <a:tc>
+                  <a:txBody>
+                    <a:bodyPr/>
+                    <a:lstStyle/>
+                    <a:p>
+                      <a:pPr latinLnBrk="1"/>
+                      <a:endParaRPr lang="ko-KR" altLang="en-US" dirty="0"/>
+                    </a:p>
+                  </a:txBody>
+                  <a:tcPr/>
+                </a:tc>
+                <a:extLst>
+                  <a:ext uri="{0D108BD9-81ED-4DB2-BD59-A6C34878D82A}">
+                    <a16:rowId xmlns:a16="http://schemas.microsoft.com/office/drawing/2014/main" val="551882378"/>
+                  </a:ext>
+                </a:extLst>
+              </a:tr>
+              <a:tr h="526510">
+                <a:tc>
+                  <a:txBody>
+                    <a:bodyPr/>
+                    <a:lstStyle/>
+                    <a:p>
+                      <a:pPr algn="ctr" latinLnBrk="1"/>
+                      <a:r>
+                        <a:rPr lang="en-US" altLang="ko-KR" b="1" dirty="0"/>
+                        <a:t>15</a:t>
+                      </a:r>
+                      <a:r>
+                        <a:rPr lang="ko-KR" altLang="en-US" b="1" dirty="0"/>
+                        <a:t>주차</a:t>
+                      </a:r>
+                    </a:p>
+                  </a:txBody>
+                  <a:tcPr/>
+                </a:tc>
+                <a:tc>
+                  <a:txBody>
+                    <a:bodyPr/>
+                    <a:lstStyle/>
+                    <a:p>
+                      <a:pPr latinLnBrk="1"/>
+                      <a:endParaRPr lang="ko-KR" altLang="en-US" dirty="0"/>
+                    </a:p>
+                  </a:txBody>
+                  <a:tcPr/>
+                </a:tc>
+                <a:extLst>
+                  <a:ext uri="{0D108BD9-81ED-4DB2-BD59-A6C34878D82A}">
+                    <a16:rowId xmlns:a16="http://schemas.microsoft.com/office/drawing/2014/main" val="335736800"/>
+                  </a:ext>
+                </a:extLst>
+              </a:tr>
+              <a:tr h="526510">
+                <a:tc>
+                  <a:txBody>
+                    <a:bodyPr/>
+                    <a:lstStyle/>
+                    <a:p>
+                      <a:pPr algn="ctr" latinLnBrk="1"/>
+                      <a:r>
+                        <a:rPr lang="ko-KR" altLang="en-US" b="1" dirty="0"/>
+                        <a:t>마무리</a:t>
+                      </a:r>
+                    </a:p>
+                  </a:txBody>
+                  <a:tcPr/>
+                </a:tc>
+                <a:tc>
+                  <a:txBody>
+                    <a:bodyPr/>
+                    <a:lstStyle/>
+                    <a:p>
+                      <a:pPr latinLnBrk="1"/>
+                      <a:endParaRPr lang="ko-KR" altLang="en-US" dirty="0"/>
+                    </a:p>
+                  </a:txBody>
+                  <a:tcPr/>
+                </a:tc>
+                <a:extLst>
+                  <a:ext uri="{0D108BD9-81ED-4DB2-BD59-A6C34878D82A}">
+                    <a16:rowId xmlns:a16="http://schemas.microsoft.com/office/drawing/2014/main" val="2883825621"/>
+                  </a:ext>
+                </a:extLst>
+              </a:tr>
+            </a:tbl>
+          </a:graphicData>
+        </a:graphic>
+      </p:graphicFrame>
+    </p:spTree>
+    <p:extLst>
+      <p:ext uri="{BB962C8B-B14F-4D97-AF65-F5344CB8AC3E}">
+        <p14:creationId xmlns:p14="http://schemas.microsoft.com/office/powerpoint/2010/main" val="3419533327"/>
+      </p:ext>
+    </p:extLst>
+  </p:cSld>
+  <p:clrMapOvr>
+    <a:masterClrMapping/>
+  </p:clrMapOvr>
+</p:sld>
+</file>
+
+<file path=ppt/slides/slide17.xml><?xml version="1.0" encoding="utf-8"?>
 <p:sld xmlns:a="http://schemas.openxmlformats.org/drawingml/2006/main" xmlns:r="http://schemas.openxmlformats.org/officeDocument/2006/relationships" xmlns:p="http://schemas.openxmlformats.org/presentationml/2006/main">
   <p:cSld>
     <p:spTree>

--- a/게임 프로그래밍.pptx
+++ b/게임 프로그래밍.pptx
@@ -279,7 +279,7 @@
           <a:p>
             <a:fld id="{276D79ED-3FA7-4EF8-964B-EB8BCFAB02F8}" type="datetimeFigureOut">
               <a:rPr lang="en-US" smtClean="0"/>
-              <a:t>5/19/2022</a:t>
+              <a:t>5/27/2022</a:t>
             </a:fld>
             <a:endParaRPr lang="en-US"/>
           </a:p>
@@ -449,7 +449,7 @@
           <a:p>
             <a:fld id="{276D79ED-3FA7-4EF8-964B-EB8BCFAB02F8}" type="datetimeFigureOut">
               <a:rPr lang="en-US" smtClean="0"/>
-              <a:t>5/19/2022</a:t>
+              <a:t>5/27/2022</a:t>
             </a:fld>
             <a:endParaRPr lang="en-US"/>
           </a:p>
@@ -695,7 +695,7 @@
           <a:p>
             <a:fld id="{276D79ED-3FA7-4EF8-964B-EB8BCFAB02F8}" type="datetimeFigureOut">
               <a:rPr lang="en-US" smtClean="0"/>
-              <a:t>5/19/2022</a:t>
+              <a:t>5/27/2022</a:t>
             </a:fld>
             <a:endParaRPr lang="en-US"/>
           </a:p>
@@ -927,7 +927,7 @@
           <a:p>
             <a:fld id="{276D79ED-3FA7-4EF8-964B-EB8BCFAB02F8}" type="datetimeFigureOut">
               <a:rPr lang="en-US" smtClean="0"/>
-              <a:t>5/19/2022</a:t>
+              <a:t>5/27/2022</a:t>
             </a:fld>
             <a:endParaRPr lang="en-US"/>
           </a:p>
@@ -1294,7 +1294,7 @@
           <a:p>
             <a:fld id="{276D79ED-3FA7-4EF8-964B-EB8BCFAB02F8}" type="datetimeFigureOut">
               <a:rPr lang="en-US" smtClean="0"/>
-              <a:t>5/19/2022</a:t>
+              <a:t>5/27/2022</a:t>
             </a:fld>
             <a:endParaRPr lang="en-US"/>
           </a:p>
@@ -1412,7 +1412,7 @@
           <a:p>
             <a:fld id="{276D79ED-3FA7-4EF8-964B-EB8BCFAB02F8}" type="datetimeFigureOut">
               <a:rPr lang="en-US" smtClean="0"/>
-              <a:t>5/19/2022</a:t>
+              <a:t>5/27/2022</a:t>
             </a:fld>
             <a:endParaRPr lang="en-US"/>
           </a:p>
@@ -1507,7 +1507,7 @@
           <a:p>
             <a:fld id="{276D79ED-3FA7-4EF8-964B-EB8BCFAB02F8}" type="datetimeFigureOut">
               <a:rPr lang="en-US" smtClean="0"/>
-              <a:t>5/19/2022</a:t>
+              <a:t>5/27/2022</a:t>
             </a:fld>
             <a:endParaRPr lang="en-US"/>
           </a:p>
@@ -1784,7 +1784,7 @@
           <a:p>
             <a:fld id="{276D79ED-3FA7-4EF8-964B-EB8BCFAB02F8}" type="datetimeFigureOut">
               <a:rPr lang="en-US" smtClean="0"/>
-              <a:t>5/19/2022</a:t>
+              <a:t>5/27/2022</a:t>
             </a:fld>
             <a:endParaRPr lang="en-US"/>
           </a:p>
@@ -2041,7 +2041,7 @@
           <a:p>
             <a:fld id="{276D79ED-3FA7-4EF8-964B-EB8BCFAB02F8}" type="datetimeFigureOut">
               <a:rPr lang="en-US" smtClean="0"/>
-              <a:t>5/19/2022</a:t>
+              <a:t>5/27/2022</a:t>
             </a:fld>
             <a:endParaRPr lang="en-US"/>
           </a:p>
@@ -2263,7 +2263,7 @@
           <a:p>
             <a:fld id="{276D79ED-3FA7-4EF8-964B-EB8BCFAB02F8}" type="datetimeFigureOut">
               <a:rPr lang="en-US" smtClean="0"/>
-              <a:t>5/19/2022</a:t>
+              <a:t>5/27/2022</a:t>
             </a:fld>
             <a:endParaRPr lang="en-US"/>
           </a:p>
@@ -2807,6 +2807,10 @@
             <a:r>
               <a:rPr lang="ko-KR" altLang="en-US" dirty="0"/>
               <a:t>게임 프로그래밍 </a:t>
+            </a:r>
+            <a:r>
+              <a:rPr lang="en-US" altLang="ko-KR" dirty="0"/>
+              <a:t/>
             </a:r>
             <a:br>
               <a:rPr lang="en-US" altLang="ko-KR" dirty="0"/>
@@ -6613,7 +6617,7 @@
         </p:blipFill>
         <p:spPr bwMode="auto">
           <a:xfrm>
-            <a:off x="7261029" y="3107958"/>
+            <a:off x="7236041" y="3277177"/>
             <a:ext cx="2067796" cy="2067796"/>
           </a:xfrm>
           <a:prstGeom prst="rect">
